--- a/_Paper/X.最终毕业论文/Spam Detection Classifier.pptx
+++ b/_Paper/X.最终毕业论文/Spam Detection Classifier.pptx
@@ -3196,7 +3196,7 @@
             <a:fld id="{1D8BD707-D9CF-40AE-B4C6-C98DA3205C09}" type="datetimeFigureOut">
               <a:rPr lang="en-US" smtClean="0"/>
               <a:pPr/>
-              <a:t>2/20/2013</a:t>
+              <a:t>10/24/2013</a:t>
             </a:fld>
             <a:endParaRPr lang="en-US"/>
           </a:p>
@@ -3363,7 +3363,7 @@
             <a:fld id="{1D8BD707-D9CF-40AE-B4C6-C98DA3205C09}" type="datetimeFigureOut">
               <a:rPr lang="en-US" smtClean="0"/>
               <a:pPr/>
-              <a:t>2/20/2013</a:t>
+              <a:t>10/24/2013</a:t>
             </a:fld>
             <a:endParaRPr lang="en-US"/>
           </a:p>
@@ -3540,7 +3540,7 @@
             <a:fld id="{1D8BD707-D9CF-40AE-B4C6-C98DA3205C09}" type="datetimeFigureOut">
               <a:rPr lang="en-US" smtClean="0"/>
               <a:pPr/>
-              <a:t>2/20/2013</a:t>
+              <a:t>10/24/2013</a:t>
             </a:fld>
             <a:endParaRPr lang="en-US"/>
           </a:p>
@@ -3707,7 +3707,7 @@
             <a:fld id="{1D8BD707-D9CF-40AE-B4C6-C98DA3205C09}" type="datetimeFigureOut">
               <a:rPr lang="en-US" smtClean="0"/>
               <a:pPr/>
-              <a:t>2/20/2013</a:t>
+              <a:t>10/24/2013</a:t>
             </a:fld>
             <a:endParaRPr lang="en-US"/>
           </a:p>
@@ -3950,7 +3950,7 @@
             <a:fld id="{1D8BD707-D9CF-40AE-B4C6-C98DA3205C09}" type="datetimeFigureOut">
               <a:rPr lang="en-US" smtClean="0"/>
               <a:pPr/>
-              <a:t>2/20/2013</a:t>
+              <a:t>10/24/2013</a:t>
             </a:fld>
             <a:endParaRPr lang="en-US"/>
           </a:p>
@@ -4235,7 +4235,7 @@
             <a:fld id="{1D8BD707-D9CF-40AE-B4C6-C98DA3205C09}" type="datetimeFigureOut">
               <a:rPr lang="en-US" smtClean="0"/>
               <a:pPr/>
-              <a:t>2/20/2013</a:t>
+              <a:t>10/24/2013</a:t>
             </a:fld>
             <a:endParaRPr lang="en-US"/>
           </a:p>
@@ -4654,7 +4654,7 @@
             <a:fld id="{1D8BD707-D9CF-40AE-B4C6-C98DA3205C09}" type="datetimeFigureOut">
               <a:rPr lang="en-US" smtClean="0"/>
               <a:pPr/>
-              <a:t>2/20/2013</a:t>
+              <a:t>10/24/2013</a:t>
             </a:fld>
             <a:endParaRPr lang="en-US"/>
           </a:p>
@@ -4769,7 +4769,7 @@
             <a:fld id="{1D8BD707-D9CF-40AE-B4C6-C98DA3205C09}" type="datetimeFigureOut">
               <a:rPr lang="en-US" smtClean="0"/>
               <a:pPr/>
-              <a:t>2/20/2013</a:t>
+              <a:t>10/24/2013</a:t>
             </a:fld>
             <a:endParaRPr lang="en-US"/>
           </a:p>
@@ -4861,7 +4861,7 @@
             <a:fld id="{1D8BD707-D9CF-40AE-B4C6-C98DA3205C09}" type="datetimeFigureOut">
               <a:rPr lang="en-US" smtClean="0"/>
               <a:pPr/>
-              <a:t>2/20/2013</a:t>
+              <a:t>10/24/2013</a:t>
             </a:fld>
             <a:endParaRPr lang="en-US"/>
           </a:p>
@@ -5135,7 +5135,7 @@
             <a:fld id="{1D8BD707-D9CF-40AE-B4C6-C98DA3205C09}" type="datetimeFigureOut">
               <a:rPr lang="en-US" smtClean="0"/>
               <a:pPr/>
-              <a:t>2/20/2013</a:t>
+              <a:t>10/24/2013</a:t>
             </a:fld>
             <a:endParaRPr lang="en-US"/>
           </a:p>
@@ -5385,7 +5385,7 @@
             <a:fld id="{1D8BD707-D9CF-40AE-B4C6-C98DA3205C09}" type="datetimeFigureOut">
               <a:rPr lang="en-US" smtClean="0"/>
               <a:pPr/>
-              <a:t>2/20/2013</a:t>
+              <a:t>10/24/2013</a:t>
             </a:fld>
             <a:endParaRPr lang="en-US"/>
           </a:p>
@@ -5595,7 +5595,7 @@
             <a:fld id="{1D8BD707-D9CF-40AE-B4C6-C98DA3205C09}" type="datetimeFigureOut">
               <a:rPr lang="en-US" smtClean="0"/>
               <a:pPr/>
-              <a:t>2/20/2013</a:t>
+              <a:t>10/24/2013</a:t>
             </a:fld>
             <a:endParaRPr lang="en-US"/>
           </a:p>
@@ -6418,7 +6418,7 @@
             <p:spPr/>
             <p:txBody>
               <a:bodyPr>
-                <a:normAutofit fontScale="77500" lnSpcReduction="20000"/>
+                <a:normAutofit fontScale="62500" lnSpcReduction="20000"/>
               </a:bodyPr>
               <a:lstStyle/>
               <a:p>
@@ -6439,528 +6439,976 @@
                 </a:r>
               </a:p>
               <a:p>
-                <a:pPr lvl="1"/>
+                <a:pPr marL="457200" lvl="1" indent="0">
+                  <a:buNone/>
+                </a:pPr>
                 <a14:m>
-                  <m:oMath xmlns:m="http://schemas.openxmlformats.org/officeDocument/2006/math">
-                    <m:r>
-                      <a:rPr lang="en-US" altLang="zh-CN" b="0" i="1">
-                        <a:latin typeface="Cambria Math"/>
-                      </a:rPr>
-                      <m:t>𝑤𝑝</m:t>
-                    </m:r>
-                    <m:d>
-                      <m:dPr>
-                        <m:ctrlPr>
-                          <a:rPr lang="en-US" altLang="zh-CN" b="0" i="1">
-                            <a:latin typeface="Cambria Math"/>
-                          </a:rPr>
-                        </m:ctrlPr>
-                      </m:dPr>
-                      <m:e>
-                        <m:r>
-                          <a:rPr lang="en-US" altLang="zh-CN" b="0" i="1">
-                            <a:latin typeface="Cambria Math"/>
-                          </a:rPr>
-                          <m:t>𝑓𝑒𝑎𝑡𝑢𝑟𝑒</m:t>
-                        </m:r>
-                      </m:e>
-                    </m:d>
-                    <m:r>
-                      <a:rPr lang="en-US" altLang="zh-CN" b="0" i="1">
-                        <a:latin typeface="Cambria Math"/>
-                      </a:rPr>
-                      <m:t>=</m:t>
-                    </m:r>
-                    <m:f>
-                      <m:fPr>
-                        <m:ctrlPr>
-                          <a:rPr lang="en-US" altLang="zh-CN" i="1">
-                            <a:latin typeface="Cambria Math"/>
-                          </a:rPr>
-                        </m:ctrlPr>
-                      </m:fPr>
-                      <m:num>
-                        <m:r>
-                          <a:rPr lang="en-US" altLang="zh-CN" b="0" i="1">
-                            <a:latin typeface="Cambria Math"/>
-                          </a:rPr>
-                          <m:t>𝑤𝑒𝑖𝑔h𝑡</m:t>
-                        </m:r>
-                        <m:r>
-                          <a:rPr lang="en-US" altLang="zh-CN" b="0" i="1">
-                            <a:latin typeface="Cambria Math"/>
-                          </a:rPr>
-                          <m:t>∗</m:t>
-                        </m:r>
-                        <m:r>
-                          <a:rPr lang="en-US" altLang="zh-CN" b="0" i="1">
-                            <a:latin typeface="Cambria Math"/>
-                          </a:rPr>
-                          <m:t>𝑎𝑠𝑠𝑢𝑚𝑒𝑑𝑝𝑟𝑜𝑏</m:t>
-                        </m:r>
-                        <m:r>
-                          <a:rPr lang="en-US" altLang="zh-CN" b="0" i="1">
-                            <a:latin typeface="Cambria Math"/>
-                          </a:rPr>
-                          <m:t>+</m:t>
-                        </m:r>
-                        <m:r>
-                          <a:rPr lang="en-US" altLang="zh-CN" b="0" i="1">
-                            <a:latin typeface="Cambria Math"/>
-                          </a:rPr>
-                          <m:t>𝑡𝑜𝑡𝑎𝑙𝑠</m:t>
-                        </m:r>
-                        <m:d>
-                          <m:dPr>
-                            <m:ctrlPr>
-                              <a:rPr lang="en-US" altLang="zh-CN" b="0" i="1">
-                                <a:latin typeface="Cambria Math"/>
-                              </a:rPr>
-                            </m:ctrlPr>
-                          </m:dPr>
-                          <m:e>
-                            <m:r>
-                              <a:rPr lang="en-US" altLang="zh-CN" b="0" i="1">
-                                <a:latin typeface="Cambria Math"/>
-                              </a:rPr>
-                              <m:t>𝑓𝑒𝑎𝑡𝑢𝑟𝑒</m:t>
-                            </m:r>
-                          </m:e>
-                        </m:d>
-                        <m:r>
-                          <a:rPr lang="en-US" altLang="zh-CN" b="0" i="1">
-                            <a:latin typeface="Cambria Math"/>
-                          </a:rPr>
-                          <m:t>∗</m:t>
-                        </m:r>
-                        <m:r>
-                          <a:rPr lang="en-US" altLang="zh-CN" b="0" i="1">
-                            <a:latin typeface="Cambria Math"/>
-                          </a:rPr>
-                          <m:t>𝑝𝑟𝑜𝑏</m:t>
-                        </m:r>
-                        <m:r>
-                          <a:rPr lang="en-US" altLang="zh-CN" b="0" i="1">
-                            <a:latin typeface="Cambria Math"/>
-                          </a:rPr>
-                          <m:t>(</m:t>
-                        </m:r>
-                        <m:r>
-                          <a:rPr lang="en-US" altLang="zh-CN" b="0" i="1">
-                            <a:latin typeface="Cambria Math"/>
-                          </a:rPr>
-                          <m:t>𝑓𝑒𝑎𝑡𝑢𝑟𝑒</m:t>
-                        </m:r>
-                        <m:r>
-                          <a:rPr lang="en-US" altLang="zh-CN" b="0" i="1" smtClean="0">
-                            <a:latin typeface="Cambria Math"/>
-                          </a:rPr>
-                          <m:t>|</m:t>
-                        </m:r>
-                        <m:r>
-                          <a:rPr lang="en-US" altLang="zh-CN" b="0" i="1">
-                            <a:latin typeface="Cambria Math"/>
-                          </a:rPr>
-                          <m:t>𝑐𝑎𝑡</m:t>
-                        </m:r>
-                        <m:r>
-                          <a:rPr lang="en-US" altLang="zh-CN" b="0" i="1">
-                            <a:latin typeface="Cambria Math"/>
-                          </a:rPr>
-                          <m:t>)</m:t>
-                        </m:r>
-                      </m:num>
-                      <m:den>
-                        <m:r>
-                          <a:rPr lang="en-US" altLang="zh-CN" b="0" i="1">
-                            <a:latin typeface="Cambria Math"/>
-                          </a:rPr>
-                          <m:t>𝑤𝑒𝑖𝑔h𝑡</m:t>
-                        </m:r>
-                        <m:r>
-                          <a:rPr lang="en-US" altLang="zh-CN" b="0" i="1">
-                            <a:latin typeface="Cambria Math"/>
-                          </a:rPr>
-                          <m:t>+</m:t>
-                        </m:r>
-                        <m:r>
-                          <a:rPr lang="en-US" altLang="zh-CN" b="0" i="1">
-                            <a:latin typeface="Cambria Math"/>
-                          </a:rPr>
-                          <m:t>𝑡𝑜𝑡𝑎𝑙𝑠</m:t>
-                        </m:r>
-                        <m:r>
-                          <a:rPr lang="en-US" altLang="zh-CN" b="0" i="1">
-                            <a:latin typeface="Cambria Math"/>
-                          </a:rPr>
-                          <m:t>(</m:t>
-                        </m:r>
-                        <m:r>
-                          <a:rPr lang="en-US" altLang="zh-CN" b="0" i="1">
-                            <a:latin typeface="Cambria Math"/>
-                          </a:rPr>
-                          <m:t>𝑓𝑒𝑎𝑡𝑢𝑟𝑒</m:t>
-                        </m:r>
-                        <m:r>
-                          <a:rPr lang="en-US" altLang="zh-CN" b="0" i="1">
-                            <a:latin typeface="Cambria Math"/>
-                          </a:rPr>
-                          <m:t>)</m:t>
-                        </m:r>
-                      </m:den>
-                    </m:f>
-                  </m:oMath>
+                  <m:oMathPara xmlns:m="http://schemas.openxmlformats.org/officeDocument/2006/math">
+                    <m:oMathParaPr>
+                      <m:jc m:val="centerGroup"/>
+                    </m:oMathParaPr>
+                    <m:oMath xmlns:m="http://schemas.openxmlformats.org/officeDocument/2006/math">
+                      <m:r>
+                        <a:rPr lang="en-US" altLang="zh-CN" sz="2100" b="0" i="1">
+                          <a:latin typeface="Cambria Math"/>
+                        </a:rPr>
+                        <m:t>𝑤𝑝</m:t>
+                      </m:r>
+                      <m:d>
+                        <m:dPr>
+                          <m:ctrlPr>
+                            <a:rPr lang="en-US" altLang="zh-CN" sz="2100" b="0" i="1">
+                              <a:latin typeface="Cambria Math"/>
+                            </a:rPr>
+                          </m:ctrlPr>
+                        </m:dPr>
+                        <m:e>
+                          <m:r>
+                            <a:rPr lang="en-US" altLang="zh-CN" sz="2100" b="0" i="1">
+                              <a:latin typeface="Cambria Math"/>
+                            </a:rPr>
+                            <m:t>𝑓𝑒𝑎𝑡𝑢𝑟𝑒</m:t>
+                          </m:r>
+                        </m:e>
+                      </m:d>
+                      <m:r>
+                        <a:rPr lang="en-US" altLang="zh-CN" sz="2100" b="0" i="1">
+                          <a:latin typeface="Cambria Math"/>
+                        </a:rPr>
+                        <m:t>=</m:t>
+                      </m:r>
+                      <m:f>
+                        <m:fPr>
+                          <m:ctrlPr>
+                            <a:rPr lang="en-US" altLang="zh-CN" sz="2100" i="1">
+                              <a:latin typeface="Cambria Math"/>
+                            </a:rPr>
+                          </m:ctrlPr>
+                        </m:fPr>
+                        <m:num>
+                          <m:r>
+                            <a:rPr lang="en-US" altLang="zh-CN" sz="2100" b="0" i="1">
+                              <a:latin typeface="Cambria Math"/>
+                            </a:rPr>
+                            <m:t>𝑤𝑒𝑖𝑔h𝑡</m:t>
+                          </m:r>
+                          <m:r>
+                            <a:rPr lang="en-US" altLang="zh-CN" sz="2100" b="0" i="1">
+                              <a:latin typeface="Cambria Math"/>
+                            </a:rPr>
+                            <m:t>∗</m:t>
+                          </m:r>
+                          <m:r>
+                            <a:rPr lang="en-US" altLang="zh-CN" sz="2100" b="0" i="1">
+                              <a:latin typeface="Cambria Math"/>
+                            </a:rPr>
+                            <m:t>𝑎𝑠𝑠𝑢𝑚𝑒𝑑𝑝𝑟𝑜𝑏</m:t>
+                          </m:r>
+                          <m:r>
+                            <a:rPr lang="en-US" altLang="zh-CN" sz="2100" b="0" i="1">
+                              <a:latin typeface="Cambria Math"/>
+                            </a:rPr>
+                            <m:t>+</m:t>
+                          </m:r>
+                          <m:r>
+                            <a:rPr lang="en-US" altLang="zh-CN" sz="2100" b="0" i="1">
+                              <a:latin typeface="Cambria Math"/>
+                            </a:rPr>
+                            <m:t>𝑡𝑜𝑡𝑎𝑙𝑠</m:t>
+                          </m:r>
+                          <m:d>
+                            <m:dPr>
+                              <m:ctrlPr>
+                                <a:rPr lang="en-US" altLang="zh-CN" sz="2100" b="0" i="1">
+                                  <a:latin typeface="Cambria Math"/>
+                                </a:rPr>
+                              </m:ctrlPr>
+                            </m:dPr>
+                            <m:e>
+                              <m:r>
+                                <a:rPr lang="en-US" altLang="zh-CN" sz="2100" b="0" i="1">
+                                  <a:latin typeface="Cambria Math"/>
+                                </a:rPr>
+                                <m:t>𝑓𝑒𝑎𝑡𝑢𝑟𝑒</m:t>
+                              </m:r>
+                            </m:e>
+                          </m:d>
+                          <m:r>
+                            <a:rPr lang="en-US" altLang="zh-CN" sz="2100" b="0" i="1">
+                              <a:latin typeface="Cambria Math"/>
+                            </a:rPr>
+                            <m:t>∗</m:t>
+                          </m:r>
+                          <m:r>
+                            <a:rPr lang="en-US" altLang="zh-CN" sz="2100" b="0" i="1">
+                              <a:latin typeface="Cambria Math"/>
+                            </a:rPr>
+                            <m:t>𝑝𝑟𝑜𝑏</m:t>
+                          </m:r>
+                          <m:r>
+                            <a:rPr lang="en-US" altLang="zh-CN" sz="2100" b="0" i="1">
+                              <a:latin typeface="Cambria Math"/>
+                            </a:rPr>
+                            <m:t>(</m:t>
+                          </m:r>
+                          <m:r>
+                            <a:rPr lang="en-US" altLang="zh-CN" sz="2100" b="0" i="1">
+                              <a:latin typeface="Cambria Math"/>
+                            </a:rPr>
+                            <m:t>𝑓𝑒𝑎𝑡𝑢𝑟𝑒</m:t>
+                          </m:r>
+                          <m:r>
+                            <a:rPr lang="en-US" altLang="zh-CN" sz="2100" b="0" i="1" smtClean="0">
+                              <a:latin typeface="Cambria Math"/>
+                            </a:rPr>
+                            <m:t>|</m:t>
+                          </m:r>
+                          <m:r>
+                            <a:rPr lang="en-US" altLang="zh-CN" sz="2100" b="0" i="1">
+                              <a:latin typeface="Cambria Math"/>
+                            </a:rPr>
+                            <m:t>𝑐𝑎𝑡</m:t>
+                          </m:r>
+                          <m:r>
+                            <a:rPr lang="en-US" altLang="zh-CN" sz="2100" b="0" i="1">
+                              <a:latin typeface="Cambria Math"/>
+                            </a:rPr>
+                            <m:t>)</m:t>
+                          </m:r>
+                        </m:num>
+                        <m:den>
+                          <m:r>
+                            <a:rPr lang="en-US" altLang="zh-CN" sz="2100" b="0" i="1">
+                              <a:latin typeface="Cambria Math"/>
+                            </a:rPr>
+                            <m:t>𝑡𝑜𝑡𝑎𝑙𝑠</m:t>
+                          </m:r>
+                          <m:r>
+                            <a:rPr lang="en-US" altLang="zh-CN" sz="2100" b="0" i="1">
+                              <a:latin typeface="Cambria Math"/>
+                            </a:rPr>
+                            <m:t>(</m:t>
+                          </m:r>
+                          <m:r>
+                            <a:rPr lang="en-US" altLang="zh-CN" sz="2100" b="0" i="1">
+                              <a:latin typeface="Cambria Math"/>
+                            </a:rPr>
+                            <m:t>𝑓𝑒𝑎𝑡𝑢𝑟𝑒</m:t>
+                          </m:r>
+                          <m:r>
+                            <a:rPr lang="en-US" altLang="zh-CN" sz="2100" b="0" i="1">
+                              <a:latin typeface="Cambria Math"/>
+                            </a:rPr>
+                            <m:t>)</m:t>
+                          </m:r>
+                        </m:den>
+                      </m:f>
+                    </m:oMath>
+                  </m:oMathPara>
                 </a14:m>
-                <a:endParaRPr lang="en-US" altLang="zh-CN" b="0" dirty="0"/>
+                <a:endParaRPr lang="en-US" altLang="zh-CN" sz="2100" b="0" dirty="0" smtClean="0"/>
               </a:p>
               <a:p>
-                <a:pPr lvl="1"/>
+                <a:pPr marL="457200" lvl="1" indent="0">
+                  <a:buNone/>
+                </a:pPr>
+                <a:endParaRPr lang="en-US" altLang="zh-CN" sz="2100" b="0" i="0" dirty="0" smtClean="0">
+                  <a:latin typeface="Cambria Math"/>
+                </a:endParaRPr>
+              </a:p>
+              <a:p>
+                <a:pPr marL="457200" lvl="1" indent="0">
+                  <a:buNone/>
+                </a:pPr>
+                <a14:m>
+                  <m:oMathPara xmlns:m="http://schemas.openxmlformats.org/officeDocument/2006/math">
+                    <m:oMathParaPr>
+                      <m:jc m:val="centerGroup"/>
+                    </m:oMathParaPr>
+                    <m:oMath xmlns:m="http://schemas.openxmlformats.org/officeDocument/2006/math">
+                      <m:r>
+                        <m:rPr>
+                          <m:sty m:val="p"/>
+                        </m:rPr>
+                        <a:rPr lang="en-US" altLang="zh-CN" sz="2100" b="0" i="0" smtClean="0">
+                          <a:latin typeface="Cambria Math"/>
+                        </a:rPr>
+                        <m:t>P</m:t>
+                      </m:r>
+                      <m:d>
+                        <m:dPr>
+                          <m:ctrlPr>
+                            <a:rPr lang="en-US" altLang="zh-CN" sz="2100" i="1">
+                              <a:latin typeface="Cambria Math"/>
+                            </a:rPr>
+                          </m:ctrlPr>
+                        </m:dPr>
+                        <m:e>
+                          <m:r>
+                            <a:rPr lang="en-US" altLang="zh-CN" sz="2100" b="0" i="1" smtClean="0">
+                              <a:latin typeface="Cambria Math"/>
+                            </a:rPr>
+                            <m:t>𝑤</m:t>
+                          </m:r>
+                          <m:r>
+                            <a:rPr lang="en-US" altLang="zh-CN" sz="2100" b="0" i="1" smtClean="0">
+                              <a:latin typeface="Cambria Math"/>
+                            </a:rPr>
+                            <m:t>|</m:t>
+                          </m:r>
+                          <m:r>
+                            <a:rPr lang="en-US" altLang="zh-CN" sz="2100" b="0" i="1" smtClean="0">
+                              <a:latin typeface="Cambria Math"/>
+                            </a:rPr>
+                            <m:t>𝑐𝑎𝑡𝑒𝑔𝑜𝑟𝑦</m:t>
+                          </m:r>
+                        </m:e>
+                      </m:d>
+                      <m:r>
+                        <a:rPr lang="en-US" altLang="zh-CN" sz="2100" i="1">
+                          <a:latin typeface="Cambria Math"/>
+                        </a:rPr>
+                        <m:t>=</m:t>
+                      </m:r>
+                      <m:f>
+                        <m:fPr>
+                          <m:ctrlPr>
+                            <a:rPr lang="en-US" altLang="zh-CN" sz="2100" i="1">
+                              <a:latin typeface="Cambria Math"/>
+                            </a:rPr>
+                          </m:ctrlPr>
+                        </m:fPr>
+                        <m:num>
+                          <m:r>
+                            <a:rPr lang="en-US" altLang="zh-CN" sz="2100" i="1">
+                              <a:latin typeface="Cambria Math"/>
+                            </a:rPr>
+                            <m:t>𝑤𝑒𝑖𝑔h𝑡</m:t>
+                          </m:r>
+                          <m:r>
+                            <a:rPr lang="en-US" altLang="zh-CN" sz="2100" i="1">
+                              <a:latin typeface="Cambria Math"/>
+                            </a:rPr>
+                            <m:t>∗</m:t>
+                          </m:r>
+                          <m:r>
+                            <a:rPr lang="en-US" altLang="zh-CN" sz="2100" b="0" i="1" smtClean="0">
+                              <a:latin typeface="Cambria Math"/>
+                            </a:rPr>
+                            <m:t>𝑏𝑎𝑠𝑒</m:t>
+                          </m:r>
+                          <m:r>
+                            <a:rPr lang="en-US" altLang="zh-CN" sz="2100" i="1">
+                              <a:latin typeface="Cambria Math"/>
+                            </a:rPr>
+                            <m:t>𝑝𝑟𝑜𝑏</m:t>
+                          </m:r>
+                          <m:r>
+                            <a:rPr lang="en-US" altLang="zh-CN" sz="2100" b="0" i="1" smtClean="0">
+                              <a:latin typeface="Cambria Math"/>
+                            </a:rPr>
+                            <m:t>+ </m:t>
+                          </m:r>
+                          <m:r>
+                            <a:rPr lang="en-US" altLang="zh-CN" sz="2100" i="1">
+                              <a:latin typeface="Cambria Math"/>
+                            </a:rPr>
+                            <m:t>𝑡𝑜𝑡𝑎𝑙</m:t>
+                          </m:r>
+                          <m:d>
+                            <m:dPr>
+                              <m:ctrlPr>
+                                <a:rPr lang="en-US" altLang="zh-CN" sz="2100" i="1">
+                                  <a:latin typeface="Cambria Math"/>
+                                </a:rPr>
+                              </m:ctrlPr>
+                            </m:dPr>
+                            <m:e>
+                              <m:r>
+                                <a:rPr lang="en-US" altLang="zh-CN" sz="2100" b="0" i="1" smtClean="0">
+                                  <a:latin typeface="Cambria Math"/>
+                                </a:rPr>
+                                <m:t>𝑤</m:t>
+                              </m:r>
+                            </m:e>
+                          </m:d>
+                          <m:r>
+                            <a:rPr lang="en-US" altLang="zh-CN" sz="2100" i="1">
+                              <a:latin typeface="Cambria Math"/>
+                            </a:rPr>
+                            <m:t>∗</m:t>
+                          </m:r>
+                          <m:r>
+                            <a:rPr lang="en-US" altLang="zh-CN" sz="2100" i="1">
+                              <a:latin typeface="Cambria Math"/>
+                            </a:rPr>
+                            <m:t>𝑝𝑟𝑜𝑏</m:t>
+                          </m:r>
+                          <m:r>
+                            <a:rPr lang="en-US" altLang="zh-CN" sz="2100" i="1">
+                              <a:latin typeface="Cambria Math"/>
+                            </a:rPr>
+                            <m:t>(</m:t>
+                          </m:r>
+                          <m:r>
+                            <a:rPr lang="en-US" altLang="zh-CN" sz="2100" b="0" i="1" smtClean="0">
+                              <a:latin typeface="Cambria Math"/>
+                            </a:rPr>
+                            <m:t>𝑤</m:t>
+                          </m:r>
+                          <m:r>
+                            <a:rPr lang="en-US" altLang="zh-CN" sz="2100" i="1">
+                              <a:latin typeface="Cambria Math"/>
+                            </a:rPr>
+                            <m:t>|</m:t>
+                          </m:r>
+                          <m:r>
+                            <a:rPr lang="en-US" altLang="zh-CN" sz="2100" i="1">
+                              <a:latin typeface="Cambria Math"/>
+                            </a:rPr>
+                            <m:t>𝑐𝑎𝑡𝑒</m:t>
+                          </m:r>
+                          <m:r>
+                            <a:rPr lang="en-US" altLang="zh-CN" sz="2100" b="0" i="1" smtClean="0">
+                              <a:latin typeface="Cambria Math"/>
+                            </a:rPr>
+                            <m:t>𝑔𝑜𝑟𝑦</m:t>
+                          </m:r>
+                          <m:r>
+                            <a:rPr lang="en-US" altLang="zh-CN" sz="2100" i="1">
+                              <a:latin typeface="Cambria Math"/>
+                            </a:rPr>
+                            <m:t>)</m:t>
+                          </m:r>
+                        </m:num>
+                        <m:den>
+                          <m:r>
+                            <a:rPr lang="en-US" altLang="zh-CN" sz="2100" i="1">
+                              <a:latin typeface="Cambria Math"/>
+                            </a:rPr>
+                            <m:t>𝑤𝑒𝑖𝑔h𝑡</m:t>
+                          </m:r>
+                          <m:r>
+                            <a:rPr lang="en-US" altLang="zh-CN" sz="2100" i="1">
+                              <a:latin typeface="Cambria Math"/>
+                            </a:rPr>
+                            <m:t>+</m:t>
+                          </m:r>
+                          <m:r>
+                            <a:rPr lang="en-US" altLang="zh-CN" sz="2100" i="1">
+                              <a:latin typeface="Cambria Math"/>
+                            </a:rPr>
+                            <m:t>𝑡𝑜𝑡𝑎𝑙</m:t>
+                          </m:r>
+                          <m:r>
+                            <a:rPr lang="en-US" altLang="zh-CN" sz="2100" i="1">
+                              <a:latin typeface="Cambria Math"/>
+                            </a:rPr>
+                            <m:t>(</m:t>
+                          </m:r>
+                          <m:r>
+                            <a:rPr lang="en-US" altLang="zh-CN" sz="2100" b="0" i="1" smtClean="0">
+                              <a:latin typeface="Cambria Math"/>
+                            </a:rPr>
+                            <m:t>𝑤</m:t>
+                          </m:r>
+                          <m:r>
+                            <a:rPr lang="en-US" altLang="zh-CN" sz="2100" i="1">
+                              <a:latin typeface="Cambria Math"/>
+                            </a:rPr>
+                            <m:t>)</m:t>
+                          </m:r>
+                        </m:den>
+                      </m:f>
+                    </m:oMath>
+                  </m:oMathPara>
+                </a14:m>
+                <a:endParaRPr lang="en-US" altLang="zh-CN" sz="2100" dirty="0" smtClean="0"/>
+              </a:p>
+              <a:p>
+                <a:pPr marL="457200" lvl="1" indent="0">
+                  <a:buNone/>
+                </a:pPr>
+                <a:endParaRPr lang="en-US" altLang="zh-CN" sz="2100" dirty="0" smtClean="0"/>
+              </a:p>
+              <a:p>
+                <a:pPr marL="457200" lvl="1" indent="0">
+                  <a:buNone/>
+                </a:pPr>
+                <a14:m>
+                  <m:oMathPara xmlns:m="http://schemas.openxmlformats.org/officeDocument/2006/math">
+                    <m:oMathParaPr>
+                      <m:jc m:val="centerGroup"/>
+                    </m:oMathParaPr>
+                    <m:oMath xmlns:m="http://schemas.openxmlformats.org/officeDocument/2006/math">
+                      <m:r>
+                        <m:rPr>
+                          <m:sty m:val="p"/>
+                        </m:rPr>
+                        <a:rPr lang="en-US" altLang="zh-CN" sz="2100">
+                          <a:latin typeface="Cambria Math"/>
+                        </a:rPr>
+                        <m:t>P</m:t>
+                      </m:r>
+                      <m:d>
+                        <m:dPr>
+                          <m:ctrlPr>
+                            <a:rPr lang="en-US" altLang="zh-CN" sz="2100" i="1">
+                              <a:latin typeface="Cambria Math"/>
+                            </a:rPr>
+                          </m:ctrlPr>
+                        </m:dPr>
+                        <m:e>
+                          <m:r>
+                            <a:rPr lang="en-US" altLang="zh-CN" sz="2100" i="1">
+                              <a:latin typeface="Cambria Math"/>
+                            </a:rPr>
+                            <m:t>𝑤</m:t>
+                          </m:r>
+                          <m:r>
+                            <a:rPr lang="en-US" altLang="zh-CN" sz="2100" i="1">
+                              <a:latin typeface="Cambria Math"/>
+                            </a:rPr>
+                            <m:t>|</m:t>
+                          </m:r>
+                          <m:r>
+                            <a:rPr lang="en-US" altLang="zh-CN" sz="2100" i="1">
+                              <a:latin typeface="Cambria Math"/>
+                            </a:rPr>
+                            <m:t>𝑐𝑎𝑡𝑒𝑔𝑜𝑟𝑦</m:t>
+                          </m:r>
+                        </m:e>
+                      </m:d>
+                      <m:r>
+                        <a:rPr lang="en-US" altLang="zh-CN" sz="2100" i="1">
+                          <a:latin typeface="Cambria Math"/>
+                        </a:rPr>
+                        <m:t>=</m:t>
+                      </m:r>
+                      <m:f>
+                        <m:fPr>
+                          <m:ctrlPr>
+                            <a:rPr lang="en-US" altLang="zh-CN" sz="2100" i="1">
+                              <a:latin typeface="Cambria Math"/>
+                            </a:rPr>
+                          </m:ctrlPr>
+                        </m:fPr>
+                        <m:num>
+                          <m:r>
+                            <a:rPr lang="en-US" altLang="zh-CN" sz="2100" i="1">
+                              <a:latin typeface="Cambria Math"/>
+                            </a:rPr>
+                            <m:t>𝑡𝑜𝑡𝑎𝑙</m:t>
+                          </m:r>
+                          <m:d>
+                            <m:dPr>
+                              <m:ctrlPr>
+                                <a:rPr lang="en-US" altLang="zh-CN" sz="2100" i="1">
+                                  <a:latin typeface="Cambria Math"/>
+                                </a:rPr>
+                              </m:ctrlPr>
+                            </m:dPr>
+                            <m:e>
+                              <m:r>
+                                <a:rPr lang="en-US" altLang="zh-CN" sz="2100" i="1">
+                                  <a:latin typeface="Cambria Math"/>
+                                </a:rPr>
+                                <m:t>𝑤</m:t>
+                              </m:r>
+                            </m:e>
+                          </m:d>
+                          <m:r>
+                            <a:rPr lang="en-US" altLang="zh-CN" sz="2100" i="1">
+                              <a:latin typeface="Cambria Math"/>
+                            </a:rPr>
+                            <m:t>∗</m:t>
+                          </m:r>
+                          <m:r>
+                            <a:rPr lang="en-US" altLang="zh-CN" sz="2100" i="1">
+                              <a:latin typeface="Cambria Math"/>
+                            </a:rPr>
+                            <m:t>𝑝𝑟𝑜𝑏</m:t>
+                          </m:r>
+                          <m:r>
+                            <a:rPr lang="en-US" altLang="zh-CN" sz="2100" i="1">
+                              <a:latin typeface="Cambria Math"/>
+                            </a:rPr>
+                            <m:t>(</m:t>
+                          </m:r>
+                          <m:r>
+                            <a:rPr lang="en-US" altLang="zh-CN" sz="2100" i="1">
+                              <a:latin typeface="Cambria Math"/>
+                            </a:rPr>
+                            <m:t>𝑤</m:t>
+                          </m:r>
+                          <m:r>
+                            <a:rPr lang="en-US" altLang="zh-CN" sz="2100" i="1">
+                              <a:latin typeface="Cambria Math"/>
+                            </a:rPr>
+                            <m:t>|</m:t>
+                          </m:r>
+                          <m:r>
+                            <a:rPr lang="en-US" altLang="zh-CN" sz="2100" i="1">
+                              <a:latin typeface="Cambria Math"/>
+                            </a:rPr>
+                            <m:t>𝑐𝑎𝑡𝑒𝑔𝑜𝑟𝑦</m:t>
+                          </m:r>
+                          <m:r>
+                            <a:rPr lang="en-US" altLang="zh-CN" sz="2100" i="1">
+                              <a:latin typeface="Cambria Math"/>
+                            </a:rPr>
+                            <m:t>)</m:t>
+                          </m:r>
+                        </m:num>
+                        <m:den>
+                          <m:r>
+                            <a:rPr lang="en-US" altLang="zh-CN" sz="2100" i="1">
+                              <a:latin typeface="Cambria Math"/>
+                            </a:rPr>
+                            <m:t>𝑡𝑜𝑡𝑎𝑙</m:t>
+                          </m:r>
+                          <m:r>
+                            <a:rPr lang="en-US" altLang="zh-CN" sz="2100" i="1">
+                              <a:latin typeface="Cambria Math"/>
+                            </a:rPr>
+                            <m:t>(</m:t>
+                          </m:r>
+                          <m:r>
+                            <a:rPr lang="en-US" altLang="zh-CN" sz="2100" i="1">
+                              <a:latin typeface="Cambria Math"/>
+                            </a:rPr>
+                            <m:t>𝑤</m:t>
+                          </m:r>
+                          <m:r>
+                            <a:rPr lang="en-US" altLang="zh-CN" sz="2100" i="1">
+                              <a:latin typeface="Cambria Math"/>
+                            </a:rPr>
+                            <m:t>)</m:t>
+                          </m:r>
+                        </m:den>
+                      </m:f>
+                    </m:oMath>
+                  </m:oMathPara>
+                </a14:m>
+                <a:endParaRPr lang="en-US" altLang="zh-CN" sz="2100" dirty="0"/>
+              </a:p>
+              <a:p>
+                <a:pPr marL="457200" lvl="1" indent="0">
+                  <a:buNone/>
+                </a:pPr>
                 <a:endParaRPr lang="en-US" altLang="zh-CN" i="1" dirty="0" smtClean="0">
                   <a:latin typeface="Cambria Math"/>
                 </a:endParaRPr>
               </a:p>
               <a:p>
-                <a:pPr lvl="1"/>
+                <a:pPr marL="457200" lvl="1" indent="0">
+                  <a:buNone/>
+                </a:pPr>
                 <a14:m>
-                  <m:oMath xmlns:m="http://schemas.openxmlformats.org/officeDocument/2006/math">
-                    <m:r>
-                      <a:rPr lang="en-US" altLang="zh-CN" i="1">
-                        <a:latin typeface="Cambria Math"/>
-                      </a:rPr>
-                      <m:t>𝑤𝑒𝑖𝑔h𝑡</m:t>
-                    </m:r>
-                    <m:r>
-                      <a:rPr lang="en-US" altLang="zh-CN" i="1">
-                        <a:latin typeface="Cambria Math"/>
-                      </a:rPr>
-                      <m:t>=1.0  </m:t>
-                    </m:r>
-                    <m:r>
-                      <a:rPr lang="en-US" altLang="zh-CN" i="1">
-                        <a:latin typeface="Cambria Math"/>
-                      </a:rPr>
-                      <m:t>𝑎𝑠𝑠𝑢𝑚𝑒𝑑𝑝𝑟𝑜𝑏</m:t>
-                    </m:r>
-                    <m:r>
-                      <a:rPr lang="en-US" altLang="zh-CN" i="1">
-                        <a:latin typeface="Cambria Math"/>
-                      </a:rPr>
-                      <m:t>=0.5</m:t>
-                    </m:r>
-                  </m:oMath>
+                  <m:oMathPara xmlns:m="http://schemas.openxmlformats.org/officeDocument/2006/math">
+                    <m:oMathParaPr>
+                      <m:jc m:val="centerGroup"/>
+                    </m:oMathParaPr>
+                    <m:oMath xmlns:m="http://schemas.openxmlformats.org/officeDocument/2006/math">
+                      <m:r>
+                        <a:rPr lang="en-US" altLang="zh-CN" sz="2600" i="1">
+                          <a:latin typeface="Cambria Math"/>
+                        </a:rPr>
+                        <m:t>𝑤𝑒𝑖𝑔h𝑡</m:t>
+                      </m:r>
+                      <m:r>
+                        <a:rPr lang="en-US" altLang="zh-CN" sz="2600" i="1">
+                          <a:latin typeface="Cambria Math"/>
+                        </a:rPr>
+                        <m:t>=1.0  </m:t>
+                      </m:r>
+                      <m:r>
+                        <a:rPr lang="en-US" altLang="zh-CN" sz="2600" i="1">
+                          <a:latin typeface="Cambria Math"/>
+                        </a:rPr>
+                        <m:t>𝑎𝑠𝑠𝑢𝑚𝑒𝑑𝑝𝑟𝑜𝑏</m:t>
+                      </m:r>
+                      <m:r>
+                        <a:rPr lang="en-US" altLang="zh-CN" sz="2600" i="1">
+                          <a:latin typeface="Cambria Math"/>
+                        </a:rPr>
+                        <m:t>=</m:t>
+                      </m:r>
+                      <m:f>
+                        <m:fPr>
+                          <m:ctrlPr>
+                            <a:rPr lang="en-US" altLang="zh-CN" sz="2600" b="0" i="1" smtClean="0">
+                              <a:latin typeface="Cambria Math"/>
+                            </a:rPr>
+                          </m:ctrlPr>
+                        </m:fPr>
+                        <m:num>
+                          <m:r>
+                            <a:rPr lang="en-US" altLang="zh-CN" sz="2600" i="1">
+                              <a:latin typeface="Cambria Math"/>
+                            </a:rPr>
+                            <m:t>𝑤𝑒𝑖𝑔h𝑡</m:t>
+                          </m:r>
+                        </m:num>
+                        <m:den>
+                          <m:r>
+                            <a:rPr lang="en-US" altLang="zh-CN" sz="2600" i="1">
+                              <a:latin typeface="Cambria Math"/>
+                            </a:rPr>
+                            <m:t>𝑡𝑜𝑡𝑎𝑙</m:t>
+                          </m:r>
+                          <m:r>
+                            <a:rPr lang="en-US" altLang="zh-CN" sz="2600" i="1">
+                              <a:latin typeface="Cambria Math"/>
+                            </a:rPr>
+                            <m:t>(</m:t>
+                          </m:r>
+                          <m:r>
+                            <a:rPr lang="en-US" altLang="zh-CN" sz="2600" i="1">
+                              <a:latin typeface="Cambria Math"/>
+                            </a:rPr>
+                            <m:t>𝑐𝑎𝑡𝑒𝑔𝑜𝑟𝑦</m:t>
+                          </m:r>
+                          <m:r>
+                            <a:rPr lang="en-US" altLang="zh-CN" sz="2600" i="1">
+                              <a:latin typeface="Cambria Math"/>
+                            </a:rPr>
+                            <m:t>)</m:t>
+                          </m:r>
+                          <m:r>
+                            <m:rPr>
+                              <m:nor/>
+                            </m:rPr>
+                            <a:rPr lang="en-US" altLang="zh-CN" sz="2600" dirty="0"/>
+                            <m:t> </m:t>
+                          </m:r>
+                        </m:den>
+                      </m:f>
+                    </m:oMath>
+                  </m:oMathPara>
                 </a14:m>
-                <a:endParaRPr lang="en-US" altLang="zh-CN" dirty="0"/>
-              </a:p>
-              <a:p>
-                <a:pPr lvl="1"/>
-                <a:endParaRPr lang="en-US" altLang="zh-CN" b="0" i="1" dirty="0" smtClean="0">
+                <a:endParaRPr lang="en-US" altLang="zh-CN" sz="2600" b="0" i="1" dirty="0" smtClean="0">
                   <a:latin typeface="Cambria Math"/>
                 </a:endParaRPr>
               </a:p>
               <a:p>
-                <a:pPr lvl="1"/>
+                <a:pPr marL="457200" lvl="1" indent="0">
+                  <a:buNone/>
+                </a:pPr>
                 <a14:m>
-                  <m:oMath xmlns:m="http://schemas.openxmlformats.org/officeDocument/2006/math">
-                    <m:r>
-                      <a:rPr lang="en-US" altLang="zh-CN" b="0" i="1" smtClean="0">
-                        <a:latin typeface="Cambria Math"/>
-                      </a:rPr>
-                      <m:t>𝑡𝑜𝑡𝑎𝑙𝑠</m:t>
-                    </m:r>
-                    <m:d>
-                      <m:dPr>
-                        <m:ctrlPr>
-                          <a:rPr lang="en-US" altLang="zh-CN" b="0" i="1" smtClean="0">
-                            <a:latin typeface="Cambria Math"/>
-                          </a:rPr>
-                        </m:ctrlPr>
-                      </m:dPr>
-                      <m:e>
-                        <m:r>
-                          <a:rPr lang="en-US" altLang="zh-CN" b="0" i="1" smtClean="0">
-                            <a:latin typeface="Cambria Math"/>
-                          </a:rPr>
-                          <m:t>𝑓𝑒𝑎𝑡𝑢𝑟𝑒</m:t>
-                        </m:r>
-                      </m:e>
-                    </m:d>
-                    <m:r>
-                      <a:rPr lang="en-US" altLang="zh-CN" b="0" i="1" smtClean="0">
-                        <a:latin typeface="Cambria Math"/>
-                      </a:rPr>
-                      <m:t>= </m:t>
-                    </m:r>
-                    <m:nary>
-                      <m:naryPr>
-                        <m:chr m:val="∑"/>
-                        <m:subHide m:val="on"/>
-                        <m:supHide m:val="on"/>
-                        <m:ctrlPr>
-                          <a:rPr lang="en-US" altLang="zh-CN" b="0" i="1" smtClean="0">
-                            <a:latin typeface="Cambria Math"/>
-                          </a:rPr>
-                        </m:ctrlPr>
-                      </m:naryPr>
-                      <m:sub/>
-                      <m:sup/>
-                      <m:e>
-                        <m:r>
-                          <a:rPr lang="en-US" altLang="zh-CN" b="0" i="1" smtClean="0">
-                            <a:latin typeface="Cambria Math"/>
-                          </a:rPr>
-                          <m:t>𝑐𝑜𝑢𝑛𝑡</m:t>
-                        </m:r>
-                        <m:r>
-                          <a:rPr lang="en-US" altLang="zh-CN" b="0" i="1" smtClean="0">
-                            <a:latin typeface="Cambria Math"/>
-                          </a:rPr>
-                          <m:t>(</m:t>
-                        </m:r>
-                        <m:r>
-                          <a:rPr lang="en-US" altLang="zh-CN" b="0" i="1" smtClean="0">
-                            <a:latin typeface="Cambria Math"/>
-                          </a:rPr>
-                          <m:t>𝑓𝑒𝑎𝑡𝑢𝑟𝑒</m:t>
-                        </m:r>
-                        <m:r>
-                          <a:rPr lang="en-US" altLang="zh-CN" b="0" i="1" smtClean="0">
-                            <a:latin typeface="Cambria Math"/>
-                          </a:rPr>
-                          <m:t> </m:t>
-                        </m:r>
-                        <m:r>
-                          <a:rPr lang="en-US" altLang="zh-CN" b="0" i="1" smtClean="0">
-                            <a:latin typeface="Cambria Math"/>
-                          </a:rPr>
-                          <m:t>𝑖𝑛</m:t>
-                        </m:r>
-                        <m:r>
-                          <a:rPr lang="en-US" altLang="zh-CN" b="0" i="1" smtClean="0">
-                            <a:latin typeface="Cambria Math"/>
-                          </a:rPr>
-                          <m:t> </m:t>
-                        </m:r>
-                        <m:r>
-                          <a:rPr lang="en-US" altLang="zh-CN" b="0" i="1" smtClean="0">
-                            <a:latin typeface="Cambria Math"/>
-                          </a:rPr>
-                          <m:t>𝑎𝑙𝑙</m:t>
-                        </m:r>
-                        <m:r>
-                          <a:rPr lang="en-US" altLang="zh-CN" b="0" i="1" smtClean="0">
-                            <a:latin typeface="Cambria Math"/>
-                          </a:rPr>
-                          <m:t> </m:t>
-                        </m:r>
-                        <m:r>
-                          <a:rPr lang="en-US" altLang="zh-CN" b="0" i="1" smtClean="0">
-                            <a:latin typeface="Cambria Math"/>
-                          </a:rPr>
-                          <m:t>𝑐𝑎𝑡𝑒𝑔𝑜𝑟𝑦</m:t>
-                        </m:r>
-                        <m:r>
-                          <a:rPr lang="en-US" altLang="zh-CN" b="0" i="1" smtClean="0">
-                            <a:latin typeface="Cambria Math"/>
-                          </a:rPr>
-                          <m:t>)</m:t>
-                        </m:r>
-                      </m:e>
-                    </m:nary>
-                  </m:oMath>
+                  <m:oMathPara xmlns:m="http://schemas.openxmlformats.org/officeDocument/2006/math">
+                    <m:oMathParaPr>
+                      <m:jc m:val="centerGroup"/>
+                    </m:oMathParaPr>
+                    <m:oMath xmlns:m="http://schemas.openxmlformats.org/officeDocument/2006/math">
+                      <m:r>
+                        <a:rPr lang="en-US" altLang="zh-CN" sz="2600" b="0" i="1" smtClean="0">
+                          <a:latin typeface="Cambria Math"/>
+                        </a:rPr>
+                        <m:t>𝑡𝑜𝑡𝑎𝑙𝑠</m:t>
+                      </m:r>
+                      <m:d>
+                        <m:dPr>
+                          <m:ctrlPr>
+                            <a:rPr lang="en-US" altLang="zh-CN" sz="2600" b="0" i="1" smtClean="0">
+                              <a:latin typeface="Cambria Math"/>
+                            </a:rPr>
+                          </m:ctrlPr>
+                        </m:dPr>
+                        <m:e>
+                          <m:r>
+                            <a:rPr lang="en-US" altLang="zh-CN" sz="2600" b="0" i="1" smtClean="0">
+                              <a:latin typeface="Cambria Math"/>
+                            </a:rPr>
+                            <m:t>𝑓𝑒𝑎𝑡𝑢𝑟𝑒</m:t>
+                          </m:r>
+                        </m:e>
+                      </m:d>
+                      <m:r>
+                        <a:rPr lang="en-US" altLang="zh-CN" sz="2600" b="0" i="1" smtClean="0">
+                          <a:latin typeface="Cambria Math"/>
+                        </a:rPr>
+                        <m:t>= </m:t>
+                      </m:r>
+                      <m:nary>
+                        <m:naryPr>
+                          <m:chr m:val="∑"/>
+                          <m:subHide m:val="on"/>
+                          <m:supHide m:val="on"/>
+                          <m:ctrlPr>
+                            <a:rPr lang="en-US" altLang="zh-CN" sz="2600" b="0" i="1" smtClean="0">
+                              <a:latin typeface="Cambria Math"/>
+                            </a:rPr>
+                          </m:ctrlPr>
+                        </m:naryPr>
+                        <m:sub/>
+                        <m:sup/>
+                        <m:e>
+                          <m:r>
+                            <a:rPr lang="en-US" altLang="zh-CN" sz="2600" b="0" i="1" smtClean="0">
+                              <a:latin typeface="Cambria Math"/>
+                            </a:rPr>
+                            <m:t>𝑐𝑜𝑢𝑛𝑡</m:t>
+                          </m:r>
+                          <m:r>
+                            <a:rPr lang="en-US" altLang="zh-CN" sz="2600" b="0" i="1" smtClean="0">
+                              <a:latin typeface="Cambria Math"/>
+                            </a:rPr>
+                            <m:t>(</m:t>
+                          </m:r>
+                          <m:r>
+                            <a:rPr lang="en-US" altLang="zh-CN" sz="2600" b="0" i="1" smtClean="0">
+                              <a:latin typeface="Cambria Math"/>
+                            </a:rPr>
+                            <m:t>𝑓𝑒𝑎𝑡𝑢𝑟𝑒</m:t>
+                          </m:r>
+                          <m:r>
+                            <a:rPr lang="en-US" altLang="zh-CN" sz="2600" b="0" i="1" smtClean="0">
+                              <a:latin typeface="Cambria Math"/>
+                            </a:rPr>
+                            <m:t> </m:t>
+                          </m:r>
+                          <m:r>
+                            <a:rPr lang="en-US" altLang="zh-CN" sz="2600" b="0" i="1" smtClean="0">
+                              <a:latin typeface="Cambria Math"/>
+                            </a:rPr>
+                            <m:t>𝑖𝑛</m:t>
+                          </m:r>
+                          <m:r>
+                            <a:rPr lang="en-US" altLang="zh-CN" sz="2600" b="0" i="1" smtClean="0">
+                              <a:latin typeface="Cambria Math"/>
+                            </a:rPr>
+                            <m:t> </m:t>
+                          </m:r>
+                          <m:r>
+                            <a:rPr lang="en-US" altLang="zh-CN" sz="2600" b="0" i="1" smtClean="0">
+                              <a:latin typeface="Cambria Math"/>
+                            </a:rPr>
+                            <m:t>𝑎𝑙𝑙</m:t>
+                          </m:r>
+                          <m:r>
+                            <a:rPr lang="en-US" altLang="zh-CN" sz="2600" b="0" i="1" smtClean="0">
+                              <a:latin typeface="Cambria Math"/>
+                            </a:rPr>
+                            <m:t> </m:t>
+                          </m:r>
+                          <m:r>
+                            <a:rPr lang="en-US" altLang="zh-CN" sz="2600" b="0" i="1" smtClean="0">
+                              <a:latin typeface="Cambria Math"/>
+                            </a:rPr>
+                            <m:t>𝑐𝑎𝑡𝑒𝑔𝑜𝑟𝑦</m:t>
+                          </m:r>
+                          <m:r>
+                            <a:rPr lang="en-US" altLang="zh-CN" sz="2600" b="0" i="1" smtClean="0">
+                              <a:latin typeface="Cambria Math"/>
+                            </a:rPr>
+                            <m:t>)</m:t>
+                          </m:r>
+                        </m:e>
+                      </m:nary>
+                    </m:oMath>
+                  </m:oMathPara>
                 </a14:m>
-                <a:endParaRPr lang="en-US" altLang="zh-CN" b="0" i="1" dirty="0" smtClean="0">
+                <a:endParaRPr lang="en-US" altLang="zh-CN" sz="2600" b="0" i="1" dirty="0" smtClean="0">
                   <a:latin typeface="Cambria Math"/>
                 </a:endParaRPr>
               </a:p>
               <a:p>
-                <a:pPr lvl="1"/>
+                <a:pPr marL="457200" lvl="1" indent="0">
+                  <a:buNone/>
+                </a:pPr>
                 <a14:m>
-                  <m:oMath xmlns:m="http://schemas.openxmlformats.org/officeDocument/2006/math">
-                    <m:r>
-                      <a:rPr lang="en-US" altLang="zh-CN" b="0" i="1" smtClean="0">
-                        <a:latin typeface="Cambria Math"/>
-                      </a:rPr>
-                      <m:t>𝑝𝑟𝑜𝑏</m:t>
-                    </m:r>
-                    <m:d>
-                      <m:dPr>
-                        <m:ctrlPr>
-                          <a:rPr lang="en-US" altLang="zh-CN" b="0" i="1" smtClean="0">
-                            <a:latin typeface="Cambria Math"/>
-                          </a:rPr>
-                        </m:ctrlPr>
-                      </m:dPr>
-                      <m:e>
-                        <m:r>
-                          <a:rPr lang="en-US" altLang="zh-CN" b="0" i="1" smtClean="0">
-                            <a:latin typeface="Cambria Math"/>
-                          </a:rPr>
-                          <m:t>𝑓𝑒𝑎𝑡𝑢𝑟𝑒</m:t>
-                        </m:r>
-                      </m:e>
-                      <m:e>
-                        <m:r>
-                          <a:rPr lang="en-US" altLang="zh-CN" b="0" i="1" smtClean="0">
-                            <a:latin typeface="Cambria Math"/>
-                          </a:rPr>
-                          <m:t>𝑐𝑎𝑡</m:t>
-                        </m:r>
-                      </m:e>
-                    </m:d>
-                    <m:r>
-                      <a:rPr lang="en-US" altLang="zh-CN" b="0" i="1" smtClean="0">
-                        <a:latin typeface="Cambria Math"/>
-                      </a:rPr>
-                      <m:t>=</m:t>
-                    </m:r>
-                    <m:f>
-                      <m:fPr>
-                        <m:ctrlPr>
-                          <a:rPr lang="en-US" altLang="zh-CN" b="0" i="1" smtClean="0">
-                            <a:latin typeface="Cambria Math"/>
-                          </a:rPr>
-                        </m:ctrlPr>
-                      </m:fPr>
-                      <m:num>
-                        <m:r>
-                          <a:rPr lang="en-US" altLang="zh-CN" b="0" i="1" smtClean="0">
-                            <a:latin typeface="Cambria Math"/>
-                          </a:rPr>
-                          <m:t>𝑐𝑜𝑢𝑛𝑡</m:t>
-                        </m:r>
-                        <m:r>
-                          <a:rPr lang="en-US" altLang="zh-CN" b="0" i="1" smtClean="0">
-                            <a:latin typeface="Cambria Math"/>
-                          </a:rPr>
-                          <m:t>(</m:t>
-                        </m:r>
-                        <m:r>
-                          <a:rPr lang="en-US" altLang="zh-CN" b="0" i="1" smtClean="0">
-                            <a:latin typeface="Cambria Math"/>
-                          </a:rPr>
-                          <m:t>𝑓𝑒𝑎𝑡𝑢𝑟𝑒</m:t>
-                        </m:r>
-                        <m:r>
-                          <a:rPr lang="en-US" altLang="zh-CN" b="0" i="1" smtClean="0">
-                            <a:latin typeface="Cambria Math"/>
-                          </a:rPr>
-                          <m:t> </m:t>
-                        </m:r>
-                        <m:r>
-                          <a:rPr lang="en-US" altLang="zh-CN" b="0" i="1" smtClean="0">
-                            <a:latin typeface="Cambria Math"/>
-                          </a:rPr>
-                          <m:t>𝑖𝑛</m:t>
-                        </m:r>
-                        <m:r>
-                          <a:rPr lang="en-US" altLang="zh-CN" b="0" i="1" smtClean="0">
-                            <a:latin typeface="Cambria Math"/>
-                          </a:rPr>
-                          <m:t> </m:t>
-                        </m:r>
-                        <m:r>
-                          <a:rPr lang="en-US" altLang="zh-CN" b="0" i="1" smtClean="0">
-                            <a:latin typeface="Cambria Math"/>
-                          </a:rPr>
-                          <m:t>𝑑𝑜𝑐</m:t>
-                        </m:r>
-                        <m:r>
-                          <a:rPr lang="en-US" altLang="zh-CN" b="0" i="1" smtClean="0">
-                            <a:latin typeface="Cambria Math"/>
-                          </a:rPr>
-                          <m:t> </m:t>
-                        </m:r>
-                        <m:r>
-                          <a:rPr lang="en-US" altLang="zh-CN" b="0" i="1" smtClean="0">
-                            <a:latin typeface="Cambria Math"/>
-                          </a:rPr>
-                          <m:t>𝑜𝑓</m:t>
-                        </m:r>
-                        <m:r>
-                          <a:rPr lang="en-US" altLang="zh-CN" b="0" i="1" smtClean="0">
-                            <a:latin typeface="Cambria Math"/>
-                          </a:rPr>
-                          <m:t> </m:t>
-                        </m:r>
-                        <m:r>
-                          <a:rPr lang="en-US" altLang="zh-CN" b="0" i="1" smtClean="0">
-                            <a:latin typeface="Cambria Math"/>
-                          </a:rPr>
-                          <m:t>𝑐𝑎𝑡</m:t>
-                        </m:r>
-                        <m:r>
-                          <a:rPr lang="en-US" altLang="zh-CN" b="0" i="1" smtClean="0">
-                            <a:latin typeface="Cambria Math"/>
-                          </a:rPr>
-                          <m:t>)</m:t>
-                        </m:r>
-                      </m:num>
-                      <m:den>
-                        <m:r>
-                          <a:rPr lang="en-US" altLang="zh-CN" b="0" i="1" smtClean="0">
-                            <a:latin typeface="Cambria Math"/>
-                          </a:rPr>
-                          <m:t>𝑐𝑜𝑢𝑛𝑡</m:t>
-                        </m:r>
-                        <m:r>
-                          <a:rPr lang="en-US" altLang="zh-CN" b="0" i="1" smtClean="0">
-                            <a:latin typeface="Cambria Math"/>
-                          </a:rPr>
-                          <m:t>(</m:t>
-                        </m:r>
-                        <m:r>
-                          <a:rPr lang="en-US" altLang="zh-CN" b="0" i="1" smtClean="0">
-                            <a:latin typeface="Cambria Math"/>
-                          </a:rPr>
-                          <m:t>𝑎𝑙𝑙</m:t>
-                        </m:r>
-                        <m:r>
-                          <a:rPr lang="en-US" altLang="zh-CN" b="0" i="1" smtClean="0">
-                            <a:latin typeface="Cambria Math"/>
-                          </a:rPr>
-                          <m:t> </m:t>
-                        </m:r>
-                        <m:r>
-                          <a:rPr lang="en-US" altLang="zh-CN" b="0" i="1" smtClean="0">
-                            <a:latin typeface="Cambria Math"/>
-                          </a:rPr>
-                          <m:t>𝑑𝑜𝑐</m:t>
-                        </m:r>
-                        <m:r>
-                          <a:rPr lang="en-US" altLang="zh-CN" b="0" i="1" smtClean="0">
-                            <a:latin typeface="Cambria Math"/>
-                          </a:rPr>
-                          <m:t> </m:t>
-                        </m:r>
-                        <m:r>
-                          <a:rPr lang="en-US" altLang="zh-CN" b="0" i="1" smtClean="0">
-                            <a:latin typeface="Cambria Math"/>
-                          </a:rPr>
-                          <m:t>𝑜𝑓</m:t>
-                        </m:r>
-                        <m:r>
-                          <a:rPr lang="en-US" altLang="zh-CN" b="0" i="1" smtClean="0">
-                            <a:latin typeface="Cambria Math"/>
-                          </a:rPr>
-                          <m:t> </m:t>
-                        </m:r>
-                        <m:r>
-                          <a:rPr lang="en-US" altLang="zh-CN" b="0" i="1" smtClean="0">
-                            <a:latin typeface="Cambria Math"/>
-                          </a:rPr>
-                          <m:t>𝑐𝑎𝑡</m:t>
-                        </m:r>
-                        <m:r>
-                          <a:rPr lang="en-US" altLang="zh-CN" b="0" i="1" smtClean="0">
-                            <a:latin typeface="Cambria Math"/>
-                          </a:rPr>
-                          <m:t>)</m:t>
-                        </m:r>
-                      </m:den>
-                    </m:f>
-                  </m:oMath>
+                  <m:oMathPara xmlns:m="http://schemas.openxmlformats.org/officeDocument/2006/math">
+                    <m:oMathParaPr>
+                      <m:jc m:val="centerGroup"/>
+                    </m:oMathParaPr>
+                    <m:oMath xmlns:m="http://schemas.openxmlformats.org/officeDocument/2006/math">
+                      <m:r>
+                        <a:rPr lang="en-US" altLang="zh-CN" sz="2600" b="0" i="1" smtClean="0">
+                          <a:latin typeface="Cambria Math"/>
+                        </a:rPr>
+                        <m:t>𝑝𝑟𝑜𝑏</m:t>
+                      </m:r>
+                      <m:d>
+                        <m:dPr>
+                          <m:ctrlPr>
+                            <a:rPr lang="en-US" altLang="zh-CN" sz="2600" b="0" i="1" smtClean="0">
+                              <a:latin typeface="Cambria Math"/>
+                            </a:rPr>
+                          </m:ctrlPr>
+                        </m:dPr>
+                        <m:e>
+                          <m:r>
+                            <a:rPr lang="en-US" altLang="zh-CN" sz="2600" b="0" i="1" smtClean="0">
+                              <a:latin typeface="Cambria Math"/>
+                            </a:rPr>
+                            <m:t>𝑓𝑒𝑎𝑡𝑢𝑟𝑒</m:t>
+                          </m:r>
+                        </m:e>
+                        <m:e>
+                          <m:r>
+                            <a:rPr lang="en-US" altLang="zh-CN" sz="2600" b="0" i="1" smtClean="0">
+                              <a:latin typeface="Cambria Math"/>
+                            </a:rPr>
+                            <m:t>𝑐𝑎𝑡</m:t>
+                          </m:r>
+                        </m:e>
+                      </m:d>
+                      <m:r>
+                        <a:rPr lang="en-US" altLang="zh-CN" sz="2600" b="0" i="1" smtClean="0">
+                          <a:latin typeface="Cambria Math"/>
+                        </a:rPr>
+                        <m:t>=</m:t>
+                      </m:r>
+                      <m:f>
+                        <m:fPr>
+                          <m:ctrlPr>
+                            <a:rPr lang="en-US" altLang="zh-CN" sz="2600" b="0" i="1" smtClean="0">
+                              <a:latin typeface="Cambria Math"/>
+                            </a:rPr>
+                          </m:ctrlPr>
+                        </m:fPr>
+                        <m:num>
+                          <m:r>
+                            <a:rPr lang="en-US" altLang="zh-CN" sz="2600" b="0" i="1" smtClean="0">
+                              <a:latin typeface="Cambria Math"/>
+                            </a:rPr>
+                            <m:t>𝑐𝑜𝑢𝑛𝑡</m:t>
+                          </m:r>
+                          <m:r>
+                            <a:rPr lang="en-US" altLang="zh-CN" sz="2600" b="0" i="1" smtClean="0">
+                              <a:latin typeface="Cambria Math"/>
+                            </a:rPr>
+                            <m:t>(</m:t>
+                          </m:r>
+                          <m:r>
+                            <a:rPr lang="en-US" altLang="zh-CN" sz="2600" b="0" i="1" smtClean="0">
+                              <a:latin typeface="Cambria Math"/>
+                            </a:rPr>
+                            <m:t>𝑓𝑒𝑎𝑡𝑢𝑟𝑒</m:t>
+                          </m:r>
+                          <m:r>
+                            <a:rPr lang="en-US" altLang="zh-CN" sz="2600" b="0" i="1" smtClean="0">
+                              <a:latin typeface="Cambria Math"/>
+                            </a:rPr>
+                            <m:t> </m:t>
+                          </m:r>
+                          <m:r>
+                            <a:rPr lang="en-US" altLang="zh-CN" sz="2600" b="0" i="1" smtClean="0">
+                              <a:latin typeface="Cambria Math"/>
+                            </a:rPr>
+                            <m:t>𝑖𝑛</m:t>
+                          </m:r>
+                          <m:r>
+                            <a:rPr lang="en-US" altLang="zh-CN" sz="2600" b="0" i="1" smtClean="0">
+                              <a:latin typeface="Cambria Math"/>
+                            </a:rPr>
+                            <m:t> </m:t>
+                          </m:r>
+                          <m:r>
+                            <a:rPr lang="en-US" altLang="zh-CN" sz="2600" b="0" i="1" smtClean="0">
+                              <a:latin typeface="Cambria Math"/>
+                            </a:rPr>
+                            <m:t>𝑑𝑜𝑐</m:t>
+                          </m:r>
+                          <m:r>
+                            <a:rPr lang="en-US" altLang="zh-CN" sz="2600" b="0" i="1" smtClean="0">
+                              <a:latin typeface="Cambria Math"/>
+                            </a:rPr>
+                            <m:t> </m:t>
+                          </m:r>
+                          <m:r>
+                            <a:rPr lang="en-US" altLang="zh-CN" sz="2600" b="0" i="1" smtClean="0">
+                              <a:latin typeface="Cambria Math"/>
+                            </a:rPr>
+                            <m:t>𝑜𝑓</m:t>
+                          </m:r>
+                          <m:r>
+                            <a:rPr lang="en-US" altLang="zh-CN" sz="2600" b="0" i="1" smtClean="0">
+                              <a:latin typeface="Cambria Math"/>
+                            </a:rPr>
+                            <m:t> </m:t>
+                          </m:r>
+                          <m:r>
+                            <a:rPr lang="en-US" altLang="zh-CN" sz="2600" b="0" i="1" smtClean="0">
+                              <a:latin typeface="Cambria Math"/>
+                            </a:rPr>
+                            <m:t>𝑐𝑎𝑡</m:t>
+                          </m:r>
+                          <m:r>
+                            <a:rPr lang="en-US" altLang="zh-CN" sz="2600" b="0" i="1" smtClean="0">
+                              <a:latin typeface="Cambria Math"/>
+                            </a:rPr>
+                            <m:t>)</m:t>
+                          </m:r>
+                        </m:num>
+                        <m:den>
+                          <m:r>
+                            <a:rPr lang="en-US" altLang="zh-CN" sz="2600" b="0" i="1" smtClean="0">
+                              <a:latin typeface="Cambria Math"/>
+                            </a:rPr>
+                            <m:t>𝑐𝑜𝑢𝑛𝑡</m:t>
+                          </m:r>
+                          <m:r>
+                            <a:rPr lang="en-US" altLang="zh-CN" sz="2600" b="0" i="1" smtClean="0">
+                              <a:latin typeface="Cambria Math"/>
+                            </a:rPr>
+                            <m:t>(</m:t>
+                          </m:r>
+                          <m:r>
+                            <a:rPr lang="en-US" altLang="zh-CN" sz="2600" b="0" i="1" smtClean="0">
+                              <a:latin typeface="Cambria Math"/>
+                            </a:rPr>
+                            <m:t>𝑎𝑙𝑙</m:t>
+                          </m:r>
+                          <m:r>
+                            <a:rPr lang="en-US" altLang="zh-CN" sz="2600" b="0" i="1" smtClean="0">
+                              <a:latin typeface="Cambria Math"/>
+                            </a:rPr>
+                            <m:t> </m:t>
+                          </m:r>
+                          <m:r>
+                            <a:rPr lang="en-US" altLang="zh-CN" sz="2600" b="0" i="1" smtClean="0">
+                              <a:latin typeface="Cambria Math"/>
+                            </a:rPr>
+                            <m:t>𝑑𝑜𝑐</m:t>
+                          </m:r>
+                          <m:r>
+                            <a:rPr lang="en-US" altLang="zh-CN" sz="2600" b="0" i="1" smtClean="0">
+                              <a:latin typeface="Cambria Math"/>
+                            </a:rPr>
+                            <m:t> </m:t>
+                          </m:r>
+                          <m:r>
+                            <a:rPr lang="en-US" altLang="zh-CN" sz="2600" b="0" i="1" smtClean="0">
+                              <a:latin typeface="Cambria Math"/>
+                            </a:rPr>
+                            <m:t>𝑜𝑓</m:t>
+                          </m:r>
+                          <m:r>
+                            <a:rPr lang="en-US" altLang="zh-CN" sz="2600" b="0" i="1" smtClean="0">
+                              <a:latin typeface="Cambria Math"/>
+                            </a:rPr>
+                            <m:t> </m:t>
+                          </m:r>
+                          <m:r>
+                            <a:rPr lang="en-US" altLang="zh-CN" sz="2600" b="0" i="1" smtClean="0">
+                              <a:latin typeface="Cambria Math"/>
+                            </a:rPr>
+                            <m:t>𝑐𝑎𝑡</m:t>
+                          </m:r>
+                          <m:r>
+                            <a:rPr lang="en-US" altLang="zh-CN" sz="2600" b="0" i="1" smtClean="0">
+                              <a:latin typeface="Cambria Math"/>
+                            </a:rPr>
+                            <m:t>)</m:t>
+                          </m:r>
+                        </m:den>
+                      </m:f>
+                    </m:oMath>
+                  </m:oMathPara>
                 </a14:m>
-                <a:endParaRPr lang="en-US" altLang="zh-CN" b="0" i="1" dirty="0" smtClean="0">
+                <a:endParaRPr lang="en-US" altLang="zh-CN" sz="2600" b="0" i="1" dirty="0" smtClean="0">
                   <a:latin typeface="Cambria Math"/>
                 </a:endParaRPr>
               </a:p>
@@ -6982,7 +7430,7 @@
               <a:blipFill rotWithShape="1">
                 <a:blip r:embed="rId2"/>
                 <a:stretch>
-                  <a:fillRect l="-1037" t="-2426" r="-1037"/>
+                  <a:fillRect l="-593" t="-1887"/>
                 </a:stretch>
               </a:blipFill>
             </p:spPr>
@@ -6991,7 +7439,7 @@
               <a:lstStyle/>
               <a:p>
                 <a:r>
-                  <a:rPr lang="en-US">
+                  <a:rPr lang="zh-CN" altLang="en-US">
                     <a:noFill/>
                   </a:rPr>
                   <a:t> </a:t>
@@ -7119,13 +7567,23 @@
                 <a:endParaRPr lang="en-US" altLang="zh-CN" b="1" dirty="0"/>
               </a:p>
               <a:p>
-                <a:pPr lvl="1"/>
+                <a:pPr marL="457200" lvl="1" indent="0">
+                  <a:buNone/>
+                </a:pPr>
+                <a:endParaRPr lang="en-US" altLang="zh-CN" sz="1600" b="0" i="1" dirty="0" smtClean="0">
+                  <a:latin typeface="Cambria Math"/>
+                </a:endParaRPr>
+              </a:p>
+              <a:p>
+                <a:pPr marL="457200" lvl="1" indent="0">
+                  <a:buNone/>
+                </a:pPr>
                 <a14:m>
                   <m:oMath xmlns:m="http://schemas.openxmlformats.org/officeDocument/2006/math">
                     <m:func>
                       <m:funcPr>
                         <m:ctrlPr>
-                          <a:rPr lang="en-US" altLang="zh-CN" b="0" i="1" smtClean="0">
+                          <a:rPr lang="en-US" altLang="zh-CN" sz="1600" b="0" i="1" smtClean="0">
                             <a:latin typeface="Cambria Math"/>
                           </a:rPr>
                         </m:ctrlPr>
@@ -7135,7 +7593,7 @@
                           <m:rPr>
                             <m:sty m:val="p"/>
                           </m:rPr>
-                          <a:rPr lang="en-US" altLang="zh-CN" b="0" i="0" smtClean="0">
+                          <a:rPr lang="en-US" altLang="zh-CN" sz="1600" b="0" i="0" smtClean="0">
                             <a:latin typeface="Cambria Math"/>
                           </a:rPr>
                           <m:t>Pr</m:t>
@@ -7145,14 +7603,14 @@
                         <m:d>
                           <m:dPr>
                             <m:ctrlPr>
-                              <a:rPr lang="en-US" altLang="zh-CN" b="0" i="1" smtClean="0">
+                              <a:rPr lang="en-US" altLang="zh-CN" sz="1600" b="0" i="1" smtClean="0">
                                 <a:latin typeface="Cambria Math"/>
                               </a:rPr>
                             </m:ctrlPr>
                           </m:dPr>
                           <m:e>
                             <m:r>
-                              <a:rPr lang="en-US" altLang="zh-CN" b="0" i="1" smtClean="0">
+                              <a:rPr lang="en-US" altLang="zh-CN" sz="1600" b="0" i="1" smtClean="0">
                                 <a:latin typeface="Cambria Math"/>
                               </a:rPr>
                               <m:t>𝐴</m:t>
@@ -7160,7 +7618,7 @@
                           </m:e>
                           <m:e>
                             <m:r>
-                              <a:rPr lang="en-US" altLang="zh-CN" b="0" i="1" smtClean="0">
+                              <a:rPr lang="en-US" altLang="zh-CN" sz="1600" b="0" i="1" smtClean="0">
                                 <a:latin typeface="Cambria Math"/>
                               </a:rPr>
                               <m:t>𝐵</m:t>
@@ -7170,7 +7628,7 @@
                       </m:e>
                     </m:func>
                     <m:r>
-                      <a:rPr lang="en-US" altLang="zh-CN" b="0" i="1" smtClean="0">
+                      <a:rPr lang="en-US" altLang="zh-CN" sz="1600" b="0" i="1" smtClean="0">
                         <a:latin typeface="Cambria Math"/>
                       </a:rPr>
                       <m:t>=</m:t>
@@ -7178,7 +7636,7 @@
                     <m:func>
                       <m:funcPr>
                         <m:ctrlPr>
-                          <a:rPr lang="en-US" altLang="zh-CN" b="0" i="1" smtClean="0">
+                          <a:rPr lang="en-US" altLang="zh-CN" sz="1600" b="0" i="1" smtClean="0">
                             <a:latin typeface="Cambria Math"/>
                           </a:rPr>
                         </m:ctrlPr>
@@ -7188,7 +7646,7 @@
                           <m:rPr>
                             <m:sty m:val="p"/>
                           </m:rPr>
-                          <a:rPr lang="en-US" altLang="zh-CN" b="0" i="0" smtClean="0">
+                          <a:rPr lang="en-US" altLang="zh-CN" sz="1600" b="0" i="0" smtClean="0">
                             <a:latin typeface="Cambria Math"/>
                           </a:rPr>
                           <m:t>Pr</m:t>
@@ -7198,26 +7656,26 @@
                         <m:d>
                           <m:dPr>
                             <m:ctrlPr>
-                              <a:rPr lang="en-US" altLang="zh-CN" b="0" i="1" smtClean="0">
+                              <a:rPr lang="en-US" altLang="zh-CN" sz="1600" b="0" i="1" smtClean="0">
                                 <a:latin typeface="Cambria Math"/>
                               </a:rPr>
                             </m:ctrlPr>
                           </m:dPr>
                           <m:e>
                             <m:r>
-                              <a:rPr lang="en-US" altLang="zh-CN" b="0" i="1" smtClean="0">
+                              <a:rPr lang="en-US" altLang="zh-CN" sz="1600" b="0" i="1" smtClean="0">
                                 <a:latin typeface="Cambria Math"/>
                               </a:rPr>
                               <m:t>𝐵</m:t>
                             </m:r>
                             <m:r>
-                              <a:rPr lang="en-US" altLang="zh-CN" b="0" i="1" smtClean="0">
+                              <a:rPr lang="en-US" altLang="zh-CN" sz="1600" b="0" i="1" smtClean="0">
                                 <a:latin typeface="Cambria Math"/>
                               </a:rPr>
                               <m:t>|</m:t>
                             </m:r>
                             <m:r>
-                              <a:rPr lang="en-US" altLang="zh-CN" b="0" i="1" smtClean="0">
+                              <a:rPr lang="en-US" altLang="zh-CN" sz="1600" b="0" i="1" smtClean="0">
                                 <a:latin typeface="Cambria Math"/>
                               </a:rPr>
                               <m:t>𝐴</m:t>
@@ -7225,7 +7683,7 @@
                           </m:e>
                         </m:d>
                         <m:r>
-                          <a:rPr lang="en-US" altLang="zh-CN" b="0" i="1" smtClean="0">
+                          <a:rPr lang="en-US" altLang="zh-CN" sz="1600" b="0" i="1" smtClean="0">
                             <a:latin typeface="Cambria Math"/>
                           </a:rPr>
                           <m:t>∗</m:t>
@@ -7233,7 +7691,7 @@
                         <m:f>
                           <m:fPr>
                             <m:ctrlPr>
-                              <a:rPr lang="en-US" altLang="zh-CN" b="0" i="1" smtClean="0">
+                              <a:rPr lang="en-US" altLang="zh-CN" sz="1600" b="0" i="1" smtClean="0">
                                 <a:latin typeface="Cambria Math"/>
                               </a:rPr>
                             </m:ctrlPr>
@@ -7242,7 +7700,7 @@
                             <m:func>
                               <m:funcPr>
                                 <m:ctrlPr>
-                                  <a:rPr lang="en-US" altLang="zh-CN" b="0" i="1" smtClean="0">
+                                  <a:rPr lang="en-US" altLang="zh-CN" sz="1600" b="0" i="1" smtClean="0">
                                     <a:latin typeface="Cambria Math"/>
                                   </a:rPr>
                                 </m:ctrlPr>
@@ -7252,7 +7710,7 @@
                                   <m:rPr>
                                     <m:sty m:val="p"/>
                                   </m:rPr>
-                                  <a:rPr lang="en-US" altLang="zh-CN" b="0" i="0" smtClean="0">
+                                  <a:rPr lang="en-US" altLang="zh-CN" sz="1600" b="0" i="0" smtClean="0">
                                     <a:latin typeface="Cambria Math"/>
                                   </a:rPr>
                                   <m:t>Pr</m:t>
@@ -7262,14 +7720,14 @@
                                 <m:d>
                                   <m:dPr>
                                     <m:ctrlPr>
-                                      <a:rPr lang="en-US" altLang="zh-CN" b="0" i="1" smtClean="0">
+                                      <a:rPr lang="en-US" altLang="zh-CN" sz="1600" b="0" i="1" smtClean="0">
                                         <a:latin typeface="Cambria Math"/>
                                       </a:rPr>
                                     </m:ctrlPr>
                                   </m:dPr>
                                   <m:e>
                                     <m:r>
-                                      <a:rPr lang="en-US" altLang="zh-CN" b="0" i="1" smtClean="0">
+                                      <a:rPr lang="en-US" altLang="zh-CN" sz="1600" b="0" i="1" smtClean="0">
                                         <a:latin typeface="Cambria Math"/>
                                       </a:rPr>
                                       <m:t>𝐴</m:t>
@@ -7284,25 +7742,25 @@
                               <m:rPr>
                                 <m:sty m:val="p"/>
                               </m:rPr>
-                              <a:rPr lang="en-US" altLang="zh-CN" b="0" i="0" smtClean="0">
+                              <a:rPr lang="en-US" altLang="zh-CN" sz="1600" b="0" i="0" smtClean="0">
                                 <a:latin typeface="Cambria Math"/>
                               </a:rPr>
                               <m:t>Pr</m:t>
                             </m:r>
                             <m:r>
-                              <a:rPr lang="en-US" altLang="zh-CN" b="0" i="1" smtClean="0">
+                              <a:rPr lang="en-US" altLang="zh-CN" sz="1600" b="0" i="1" smtClean="0">
                                 <a:latin typeface="Cambria Math"/>
                               </a:rPr>
                               <m:t>⁡(</m:t>
                             </m:r>
                             <m:r>
-                              <a:rPr lang="en-US" altLang="zh-CN" b="0" i="1" smtClean="0">
+                              <a:rPr lang="en-US" altLang="zh-CN" sz="1600" b="0" i="1" smtClean="0">
                                 <a:latin typeface="Cambria Math"/>
                               </a:rPr>
                               <m:t>𝐵</m:t>
                             </m:r>
                             <m:r>
-                              <a:rPr lang="en-US" altLang="zh-CN" b="0" i="1" smtClean="0">
+                              <a:rPr lang="en-US" altLang="zh-CN" sz="1600" b="0" i="1" smtClean="0">
                                 <a:latin typeface="Cambria Math"/>
                               </a:rPr>
                               <m:t>)</m:t>
@@ -7314,26 +7772,242 @@
                   </m:oMath>
                 </a14:m>
                 <a:r>
-                  <a:rPr lang="zh-CN" altLang="en-US" dirty="0" smtClean="0"/>
+                  <a:rPr lang="zh-CN" altLang="en-US" sz="1600" dirty="0" smtClean="0"/>
                   <a:t>     </a:t>
                 </a:r>
-                <a:endParaRPr lang="en-US" altLang="zh-CN" dirty="0"/>
+                <a:endParaRPr lang="en-US" altLang="zh-CN" sz="1600" dirty="0" smtClean="0"/>
               </a:p>
               <a:p>
-                <a:pPr lvl="1"/>
+                <a:pPr marL="457200" lvl="1" indent="0">
+                  <a:buNone/>
+                </a:pPr>
+                <a:endParaRPr lang="en-US" altLang="zh-CN" sz="1600" dirty="0"/>
+              </a:p>
+              <a:p>
+                <a:pPr marL="457200" lvl="1" indent="0">
+                  <a:buNone/>
+                </a:pPr>
                 <a:r>
-                  <a:rPr lang="pt-BR" dirty="0">
+                  <a:rPr lang="pt-BR" sz="1600" dirty="0">
                     <a:latin typeface="Cambria Math"/>
                   </a:rPr>
                   <a:t>Pr(Category | Document) = Pr(Document | Category) * Pr(Category</a:t>
                 </a:r>
                 <a:r>
-                  <a:rPr lang="pt-BR" dirty="0" smtClean="0">
+                  <a:rPr lang="pt-BR" sz="1600" dirty="0" smtClean="0">
                     <a:latin typeface="Cambria Math"/>
                   </a:rPr>
                   <a:t>)</a:t>
                 </a:r>
-                <a:endParaRPr lang="pt-BR" dirty="0">
+              </a:p>
+              <a:p>
+                <a:pPr marL="457200" lvl="1" indent="0">
+                  <a:buNone/>
+                </a:pPr>
+                <a14:m>
+                  <m:oMath xmlns:m="http://schemas.openxmlformats.org/officeDocument/2006/math">
+                    <m:func>
+                      <m:funcPr>
+                        <m:ctrlPr>
+                          <a:rPr lang="en-US" altLang="zh-CN" sz="1600" i="1">
+                            <a:latin typeface="Cambria Math"/>
+                          </a:rPr>
+                        </m:ctrlPr>
+                      </m:funcPr>
+                      <m:fName>
+                        <m:r>
+                          <m:rPr>
+                            <m:sty m:val="p"/>
+                          </m:rPr>
+                          <a:rPr lang="en-US" altLang="zh-CN" sz="1600">
+                            <a:latin typeface="Cambria Math"/>
+                          </a:rPr>
+                          <m:t>Pr</m:t>
+                        </m:r>
+                      </m:fName>
+                      <m:e>
+                        <m:d>
+                          <m:dPr>
+                            <m:ctrlPr>
+                              <a:rPr lang="en-US" altLang="zh-CN" sz="1600" i="1">
+                                <a:latin typeface="Cambria Math"/>
+                              </a:rPr>
+                            </m:ctrlPr>
+                          </m:dPr>
+                          <m:e>
+                            <m:r>
+                              <a:rPr lang="en-US" altLang="zh-CN" sz="1600" b="0" i="1" smtClean="0">
+                                <a:latin typeface="Cambria Math"/>
+                              </a:rPr>
+                              <m:t>𝐶𝑎𝑡</m:t>
+                            </m:r>
+                          </m:e>
+                          <m:e>
+                            <m:r>
+                              <a:rPr lang="en-US" altLang="zh-CN" sz="1600" b="0" i="1" smtClean="0">
+                                <a:latin typeface="Cambria Math"/>
+                              </a:rPr>
+                              <m:t>𝐷𝑜𝑐</m:t>
+                            </m:r>
+                          </m:e>
+                        </m:d>
+                      </m:e>
+                    </m:func>
+                    <m:r>
+                      <a:rPr lang="en-US" altLang="zh-CN" sz="1600" i="1">
+                        <a:latin typeface="Cambria Math"/>
+                      </a:rPr>
+                      <m:t>=</m:t>
+                    </m:r>
+                    <m:func>
+                      <m:funcPr>
+                        <m:ctrlPr>
+                          <a:rPr lang="en-US" altLang="zh-CN" sz="1600" i="1">
+                            <a:latin typeface="Cambria Math"/>
+                          </a:rPr>
+                        </m:ctrlPr>
+                      </m:funcPr>
+                      <m:fName>
+                        <m:r>
+                          <m:rPr>
+                            <m:sty m:val="p"/>
+                          </m:rPr>
+                          <a:rPr lang="en-US" altLang="zh-CN" sz="1600">
+                            <a:latin typeface="Cambria Math"/>
+                          </a:rPr>
+                          <m:t>Pr</m:t>
+                        </m:r>
+                      </m:fName>
+                      <m:e>
+                        <m:d>
+                          <m:dPr>
+                            <m:ctrlPr>
+                              <a:rPr lang="en-US" altLang="zh-CN" sz="1600" i="1">
+                                <a:latin typeface="Cambria Math"/>
+                              </a:rPr>
+                            </m:ctrlPr>
+                          </m:dPr>
+                          <m:e>
+                            <m:r>
+                              <a:rPr lang="en-US" altLang="zh-CN" sz="1600" b="0" i="1" smtClean="0">
+                                <a:latin typeface="Cambria Math"/>
+                              </a:rPr>
+                              <m:t>𝐷𝑜𝑐</m:t>
+                            </m:r>
+                            <m:r>
+                              <a:rPr lang="en-US" altLang="zh-CN" sz="1600" i="1">
+                                <a:latin typeface="Cambria Math"/>
+                              </a:rPr>
+                              <m:t>|</m:t>
+                            </m:r>
+                            <m:r>
+                              <a:rPr lang="en-US" altLang="zh-CN" sz="1600" b="0" i="1" smtClean="0">
+                                <a:latin typeface="Cambria Math"/>
+                              </a:rPr>
+                              <m:t>𝐶𝑎𝑡</m:t>
+                            </m:r>
+                          </m:e>
+                        </m:d>
+                        <m:r>
+                          <a:rPr lang="en-US" altLang="zh-CN" sz="1600" i="1">
+                            <a:latin typeface="Cambria Math"/>
+                          </a:rPr>
+                          <m:t>∗</m:t>
+                        </m:r>
+                        <m:f>
+                          <m:fPr>
+                            <m:ctrlPr>
+                              <a:rPr lang="en-US" altLang="zh-CN" sz="1600" i="1">
+                                <a:latin typeface="Cambria Math"/>
+                              </a:rPr>
+                            </m:ctrlPr>
+                          </m:fPr>
+                          <m:num>
+                            <m:func>
+                              <m:funcPr>
+                                <m:ctrlPr>
+                                  <a:rPr lang="en-US" altLang="zh-CN" sz="1600" i="1">
+                                    <a:latin typeface="Cambria Math"/>
+                                  </a:rPr>
+                                </m:ctrlPr>
+                              </m:funcPr>
+                              <m:fName>
+                                <m:r>
+                                  <m:rPr>
+                                    <m:sty m:val="p"/>
+                                  </m:rPr>
+                                  <a:rPr lang="en-US" altLang="zh-CN" sz="1600">
+                                    <a:latin typeface="Cambria Math"/>
+                                  </a:rPr>
+                                  <m:t>Pr</m:t>
+                                </m:r>
+                              </m:fName>
+                              <m:e>
+                                <m:d>
+                                  <m:dPr>
+                                    <m:ctrlPr>
+                                      <a:rPr lang="en-US" altLang="zh-CN" sz="1600" i="1">
+                                        <a:latin typeface="Cambria Math"/>
+                                      </a:rPr>
+                                    </m:ctrlPr>
+                                  </m:dPr>
+                                  <m:e>
+                                    <m:r>
+                                      <a:rPr lang="en-US" altLang="zh-CN" sz="1600" b="0" i="1" smtClean="0">
+                                        <a:latin typeface="Cambria Math"/>
+                                      </a:rPr>
+                                      <m:t>𝐶𝑎𝑡</m:t>
+                                    </m:r>
+                                  </m:e>
+                                </m:d>
+                              </m:e>
+                            </m:func>
+                          </m:num>
+                          <m:den>
+                            <m:r>
+                              <m:rPr>
+                                <m:sty m:val="p"/>
+                              </m:rPr>
+                              <a:rPr lang="en-US" altLang="zh-CN" sz="1600">
+                                <a:latin typeface="Cambria Math"/>
+                              </a:rPr>
+                              <m:t>Pr</m:t>
+                            </m:r>
+                            <m:r>
+                              <a:rPr lang="en-US" altLang="zh-CN" sz="1600" i="1">
+                                <a:latin typeface="Cambria Math"/>
+                              </a:rPr>
+                              <m:t>⁡(</m:t>
+                            </m:r>
+                            <m:r>
+                              <a:rPr lang="en-US" altLang="zh-CN" sz="1600" b="0" i="1" smtClean="0">
+                                <a:latin typeface="Cambria Math"/>
+                              </a:rPr>
+                              <m:t>𝐷𝑜𝑐</m:t>
+                            </m:r>
+                            <m:r>
+                              <a:rPr lang="en-US" altLang="zh-CN" sz="1600" i="1">
+                                <a:latin typeface="Cambria Math"/>
+                              </a:rPr>
+                              <m:t>)</m:t>
+                            </m:r>
+                          </m:den>
+                        </m:f>
+                      </m:e>
+                    </m:func>
+                  </m:oMath>
+                </a14:m>
+                <a:r>
+                  <a:rPr lang="zh-CN" altLang="en-US" sz="1600" dirty="0"/>
+                  <a:t>     </a:t>
+                </a:r>
+                <a:endParaRPr lang="en-US" altLang="zh-CN" sz="1600" dirty="0"/>
+              </a:p>
+              <a:p>
+                <a:pPr marL="457200" lvl="1" indent="0">
+                  <a:buNone/>
+                </a:pPr>
+                <a:endParaRPr lang="pt-BR" sz="1600" dirty="0">
                   <a:latin typeface="Cambria Math"/>
                 </a:endParaRPr>
               </a:p>
@@ -7364,7 +8038,7 @@
               <a:lstStyle/>
               <a:p>
                 <a:r>
-                  <a:rPr lang="en-US">
+                  <a:rPr lang="zh-CN" altLang="en-US">
                     <a:noFill/>
                   </a:rPr>
                   <a:t> </a:t>
@@ -7461,605 +8135,833 @@
                   <a:rPr lang="en-US" dirty="0" smtClean="0"/>
                   <a:t>: </a:t>
                 </a:r>
+                <a:endParaRPr lang="en-US" dirty="0"/>
               </a:p>
               <a:p>
-                <a:pPr lvl="1"/>
-                <a14:m>
-                  <m:oMath xmlns:m="http://schemas.openxmlformats.org/officeDocument/2006/math">
-                    <m:r>
-                      <m:rPr>
-                        <m:sty m:val="p"/>
-                      </m:rPr>
-                      <a:rPr lang="en-US" altLang="zh-CN" i="0">
-                        <a:latin typeface="Cambria Math"/>
-                      </a:rPr>
-                      <m:t>Pr</m:t>
-                    </m:r>
-                    <m:d>
-                      <m:dPr>
-                        <m:ctrlPr>
-                          <a:rPr lang="en-US" altLang="zh-CN" i="1">
-                            <a:latin typeface="Cambria Math"/>
-                          </a:rPr>
-                        </m:ctrlPr>
-                      </m:dPr>
-                      <m:e>
-                        <m:r>
-                          <m:rPr>
-                            <m:sty m:val="p"/>
-                          </m:rPr>
-                          <a:rPr lang="en-US" altLang="zh-CN" i="0">
-                            <a:latin typeface="Cambria Math"/>
-                          </a:rPr>
-                          <m:t>cat</m:t>
-                        </m:r>
-                        <m:r>
-                          <a:rPr lang="en-US" altLang="zh-CN" i="0">
-                            <a:latin typeface="Cambria Math"/>
-                          </a:rPr>
-                          <m:t>|</m:t>
-                        </m:r>
-                        <m:r>
-                          <m:rPr>
-                            <m:sty m:val="p"/>
-                          </m:rPr>
-                          <a:rPr lang="en-US" altLang="zh-CN" i="0">
-                            <a:latin typeface="Cambria Math"/>
-                          </a:rPr>
-                          <m:t>doc</m:t>
-                        </m:r>
-                      </m:e>
-                    </m:d>
-                    <m:r>
-                      <a:rPr lang="en-US" altLang="zh-CN" i="0">
-                        <a:latin typeface="Cambria Math"/>
-                      </a:rPr>
-                      <m:t>=</m:t>
-                    </m:r>
-                    <m:r>
-                      <m:rPr>
-                        <m:sty m:val="p"/>
-                      </m:rPr>
-                      <a:rPr lang="en-US" altLang="zh-CN" i="0">
-                        <a:latin typeface="Cambria Math"/>
-                      </a:rPr>
-                      <m:t>Pr</m:t>
-                    </m:r>
-                    <m:d>
-                      <m:dPr>
-                        <m:ctrlPr>
-                          <a:rPr lang="en-US" altLang="zh-CN" i="1">
-                            <a:latin typeface="Cambria Math"/>
-                          </a:rPr>
-                        </m:ctrlPr>
-                      </m:dPr>
-                      <m:e>
-                        <m:r>
-                          <m:rPr>
-                            <m:sty m:val="p"/>
-                          </m:rPr>
-                          <a:rPr lang="en-US" altLang="zh-CN" i="0">
-                            <a:latin typeface="Cambria Math"/>
-                          </a:rPr>
-                          <m:t>cat</m:t>
-                        </m:r>
-                      </m:e>
-                    </m:d>
-                    <m:r>
-                      <a:rPr lang="en-US" altLang="zh-CN" i="0">
-                        <a:latin typeface="Cambria Math"/>
-                      </a:rPr>
-                      <m:t>∗</m:t>
-                    </m:r>
-                    <m:r>
-                      <m:rPr>
-                        <m:nor/>
-                      </m:rPr>
-                      <a:rPr lang="en-US" dirty="0">
-                        <a:latin typeface="Cambria Math"/>
-                      </a:rPr>
-                      <m:t>Pr</m:t>
-                    </m:r>
-                    <m:r>
-                      <m:rPr>
-                        <m:nor/>
-                      </m:rPr>
-                      <a:rPr lang="en-US" dirty="0">
-                        <a:latin typeface="Cambria Math"/>
-                      </a:rPr>
-                      <m:t> (</m:t>
-                    </m:r>
-                    <m:r>
-                      <m:rPr>
-                        <m:nor/>
-                      </m:rPr>
-                      <a:rPr lang="en-US" dirty="0">
-                        <a:latin typeface="Cambria Math"/>
-                      </a:rPr>
-                      <m:t>doc</m:t>
-                    </m:r>
-                    <m:r>
-                      <m:rPr>
-                        <m:nor/>
-                      </m:rPr>
-                      <a:rPr lang="en-US" dirty="0">
-                        <a:latin typeface="Cambria Math"/>
-                      </a:rPr>
-                      <m:t>| </m:t>
-                    </m:r>
-                    <m:r>
-                      <m:rPr>
-                        <m:nor/>
-                      </m:rPr>
-                      <a:rPr lang="en-US" dirty="0">
-                        <a:latin typeface="Cambria Math"/>
-                      </a:rPr>
-                      <m:t>cat</m:t>
-                    </m:r>
-                    <m:r>
-                      <m:rPr>
-                        <m:nor/>
-                      </m:rPr>
-                      <a:rPr lang="en-US" dirty="0">
-                        <a:latin typeface="Cambria Math"/>
-                      </a:rPr>
-                      <m:t>)</m:t>
-                    </m:r>
-                  </m:oMath>
-                </a14:m>
-                <a:endParaRPr lang="en-US" altLang="zh-CN" dirty="0" smtClean="0"/>
-              </a:p>
-              <a:p>
-                <a:pPr lvl="1"/>
-                <a:r>
-                  <a:rPr lang="en-US" dirty="0" err="1">
-                    <a:latin typeface="Cambria Math"/>
-                  </a:rPr>
-                  <a:t>Pr</a:t>
-                </a:r>
-                <a:r>
-                  <a:rPr lang="en-US" dirty="0">
-                    <a:latin typeface="Cambria Math"/>
-                  </a:rPr>
-                  <a:t> </a:t>
-                </a:r>
-                <a:r>
-                  <a:rPr lang="en-US" dirty="0" smtClean="0">
-                    <a:latin typeface="Cambria Math"/>
-                  </a:rPr>
-                  <a:t>(doc| cat) </a:t>
-                </a:r>
-                <a:r>
-                  <a:rPr lang="en-US" dirty="0">
-                    <a:latin typeface="Cambria Math"/>
-                  </a:rPr>
-                  <a:t>=</a:t>
-                </a:r>
-                <a14:m>
-                  <m:oMath xmlns:m="http://schemas.openxmlformats.org/officeDocument/2006/math">
-                    <m:nary>
-                      <m:naryPr>
-                        <m:chr m:val="∏"/>
-                        <m:subHide m:val="on"/>
-                        <m:supHide m:val="on"/>
-                        <m:ctrlPr>
-                          <a:rPr lang="en-US" altLang="zh-CN" i="1">
-                            <a:latin typeface="Cambria Math"/>
-                          </a:rPr>
-                        </m:ctrlPr>
-                      </m:naryPr>
-                      <m:sub/>
-                      <m:sup/>
-                      <m:e>
-                        <m:r>
-                          <m:rPr>
-                            <m:sty m:val="p"/>
-                          </m:rPr>
-                          <a:rPr lang="en-US" altLang="zh-CN">
-                            <a:latin typeface="Cambria Math"/>
-                          </a:rPr>
-                          <m:t>wp</m:t>
-                        </m:r>
-                        <m:r>
-                          <a:rPr lang="en-US" altLang="zh-CN">
-                            <a:latin typeface="Cambria Math"/>
-                          </a:rPr>
-                          <m:t>(</m:t>
-                        </m:r>
-                        <m:r>
-                          <m:rPr>
-                            <m:sty m:val="p"/>
-                          </m:rPr>
-                          <a:rPr lang="en-US" altLang="zh-CN">
-                            <a:latin typeface="Cambria Math"/>
-                          </a:rPr>
-                          <m:t>feature</m:t>
-                        </m:r>
-                        <m:r>
-                          <a:rPr lang="en-US" altLang="zh-CN">
-                            <a:latin typeface="Cambria Math"/>
-                          </a:rPr>
-                          <m:t>, </m:t>
-                        </m:r>
-                        <m:r>
-                          <m:rPr>
-                            <m:sty m:val="p"/>
-                          </m:rPr>
-                          <a:rPr lang="en-US" altLang="zh-CN">
-                            <a:latin typeface="Cambria Math"/>
-                          </a:rPr>
-                          <m:t>cat</m:t>
-                        </m:r>
-                        <m:r>
-                          <a:rPr lang="en-US" altLang="zh-CN">
-                            <a:latin typeface="Cambria Math"/>
-                          </a:rPr>
-                          <m:t>)</m:t>
-                        </m:r>
-                      </m:e>
-                    </m:nary>
-                  </m:oMath>
-                </a14:m>
-                <a:r>
-                  <a:rPr lang="en-US" dirty="0">
-                    <a:latin typeface="Cambria Math"/>
-                  </a:rPr>
-                  <a:t> </a:t>
-                </a:r>
-                <a:r>
-                  <a:rPr lang="en-US" dirty="0" smtClean="0">
-                    <a:latin typeface="Cambria Math"/>
-                  </a:rPr>
-                  <a:t>=Pr(word1 </a:t>
-                </a:r>
-                <a:r>
-                  <a:rPr lang="en-US" dirty="0">
-                    <a:latin typeface="Cambria Math"/>
-                  </a:rPr>
-                  <a:t>| </a:t>
-                </a:r>
-                <a:r>
-                  <a:rPr lang="en-US" dirty="0" smtClean="0">
-                    <a:latin typeface="Cambria Math"/>
-                  </a:rPr>
-                  <a:t>cat) </a:t>
-                </a:r>
-                <a:r>
-                  <a:rPr lang="en-US" dirty="0">
-                    <a:latin typeface="Cambria Math"/>
-                  </a:rPr>
-                  <a:t>* </a:t>
-                </a:r>
-                <a:r>
-                  <a:rPr lang="en-US" dirty="0" err="1" smtClean="0">
-                    <a:latin typeface="Cambria Math"/>
-                  </a:rPr>
-                  <a:t>Pr</a:t>
-                </a:r>
-                <a:r>
-                  <a:rPr lang="en-US" dirty="0" smtClean="0">
-                    <a:latin typeface="Cambria Math"/>
-                  </a:rPr>
-                  <a:t>(word2 </a:t>
-                </a:r>
-                <a:r>
-                  <a:rPr lang="en-US" dirty="0">
-                    <a:latin typeface="Cambria Math"/>
-                  </a:rPr>
-                  <a:t>| </a:t>
-                </a:r>
-                <a:r>
-                  <a:rPr lang="en-US" dirty="0" smtClean="0">
-                    <a:latin typeface="Cambria Math"/>
-                  </a:rPr>
-                  <a:t>cat) </a:t>
-                </a:r>
-                <a:r>
-                  <a:rPr lang="en-US" dirty="0">
-                    <a:latin typeface="Cambria Math"/>
-                  </a:rPr>
-                  <a:t>* </a:t>
-                </a:r>
-                <a:r>
-                  <a:rPr lang="en-US" dirty="0" smtClean="0">
-                    <a:latin typeface="Cambria Math"/>
-                  </a:rPr>
-                  <a:t>…</a:t>
-                </a:r>
-                <a:endParaRPr lang="en-US" altLang="zh-CN" dirty="0"/>
-              </a:p>
-              <a:p>
-                <a:pPr lvl="1"/>
-                <a14:m>
-                  <m:oMath xmlns:m="http://schemas.openxmlformats.org/officeDocument/2006/math">
-                    <m:r>
-                      <m:rPr>
-                        <m:sty m:val="p"/>
-                      </m:rPr>
-                      <a:rPr lang="en-US" altLang="zh-CN">
-                        <a:latin typeface="Cambria Math"/>
-                      </a:rPr>
-                      <m:t>Pr</m:t>
-                    </m:r>
-                    <m:d>
-                      <m:dPr>
-                        <m:ctrlPr>
-                          <a:rPr lang="en-US" altLang="zh-CN" i="1">
-                            <a:latin typeface="Cambria Math"/>
-                          </a:rPr>
-                        </m:ctrlPr>
-                      </m:dPr>
-                      <m:e>
-                        <m:r>
-                          <m:rPr>
-                            <m:sty m:val="p"/>
-                          </m:rPr>
-                          <a:rPr lang="en-US" altLang="zh-CN">
-                            <a:latin typeface="Cambria Math"/>
-                          </a:rPr>
-                          <m:t>cat</m:t>
-                        </m:r>
-                      </m:e>
-                    </m:d>
-                    <m:r>
-                      <a:rPr lang="en-US" altLang="zh-CN">
-                        <a:latin typeface="Cambria Math"/>
-                      </a:rPr>
-                      <m:t>=</m:t>
-                    </m:r>
-                    <m:f>
-                      <m:fPr>
-                        <m:ctrlPr>
-                          <a:rPr lang="en-US" altLang="zh-CN" i="1">
-                            <a:latin typeface="Cambria Math"/>
-                          </a:rPr>
-                        </m:ctrlPr>
-                      </m:fPr>
-                      <m:num>
-                        <m:r>
-                          <m:rPr>
-                            <m:sty m:val="p"/>
-                          </m:rPr>
-                          <a:rPr lang="en-US" altLang="zh-CN">
-                            <a:latin typeface="Cambria Math"/>
-                          </a:rPr>
-                          <m:t>Count</m:t>
-                        </m:r>
-                        <m:d>
-                          <m:dPr>
-                            <m:ctrlPr>
-                              <a:rPr lang="en-US" altLang="zh-CN" i="1">
-                                <a:latin typeface="Cambria Math"/>
-                              </a:rPr>
-                            </m:ctrlPr>
-                          </m:dPr>
-                          <m:e>
-                            <m:r>
-                              <m:rPr>
-                                <m:sty m:val="p"/>
-                              </m:rPr>
-                              <a:rPr lang="en-US" altLang="zh-CN">
-                                <a:latin typeface="Cambria Math"/>
-                              </a:rPr>
-                              <m:t>cat</m:t>
-                            </m:r>
-                            <m:r>
-                              <a:rPr lang="en-US" altLang="zh-CN">
-                                <a:latin typeface="Cambria Math"/>
-                              </a:rPr>
-                              <m:t> </m:t>
-                            </m:r>
-                            <m:r>
-                              <m:rPr>
-                                <m:sty m:val="p"/>
-                              </m:rPr>
-                              <a:rPr lang="en-US" altLang="zh-CN">
-                                <a:latin typeface="Cambria Math"/>
-                              </a:rPr>
-                              <m:t>Items</m:t>
-                            </m:r>
-                          </m:e>
-                        </m:d>
-                      </m:num>
-                      <m:den>
-                        <m:nary>
-                          <m:naryPr>
-                            <m:chr m:val="∑"/>
-                            <m:subHide m:val="on"/>
-                            <m:supHide m:val="on"/>
-                            <m:ctrlPr>
-                              <a:rPr lang="en-US" altLang="zh-CN" i="1">
-                                <a:latin typeface="Cambria Math"/>
-                              </a:rPr>
-                            </m:ctrlPr>
-                          </m:naryPr>
-                          <m:sub/>
-                          <m:sup/>
-                          <m:e>
-                            <m:r>
-                              <m:rPr>
-                                <m:sty m:val="p"/>
-                              </m:rPr>
-                              <a:rPr lang="en-US" altLang="zh-CN">
-                                <a:latin typeface="Cambria Math"/>
-                              </a:rPr>
-                              <m:t>Count</m:t>
-                            </m:r>
-                            <m:r>
-                              <a:rPr lang="en-US" altLang="zh-CN">
-                                <a:latin typeface="Cambria Math"/>
-                              </a:rPr>
-                              <m:t>(</m:t>
-                            </m:r>
-                            <m:r>
-                              <m:rPr>
-                                <m:sty m:val="p"/>
-                              </m:rPr>
-                              <a:rPr lang="en-US" altLang="zh-CN">
-                                <a:latin typeface="Cambria Math"/>
-                              </a:rPr>
-                              <m:t>all</m:t>
-                            </m:r>
-                            <m:r>
-                              <a:rPr lang="en-US" altLang="zh-CN">
-                                <a:latin typeface="Cambria Math"/>
-                              </a:rPr>
-                              <m:t> </m:t>
-                            </m:r>
-                            <m:r>
-                              <m:rPr>
-                                <m:sty m:val="p"/>
-                              </m:rPr>
-                              <a:rPr lang="en-US" altLang="zh-CN">
-                                <a:latin typeface="Cambria Math"/>
-                              </a:rPr>
-                              <m:t>Items</m:t>
-                            </m:r>
-                            <m:r>
-                              <a:rPr lang="en-US" altLang="zh-CN">
-                                <a:latin typeface="Cambria Math"/>
-                              </a:rPr>
-                              <m:t>)</m:t>
-                            </m:r>
-                          </m:e>
-                        </m:nary>
-                      </m:den>
-                    </m:f>
-                  </m:oMath>
-                </a14:m>
-                <a:endParaRPr lang="en-US" altLang="zh-CN" dirty="0">
+                <a:pPr marL="0" indent="0">
+                  <a:buNone/>
+                </a:pPr>
+                <a:endParaRPr lang="en-US" altLang="zh-CN" sz="1600" dirty="0">
                   <a:latin typeface="Cambria Math"/>
                 </a:endParaRPr>
               </a:p>
               <a:p>
-                <a:pPr lvl="1"/>
+                <a:pPr marL="0" indent="0">
+                  <a:buNone/>
+                </a:pPr>
                 <a14:m>
-                  <m:oMath xmlns:m="http://schemas.openxmlformats.org/officeDocument/2006/math">
-                    <m:r>
-                      <m:rPr>
-                        <m:sty m:val="p"/>
-                      </m:rPr>
-                      <a:rPr lang="en-US" altLang="zh-CN" smtClean="0">
-                        <a:latin typeface="Cambria Math"/>
-                      </a:rPr>
-                      <m:t>Result</m:t>
-                    </m:r>
-                    <m:r>
-                      <a:rPr lang="en-US" altLang="zh-CN" smtClean="0">
-                        <a:latin typeface="Cambria Math"/>
-                      </a:rPr>
-                      <m:t>=</m:t>
-                    </m:r>
-                    <m:r>
-                      <m:rPr>
-                        <m:sty m:val="p"/>
-                      </m:rPr>
-                      <a:rPr lang="en-US" altLang="zh-CN" smtClean="0">
-                        <a:latin typeface="Cambria Math"/>
-                      </a:rPr>
-                      <m:t>max</m:t>
-                    </m:r>
-                    <m:r>
-                      <a:rPr lang="en-US" altLang="zh-CN" i="1">
-                        <a:latin typeface="Cambria Math"/>
-                      </a:rPr>
-                      <m:t>⁡[</m:t>
-                    </m:r>
-                    <m:func>
-                      <m:funcPr>
-                        <m:ctrlPr>
-                          <a:rPr lang="en-US" altLang="zh-CN" i="1">
-                            <a:latin typeface="Cambria Math"/>
-                          </a:rPr>
-                        </m:ctrlPr>
-                      </m:funcPr>
-                      <m:fName>
-                        <m:r>
-                          <m:rPr>
-                            <m:sty m:val="p"/>
-                          </m:rPr>
-                          <a:rPr lang="en-US" altLang="zh-CN">
-                            <a:latin typeface="Cambria Math"/>
-                          </a:rPr>
-                          <m:t>Pr</m:t>
-                        </m:r>
-                      </m:fName>
-                      <m:e>
-                        <m:d>
-                          <m:dPr>
-                            <m:ctrlPr>
-                              <a:rPr lang="en-US" altLang="zh-CN" i="1">
-                                <a:latin typeface="Cambria Math"/>
-                              </a:rPr>
-                            </m:ctrlPr>
-                          </m:dPr>
-                          <m:e>
-                            <m:r>
-                              <a:rPr lang="en-US" altLang="zh-CN" b="0" i="1" smtClean="0">
-                                <a:latin typeface="Cambria Math"/>
-                              </a:rPr>
-                              <m:t>𝑏𝑙𝑎𝑐𝑘</m:t>
-                            </m:r>
-                          </m:e>
-                          <m:e>
-                            <m:r>
-                              <a:rPr lang="en-US" altLang="zh-CN" b="0" i="1" smtClean="0">
-                                <a:latin typeface="Cambria Math"/>
-                              </a:rPr>
-                              <m:t>𝑑𝑜𝑐</m:t>
-                            </m:r>
-                          </m:e>
-                        </m:d>
-                      </m:e>
-                    </m:func>
-                    <m:r>
-                      <a:rPr lang="en-US" altLang="zh-CN" i="1">
-                        <a:latin typeface="Cambria Math"/>
-                      </a:rPr>
-                      <m:t>,</m:t>
-                    </m:r>
-                    <m:r>
-                      <m:rPr>
-                        <m:sty m:val="p"/>
-                      </m:rPr>
-                      <a:rPr lang="en-US" altLang="zh-CN">
-                        <a:latin typeface="Cambria Math"/>
-                      </a:rPr>
-                      <m:t>Pr</m:t>
-                    </m:r>
-                    <m:r>
-                      <a:rPr lang="en-US" altLang="zh-CN" i="1">
-                        <a:latin typeface="Cambria Math"/>
-                      </a:rPr>
-                      <m:t>⁡(</m:t>
-                    </m:r>
-                    <m:r>
-                      <a:rPr lang="en-US" altLang="zh-CN" b="0" i="1" smtClean="0">
-                        <a:latin typeface="Cambria Math"/>
-                      </a:rPr>
-                      <m:t>𝑤h𝑖𝑡𝑒</m:t>
-                    </m:r>
-                    <m:r>
-                      <a:rPr lang="en-US" altLang="zh-CN" i="1">
-                        <a:latin typeface="Cambria Math"/>
-                      </a:rPr>
-                      <m:t>|</m:t>
-                    </m:r>
-                    <m:r>
-                      <a:rPr lang="en-US" altLang="zh-CN" b="0" i="1" smtClean="0">
-                        <a:latin typeface="Cambria Math"/>
-                      </a:rPr>
-                      <m:t>𝑑𝑜𝑐</m:t>
-                    </m:r>
-                    <m:r>
-                      <a:rPr lang="en-US" altLang="zh-CN" i="1">
-                        <a:latin typeface="Cambria Math"/>
-                      </a:rPr>
-                      <m:t>)]</m:t>
-                    </m:r>
-                  </m:oMath>
+                  <m:oMathPara xmlns:m="http://schemas.openxmlformats.org/officeDocument/2006/math">
+                    <m:oMathParaPr>
+                      <m:jc m:val="left"/>
+                    </m:oMathParaPr>
+                    <m:oMath xmlns:m="http://schemas.openxmlformats.org/officeDocument/2006/math">
+                      <m:r>
+                        <m:rPr>
+                          <m:sty m:val="p"/>
+                        </m:rPr>
+                        <a:rPr lang="en-US" altLang="zh-CN" sz="1600" i="0">
+                          <a:latin typeface="Cambria Math"/>
+                        </a:rPr>
+                        <m:t>P</m:t>
+                      </m:r>
+                      <m:d>
+                        <m:dPr>
+                          <m:ctrlPr>
+                            <a:rPr lang="en-US" altLang="zh-CN" sz="1600" i="1">
+                              <a:latin typeface="Cambria Math"/>
+                            </a:rPr>
+                          </m:ctrlPr>
+                        </m:dPr>
+                        <m:e>
+                          <m:r>
+                            <m:rPr>
+                              <m:sty m:val="p"/>
+                            </m:rPr>
+                            <a:rPr lang="en-US" altLang="zh-CN" sz="1600" i="0">
+                              <a:latin typeface="Cambria Math"/>
+                            </a:rPr>
+                            <m:t>cat</m:t>
+                          </m:r>
+                          <m:r>
+                            <a:rPr lang="en-US" altLang="zh-CN" sz="1600" i="0">
+                              <a:latin typeface="Cambria Math"/>
+                            </a:rPr>
+                            <m:t>|</m:t>
+                          </m:r>
+                          <m:r>
+                            <m:rPr>
+                              <m:sty m:val="p"/>
+                            </m:rPr>
+                            <a:rPr lang="en-US" altLang="zh-CN" sz="1600" i="0">
+                              <a:latin typeface="Cambria Math"/>
+                            </a:rPr>
+                            <m:t>doc</m:t>
+                          </m:r>
+                        </m:e>
+                      </m:d>
+                      <m:r>
+                        <a:rPr lang="en-US" altLang="zh-CN" sz="1600" i="0">
+                          <a:latin typeface="Cambria Math"/>
+                        </a:rPr>
+                        <m:t>=</m:t>
+                      </m:r>
+                      <m:r>
+                        <m:rPr>
+                          <m:sty m:val="p"/>
+                        </m:rPr>
+                        <a:rPr lang="en-US" altLang="zh-CN" sz="1600" i="0">
+                          <a:latin typeface="Cambria Math"/>
+                        </a:rPr>
+                        <m:t>P</m:t>
+                      </m:r>
+                      <m:d>
+                        <m:dPr>
+                          <m:ctrlPr>
+                            <a:rPr lang="en-US" altLang="zh-CN" sz="1600" i="1">
+                              <a:latin typeface="Cambria Math"/>
+                            </a:rPr>
+                          </m:ctrlPr>
+                        </m:dPr>
+                        <m:e>
+                          <m:r>
+                            <m:rPr>
+                              <m:sty m:val="p"/>
+                            </m:rPr>
+                            <a:rPr lang="en-US" altLang="zh-CN" sz="1600" i="0">
+                              <a:latin typeface="Cambria Math"/>
+                            </a:rPr>
+                            <m:t>cat</m:t>
+                          </m:r>
+                        </m:e>
+                      </m:d>
+                      <m:r>
+                        <a:rPr lang="en-US" altLang="zh-CN" sz="1600" i="0">
+                          <a:latin typeface="Cambria Math"/>
+                        </a:rPr>
+                        <m:t>∗</m:t>
+                      </m:r>
+                      <m:r>
+                        <m:rPr>
+                          <m:nor/>
+                        </m:rPr>
+                        <a:rPr lang="en-US" sz="1600" dirty="0">
+                          <a:latin typeface="Cambria Math"/>
+                        </a:rPr>
+                        <m:t>P</m:t>
+                      </m:r>
+                      <m:r>
+                        <m:rPr>
+                          <m:nor/>
+                        </m:rPr>
+                        <a:rPr lang="en-US" sz="1600" dirty="0">
+                          <a:latin typeface="Cambria Math"/>
+                        </a:rPr>
+                        <m:t> (</m:t>
+                      </m:r>
+                      <m:r>
+                        <m:rPr>
+                          <m:nor/>
+                        </m:rPr>
+                        <a:rPr lang="en-US" sz="1600" dirty="0">
+                          <a:latin typeface="Cambria Math"/>
+                        </a:rPr>
+                        <m:t>doc</m:t>
+                      </m:r>
+                      <m:r>
+                        <m:rPr>
+                          <m:nor/>
+                        </m:rPr>
+                        <a:rPr lang="en-US" sz="1600" dirty="0">
+                          <a:latin typeface="Cambria Math"/>
+                        </a:rPr>
+                        <m:t>| </m:t>
+                      </m:r>
+                      <m:r>
+                        <m:rPr>
+                          <m:nor/>
+                        </m:rPr>
+                        <a:rPr lang="en-US" sz="1600" dirty="0">
+                          <a:latin typeface="Cambria Math"/>
+                        </a:rPr>
+                        <m:t>cat</m:t>
+                      </m:r>
+                      <m:r>
+                        <m:rPr>
+                          <m:nor/>
+                        </m:rPr>
+                        <a:rPr lang="en-US" sz="1600" dirty="0">
+                          <a:latin typeface="Cambria Math"/>
+                        </a:rPr>
+                        <m:t>)</m:t>
+                      </m:r>
+                    </m:oMath>
+                  </m:oMathPara>
                 </a14:m>
-                <a:endParaRPr lang="en-US" altLang="zh-CN" dirty="0" smtClean="0"/>
+                <a:endParaRPr lang="en-US" sz="1600" dirty="0" smtClean="0">
+                  <a:latin typeface="Cambria Math"/>
+                </a:endParaRPr>
+              </a:p>
+              <a:p>
+                <a:pPr marL="0" indent="0">
+                  <a:buNone/>
+                </a:pPr>
+                <a:endParaRPr lang="en-US" altLang="zh-CN" sz="1600" b="0" i="0" dirty="0" smtClean="0">
+                  <a:latin typeface="Cambria Math"/>
+                </a:endParaRPr>
+              </a:p>
+              <a:p>
+                <a:pPr marL="0" indent="0">
+                  <a:buNone/>
+                </a:pPr>
+                <a14:m>
+                  <m:oMathPara xmlns:m="http://schemas.openxmlformats.org/officeDocument/2006/math">
+                    <m:oMathParaPr>
+                      <m:jc m:val="left"/>
+                    </m:oMathParaPr>
+                    <m:oMath xmlns:m="http://schemas.openxmlformats.org/officeDocument/2006/math">
+                      <m:r>
+                        <m:rPr>
+                          <m:sty m:val="p"/>
+                        </m:rPr>
+                        <a:rPr lang="en-US" altLang="zh-CN" sz="1600" b="0" i="0" smtClean="0">
+                          <a:latin typeface="Cambria Math"/>
+                        </a:rPr>
+                        <m:t>P</m:t>
+                      </m:r>
+                      <m:d>
+                        <m:dPr>
+                          <m:ctrlPr>
+                            <a:rPr lang="en-US" altLang="zh-CN" sz="1600" b="0" i="1" smtClean="0">
+                              <a:latin typeface="Cambria Math"/>
+                            </a:rPr>
+                          </m:ctrlPr>
+                        </m:dPr>
+                        <m:e>
+                          <m:r>
+                            <m:rPr>
+                              <m:sty m:val="p"/>
+                            </m:rPr>
+                            <a:rPr lang="en-US" altLang="zh-CN" sz="1600" b="0" i="0" smtClean="0">
+                              <a:latin typeface="Cambria Math"/>
+                            </a:rPr>
+                            <m:t>doc</m:t>
+                          </m:r>
+                        </m:e>
+                        <m:e>
+                          <m:r>
+                            <m:rPr>
+                              <m:sty m:val="p"/>
+                            </m:rPr>
+                            <a:rPr lang="en-US" altLang="zh-CN" sz="1600" b="0" i="0" smtClean="0">
+                              <a:latin typeface="Cambria Math"/>
+                            </a:rPr>
+                            <m:t>cat</m:t>
+                          </m:r>
+                        </m:e>
+                      </m:d>
+                      <m:r>
+                        <a:rPr lang="en-US" altLang="zh-CN" sz="1600" b="0" i="0" smtClean="0">
+                          <a:latin typeface="Cambria Math"/>
+                        </a:rPr>
+                        <m:t>=</m:t>
+                      </m:r>
+                      <m:nary>
+                        <m:naryPr>
+                          <m:chr m:val="∏"/>
+                          <m:subHide m:val="on"/>
+                          <m:supHide m:val="on"/>
+                          <m:ctrlPr>
+                            <a:rPr lang="en-US" altLang="zh-CN" sz="1600" i="1">
+                              <a:latin typeface="Cambria Math"/>
+                            </a:rPr>
+                          </m:ctrlPr>
+                        </m:naryPr>
+                        <m:sub/>
+                        <m:sup/>
+                        <m:e>
+                          <m:r>
+                            <m:rPr>
+                              <m:sty m:val="p"/>
+                            </m:rPr>
+                            <a:rPr lang="en-US" altLang="zh-CN" sz="1600">
+                              <a:latin typeface="Cambria Math"/>
+                            </a:rPr>
+                            <m:t>wp</m:t>
+                          </m:r>
+                          <m:r>
+                            <a:rPr lang="en-US" altLang="zh-CN" sz="1600">
+                              <a:latin typeface="Cambria Math"/>
+                            </a:rPr>
+                            <m:t>(</m:t>
+                          </m:r>
+                          <m:r>
+                            <m:rPr>
+                              <m:sty m:val="p"/>
+                            </m:rPr>
+                            <a:rPr lang="en-US" altLang="zh-CN" sz="1600" b="0" i="0" smtClean="0">
+                              <a:latin typeface="Cambria Math"/>
+                            </a:rPr>
+                            <m:t>w</m:t>
+                          </m:r>
+                          <m:r>
+                            <m:rPr>
+                              <m:sty m:val="p"/>
+                            </m:rPr>
+                            <a:rPr lang="en-US" altLang="zh-CN" sz="1600" b="0" i="0" baseline="-25000" smtClean="0">
+                              <a:latin typeface="Cambria Math"/>
+                            </a:rPr>
+                            <m:t>i</m:t>
+                          </m:r>
+                          <m:r>
+                            <a:rPr lang="en-US" altLang="zh-CN" sz="1600" b="0" i="0" smtClean="0">
+                              <a:latin typeface="Cambria Math"/>
+                            </a:rPr>
+                            <m:t> |</m:t>
+                          </m:r>
+                          <m:r>
+                            <a:rPr lang="en-US" altLang="zh-CN" sz="1600">
+                              <a:latin typeface="Cambria Math"/>
+                            </a:rPr>
+                            <m:t> </m:t>
+                          </m:r>
+                          <m:r>
+                            <m:rPr>
+                              <m:sty m:val="p"/>
+                            </m:rPr>
+                            <a:rPr lang="en-US" altLang="zh-CN" sz="1600">
+                              <a:latin typeface="Cambria Math"/>
+                            </a:rPr>
+                            <m:t>cat</m:t>
+                          </m:r>
+                          <m:r>
+                            <a:rPr lang="en-US" altLang="zh-CN" sz="1600">
+                              <a:latin typeface="Cambria Math"/>
+                            </a:rPr>
+                            <m:t>)</m:t>
+                          </m:r>
+                        </m:e>
+                      </m:nary>
+                      <m:r>
+                        <m:rPr>
+                          <m:nor/>
+                        </m:rPr>
+                        <a:rPr lang="en-US" altLang="zh-CN" sz="1600" dirty="0">
+                          <a:latin typeface="Cambria Math"/>
+                        </a:rPr>
+                        <m:t>=</m:t>
+                      </m:r>
+                      <m:r>
+                        <m:rPr>
+                          <m:nor/>
+                        </m:rPr>
+                        <a:rPr lang="en-US" altLang="zh-CN" sz="1600" dirty="0">
+                          <a:latin typeface="Cambria Math"/>
+                        </a:rPr>
+                        <m:t>P</m:t>
+                      </m:r>
+                      <m:r>
+                        <m:rPr>
+                          <m:nor/>
+                        </m:rPr>
+                        <a:rPr lang="en-US" altLang="zh-CN" sz="1600" dirty="0">
+                          <a:latin typeface="Cambria Math"/>
+                        </a:rPr>
+                        <m:t>(</m:t>
+                      </m:r>
+                      <m:r>
+                        <m:rPr>
+                          <m:nor/>
+                        </m:rPr>
+                        <a:rPr lang="en-US" altLang="zh-CN" sz="1600" dirty="0">
+                          <a:latin typeface="Cambria Math"/>
+                        </a:rPr>
+                        <m:t>w</m:t>
+                      </m:r>
+                      <m:r>
+                        <m:rPr>
+                          <m:nor/>
+                        </m:rPr>
+                        <a:rPr lang="en-US" altLang="zh-CN" sz="1600" baseline="-25000" dirty="0">
+                          <a:latin typeface="Cambria Math"/>
+                        </a:rPr>
+                        <m:t>1</m:t>
+                      </m:r>
+                      <m:r>
+                        <m:rPr>
+                          <m:nor/>
+                        </m:rPr>
+                        <a:rPr lang="en-US" altLang="zh-CN" sz="1600" dirty="0">
+                          <a:latin typeface="Cambria Math"/>
+                        </a:rPr>
+                        <m:t> | </m:t>
+                      </m:r>
+                      <m:r>
+                        <m:rPr>
+                          <m:nor/>
+                        </m:rPr>
+                        <a:rPr lang="en-US" altLang="zh-CN" sz="1600" dirty="0">
+                          <a:latin typeface="Cambria Math"/>
+                        </a:rPr>
+                        <m:t>cat</m:t>
+                      </m:r>
+                      <m:r>
+                        <m:rPr>
+                          <m:nor/>
+                        </m:rPr>
+                        <a:rPr lang="en-US" altLang="zh-CN" sz="1600" dirty="0">
+                          <a:latin typeface="Cambria Math"/>
+                        </a:rPr>
+                        <m:t>) ∗ </m:t>
+                      </m:r>
+                      <m:r>
+                        <m:rPr>
+                          <m:nor/>
+                        </m:rPr>
+                        <a:rPr lang="en-US" altLang="zh-CN" sz="1600" dirty="0">
+                          <a:latin typeface="Cambria Math"/>
+                        </a:rPr>
+                        <m:t>P</m:t>
+                      </m:r>
+                      <m:r>
+                        <m:rPr>
+                          <m:nor/>
+                        </m:rPr>
+                        <a:rPr lang="en-US" altLang="zh-CN" sz="1600" dirty="0">
+                          <a:latin typeface="Cambria Math"/>
+                        </a:rPr>
+                        <m:t>(</m:t>
+                      </m:r>
+                      <m:r>
+                        <m:rPr>
+                          <m:nor/>
+                        </m:rPr>
+                        <a:rPr lang="en-US" altLang="zh-CN" sz="1600" dirty="0">
+                          <a:latin typeface="Cambria Math"/>
+                        </a:rPr>
+                        <m:t>w</m:t>
+                      </m:r>
+                      <m:r>
+                        <m:rPr>
+                          <m:nor/>
+                        </m:rPr>
+                        <a:rPr lang="en-US" altLang="zh-CN" sz="1600" baseline="-25000" dirty="0">
+                          <a:latin typeface="Cambria Math"/>
+                        </a:rPr>
+                        <m:t>2</m:t>
+                      </m:r>
+                      <m:r>
+                        <m:rPr>
+                          <m:nor/>
+                        </m:rPr>
+                        <a:rPr lang="en-US" altLang="zh-CN" sz="1600" dirty="0">
+                          <a:latin typeface="Cambria Math"/>
+                        </a:rPr>
+                        <m:t> | </m:t>
+                      </m:r>
+                      <m:r>
+                        <m:rPr>
+                          <m:nor/>
+                        </m:rPr>
+                        <a:rPr lang="en-US" altLang="zh-CN" sz="1600" dirty="0">
+                          <a:latin typeface="Cambria Math"/>
+                        </a:rPr>
+                        <m:t>cat</m:t>
+                      </m:r>
+                      <m:r>
+                        <m:rPr>
+                          <m:nor/>
+                        </m:rPr>
+                        <a:rPr lang="en-US" altLang="zh-CN" sz="1600" dirty="0">
+                          <a:latin typeface="Cambria Math"/>
+                        </a:rPr>
+                        <m:t>) ∗ …</m:t>
+                      </m:r>
+                    </m:oMath>
+                  </m:oMathPara>
+                </a14:m>
+                <a:endParaRPr lang="en-US" altLang="zh-CN" sz="1600" dirty="0">
+                  <a:latin typeface="Cambria Math"/>
+                </a:endParaRPr>
+              </a:p>
+              <a:p>
+                <a:pPr marL="457200" lvl="1" indent="0" algn="just">
+                  <a:buNone/>
+                </a:pPr>
+                <a14:m>
+                  <m:oMathPara xmlns:m="http://schemas.openxmlformats.org/officeDocument/2006/math">
+                    <m:oMathParaPr>
+                      <m:jc m:val="left"/>
+                    </m:oMathParaPr>
+                    <m:oMath xmlns:m="http://schemas.openxmlformats.org/officeDocument/2006/math">
+                      <m:r>
+                        <a:rPr lang="en-US" altLang="zh-CN" sz="1600" b="0" i="0" smtClean="0">
+                          <a:latin typeface="Cambria Math"/>
+                        </a:rPr>
+                        <m:t> </m:t>
+                      </m:r>
+                      <m:r>
+                        <m:rPr>
+                          <m:sty m:val="p"/>
+                        </m:rPr>
+                        <a:rPr lang="en-US" altLang="zh-CN" sz="1600">
+                          <a:latin typeface="Cambria Math"/>
+                        </a:rPr>
+                        <m:t>P</m:t>
+                      </m:r>
+                      <m:d>
+                        <m:dPr>
+                          <m:ctrlPr>
+                            <a:rPr lang="en-US" altLang="zh-CN" sz="1600" i="1">
+                              <a:latin typeface="Cambria Math"/>
+                            </a:rPr>
+                          </m:ctrlPr>
+                        </m:dPr>
+                        <m:e>
+                          <m:r>
+                            <m:rPr>
+                              <m:sty m:val="p"/>
+                            </m:rPr>
+                            <a:rPr lang="en-US" altLang="zh-CN" sz="1600">
+                              <a:latin typeface="Cambria Math"/>
+                            </a:rPr>
+                            <m:t>cat</m:t>
+                          </m:r>
+                          <m:r>
+                            <m:rPr>
+                              <m:sty m:val="p"/>
+                            </m:rPr>
+                            <a:rPr lang="en-US" altLang="zh-CN" sz="1600" b="0" i="0" smtClean="0">
+                              <a:latin typeface="Cambria Math"/>
+                            </a:rPr>
+                            <m:t>egory</m:t>
+                          </m:r>
+                        </m:e>
+                      </m:d>
+                      <m:r>
+                        <a:rPr lang="en-US" altLang="zh-CN" sz="1600">
+                          <a:latin typeface="Cambria Math"/>
+                        </a:rPr>
+                        <m:t>=</m:t>
+                      </m:r>
+                      <m:f>
+                        <m:fPr>
+                          <m:ctrlPr>
+                            <a:rPr lang="en-US" altLang="zh-CN" sz="1600" i="1">
+                              <a:latin typeface="Cambria Math"/>
+                            </a:rPr>
+                          </m:ctrlPr>
+                        </m:fPr>
+                        <m:num>
+                          <m:r>
+                            <m:rPr>
+                              <m:sty m:val="p"/>
+                            </m:rPr>
+                            <a:rPr lang="en-US" altLang="zh-CN" sz="1600" b="0" i="0" smtClean="0">
+                              <a:latin typeface="Cambria Math"/>
+                            </a:rPr>
+                            <m:t>total</m:t>
+                          </m:r>
+                          <m:d>
+                            <m:dPr>
+                              <m:ctrlPr>
+                                <a:rPr lang="en-US" altLang="zh-CN" sz="1600" i="1">
+                                  <a:latin typeface="Cambria Math"/>
+                                </a:rPr>
+                              </m:ctrlPr>
+                            </m:dPr>
+                            <m:e>
+                              <m:r>
+                                <m:rPr>
+                                  <m:sty m:val="p"/>
+                                </m:rPr>
+                                <a:rPr lang="en-US" altLang="zh-CN" sz="1600" b="0" i="0" smtClean="0">
+                                  <a:latin typeface="Cambria Math"/>
+                                </a:rPr>
+                                <m:t>documents</m:t>
+                              </m:r>
+                              <m:r>
+                                <a:rPr lang="en-US" altLang="zh-CN" sz="1600" b="0" i="0" smtClean="0">
+                                  <a:latin typeface="Cambria Math"/>
+                                </a:rPr>
+                                <m:t> </m:t>
+                              </m:r>
+                              <m:r>
+                                <m:rPr>
+                                  <m:sty m:val="p"/>
+                                </m:rPr>
+                                <a:rPr lang="en-US" altLang="zh-CN" sz="1600" b="0" i="0" smtClean="0">
+                                  <a:latin typeface="Cambria Math"/>
+                                </a:rPr>
+                                <m:t>in</m:t>
+                              </m:r>
+                              <m:r>
+                                <a:rPr lang="en-US" altLang="zh-CN" sz="1600" b="0" i="0" smtClean="0">
+                                  <a:latin typeface="Cambria Math"/>
+                                </a:rPr>
+                                <m:t> </m:t>
+                              </m:r>
+                              <m:r>
+                                <m:rPr>
+                                  <m:sty m:val="p"/>
+                                </m:rPr>
+                                <a:rPr lang="en-US" altLang="zh-CN" sz="1600" b="0" i="0" smtClean="0">
+                                  <a:latin typeface="Cambria Math"/>
+                                </a:rPr>
+                                <m:t>category</m:t>
+                              </m:r>
+                            </m:e>
+                          </m:d>
+                        </m:num>
+                        <m:den>
+                          <m:nary>
+                            <m:naryPr>
+                              <m:chr m:val="∑"/>
+                              <m:subHide m:val="on"/>
+                              <m:supHide m:val="on"/>
+                              <m:ctrlPr>
+                                <a:rPr lang="en-US" altLang="zh-CN" sz="1600" i="1">
+                                  <a:latin typeface="Cambria Math"/>
+                                </a:rPr>
+                              </m:ctrlPr>
+                            </m:naryPr>
+                            <m:sub/>
+                            <m:sup/>
+                            <m:e>
+                              <m:r>
+                                <m:rPr>
+                                  <m:sty m:val="p"/>
+                                </m:rPr>
+                                <a:rPr lang="en-US" altLang="zh-CN" sz="1600" b="0" i="0" smtClean="0">
+                                  <a:latin typeface="Cambria Math"/>
+                                </a:rPr>
+                                <m:t>total</m:t>
+                              </m:r>
+                              <m:r>
+                                <a:rPr lang="en-US" altLang="zh-CN" sz="1600">
+                                  <a:latin typeface="Cambria Math"/>
+                                </a:rPr>
+                                <m:t>(</m:t>
+                              </m:r>
+                              <m:r>
+                                <m:rPr>
+                                  <m:sty m:val="p"/>
+                                </m:rPr>
+                                <a:rPr lang="en-US" altLang="zh-CN" sz="1600" b="0" i="0" smtClean="0">
+                                  <a:latin typeface="Cambria Math"/>
+                                </a:rPr>
+                                <m:t>documents</m:t>
+                              </m:r>
+                              <m:r>
+                                <a:rPr lang="en-US" altLang="zh-CN" sz="1600">
+                                  <a:latin typeface="Cambria Math"/>
+                                </a:rPr>
+                                <m:t>)</m:t>
+                              </m:r>
+                            </m:e>
+                          </m:nary>
+                        </m:den>
+                      </m:f>
+                    </m:oMath>
+                  </m:oMathPara>
+                </a14:m>
+                <a:endParaRPr lang="en-US" altLang="zh-CN" sz="1600" dirty="0">
+                  <a:latin typeface="Cambria Math"/>
+                </a:endParaRPr>
+              </a:p>
+              <a:p>
+                <a:pPr marL="457200" lvl="1" indent="0">
+                  <a:buNone/>
+                </a:pPr>
+                <a:endParaRPr lang="en-US" altLang="zh-CN" sz="1600" dirty="0" smtClean="0">
+                  <a:latin typeface="Cambria Math"/>
+                </a:endParaRPr>
+              </a:p>
+              <a:p>
+                <a:pPr marL="457200" lvl="1" indent="0">
+                  <a:buNone/>
+                </a:pPr>
+                <a14:m>
+                  <m:oMathPara xmlns:m="http://schemas.openxmlformats.org/officeDocument/2006/math">
+                    <m:oMathParaPr>
+                      <m:jc m:val="left"/>
+                    </m:oMathParaPr>
+                    <m:oMath xmlns:m="http://schemas.openxmlformats.org/officeDocument/2006/math">
+                      <m:r>
+                        <m:rPr>
+                          <m:sty m:val="p"/>
+                        </m:rPr>
+                        <a:rPr lang="en-US" altLang="zh-CN" sz="1600" smtClean="0">
+                          <a:latin typeface="Cambria Math"/>
+                        </a:rPr>
+                        <m:t>Result</m:t>
+                      </m:r>
+                      <m:r>
+                        <a:rPr lang="en-US" altLang="zh-CN" sz="1600" smtClean="0">
+                          <a:latin typeface="Cambria Math"/>
+                        </a:rPr>
+                        <m:t>=</m:t>
+                      </m:r>
+                      <m:r>
+                        <m:rPr>
+                          <m:sty m:val="p"/>
+                        </m:rPr>
+                        <a:rPr lang="en-US" altLang="zh-CN" sz="1600" smtClean="0">
+                          <a:latin typeface="Cambria Math"/>
+                        </a:rPr>
+                        <m:t>max</m:t>
+                      </m:r>
+                      <m:r>
+                        <a:rPr lang="en-US" altLang="zh-CN" sz="1600" i="1">
+                          <a:latin typeface="Cambria Math"/>
+                        </a:rPr>
+                        <m:t>⁡</m:t>
+                      </m:r>
+                      <m:r>
+                        <a:rPr lang="en-US" altLang="zh-CN" sz="1600" b="0" i="1" smtClean="0">
+                          <a:latin typeface="Cambria Math"/>
+                        </a:rPr>
+                        <m:t>{</m:t>
+                      </m:r>
+                      <m:func>
+                        <m:funcPr>
+                          <m:ctrlPr>
+                            <a:rPr lang="en-US" altLang="zh-CN" sz="1600" i="1">
+                              <a:latin typeface="Cambria Math"/>
+                            </a:rPr>
+                          </m:ctrlPr>
+                        </m:funcPr>
+                        <m:fName>
+                          <m:r>
+                            <a:rPr lang="en-US" altLang="zh-CN" sz="1600" b="0" i="0" smtClean="0">
+                              <a:latin typeface="Cambria Math"/>
+                            </a:rPr>
+                            <m:t>  </m:t>
+                          </m:r>
+                          <m:r>
+                            <m:rPr>
+                              <m:sty m:val="p"/>
+                            </m:rPr>
+                            <a:rPr lang="en-US" altLang="zh-CN" sz="1600">
+                              <a:latin typeface="Cambria Math"/>
+                            </a:rPr>
+                            <m:t>P</m:t>
+                          </m:r>
+                        </m:fName>
+                        <m:e>
+                          <m:d>
+                            <m:dPr>
+                              <m:ctrlPr>
+                                <a:rPr lang="en-US" altLang="zh-CN" sz="1600" i="1">
+                                  <a:latin typeface="Cambria Math"/>
+                                </a:rPr>
+                              </m:ctrlPr>
+                            </m:dPr>
+                            <m:e>
+                              <m:r>
+                                <a:rPr lang="en-US" altLang="zh-CN" sz="1600" b="0" i="1" smtClean="0">
+                                  <a:latin typeface="Cambria Math"/>
+                                </a:rPr>
+                                <m:t>𝑐𝑎𝑡</m:t>
+                              </m:r>
+                              <m:r>
+                                <a:rPr lang="en-US" altLang="zh-CN" sz="1600" b="0" i="1" baseline="-25000" smtClean="0">
+                                  <a:latin typeface="Cambria Math"/>
+                                </a:rPr>
+                                <m:t>1</m:t>
+                              </m:r>
+                            </m:e>
+                            <m:e>
+                              <m:r>
+                                <a:rPr lang="en-US" altLang="zh-CN" sz="1600" b="0" i="1" smtClean="0">
+                                  <a:latin typeface="Cambria Math"/>
+                                </a:rPr>
+                                <m:t>𝑑𝑜𝑐</m:t>
+                              </m:r>
+                            </m:e>
+                          </m:d>
+                        </m:e>
+                      </m:func>
+                      <m:r>
+                        <a:rPr lang="en-US" altLang="zh-CN" sz="1600" i="1">
+                          <a:latin typeface="Cambria Math"/>
+                        </a:rPr>
+                        <m:t>,</m:t>
+                      </m:r>
+                      <m:r>
+                        <a:rPr lang="en-US" altLang="zh-CN" sz="1600" b="0" i="1" smtClean="0">
+                          <a:latin typeface="Cambria Math"/>
+                        </a:rPr>
+                        <m:t>  </m:t>
+                      </m:r>
+                      <m:func>
+                        <m:funcPr>
+                          <m:ctrlPr>
+                            <a:rPr lang="en-US" altLang="zh-CN" sz="1600" b="0" i="1">
+                              <a:latin typeface="Cambria Math"/>
+                            </a:rPr>
+                          </m:ctrlPr>
+                        </m:funcPr>
+                        <m:fName>
+                          <m:r>
+                            <m:rPr>
+                              <m:sty m:val="p"/>
+                            </m:rPr>
+                            <a:rPr lang="en-US" altLang="zh-CN" sz="1600">
+                              <a:latin typeface="Cambria Math"/>
+                            </a:rPr>
+                            <m:t>P</m:t>
+                          </m:r>
+                        </m:fName>
+                        <m:e>
+                          <m:d>
+                            <m:dPr>
+                              <m:ctrlPr>
+                                <a:rPr lang="en-US" altLang="zh-CN" sz="1600" i="1">
+                                  <a:latin typeface="Cambria Math"/>
+                                </a:rPr>
+                              </m:ctrlPr>
+                            </m:dPr>
+                            <m:e>
+                              <m:r>
+                                <a:rPr lang="en-US" altLang="zh-CN" sz="1600" b="0" i="1" smtClean="0">
+                                  <a:latin typeface="Cambria Math"/>
+                                </a:rPr>
+                                <m:t>𝑐𝑎𝑡</m:t>
+                              </m:r>
+                              <m:r>
+                                <a:rPr lang="en-US" altLang="zh-CN" sz="1600" b="0" i="1" baseline="-25000" smtClean="0">
+                                  <a:latin typeface="Cambria Math"/>
+                                </a:rPr>
+                                <m:t>2</m:t>
+                              </m:r>
+                            </m:e>
+                            <m:e>
+                              <m:r>
+                                <a:rPr lang="en-US" altLang="zh-CN" sz="1600" b="0" i="1" smtClean="0">
+                                  <a:latin typeface="Cambria Math"/>
+                                </a:rPr>
+                                <m:t>𝑑𝑜𝑐</m:t>
+                              </m:r>
+                            </m:e>
+                          </m:d>
+                          <m:r>
+                            <a:rPr lang="en-US" altLang="zh-CN" sz="1600" b="0" i="1" smtClean="0">
+                              <a:latin typeface="Cambria Math"/>
+                            </a:rPr>
+                            <m:t>,  </m:t>
+                          </m:r>
+                        </m:e>
+                      </m:func>
+                      <m:r>
+                        <a:rPr lang="en-US" altLang="zh-CN" sz="1600" b="0" i="1" smtClean="0">
+                          <a:latin typeface="Cambria Math"/>
+                        </a:rPr>
+                        <m:t>…}</m:t>
+                      </m:r>
+                    </m:oMath>
+                  </m:oMathPara>
+                </a14:m>
+                <a:endParaRPr lang="en-US" altLang="zh-CN" sz="1600" dirty="0" smtClean="0"/>
               </a:p>
               <a:p>
                 <a:pPr lvl="1"/>
@@ -8123,7 +9025,7 @@
               <a:lstStyle/>
               <a:p>
                 <a:r>
-                  <a:rPr lang="en-US">
+                  <a:rPr lang="zh-CN" altLang="en-US">
                     <a:noFill/>
                   </a:rPr>
                   <a:t> </a:t>
@@ -8612,7 +9514,7 @@
             <p:spPr/>
             <p:txBody>
               <a:bodyPr>
-                <a:normAutofit fontScale="70000" lnSpcReduction="20000"/>
+                <a:normAutofit/>
               </a:bodyPr>
               <a:lstStyle/>
               <a:p>
@@ -8622,13 +9524,13 @@
                       <m:rPr>
                         <m:sty m:val="p"/>
                       </m:rPr>
-                      <a:rPr lang="en-US" altLang="zh-CN" smtClean="0">
+                      <a:rPr lang="en-US" altLang="zh-CN" sz="1600" smtClean="0">
                         <a:latin typeface="Cambria Math"/>
                       </a:rPr>
                       <m:t>Result</m:t>
                     </m:r>
                     <m:r>
-                      <a:rPr lang="en-US" altLang="zh-CN" smtClean="0">
+                      <a:rPr lang="en-US" altLang="zh-CN" sz="1600" smtClean="0">
                         <a:latin typeface="Cambria Math"/>
                       </a:rPr>
                       <m:t>=</m:t>
@@ -8636,7 +9538,7 @@
                     <m:func>
                       <m:funcPr>
                         <m:ctrlPr>
-                          <a:rPr lang="en-US" altLang="zh-CN" i="1" smtClean="0">
+                          <a:rPr lang="en-US" altLang="zh-CN" sz="1600" i="1" smtClean="0">
                             <a:latin typeface="Cambria Math"/>
                           </a:rPr>
                         </m:ctrlPr>
@@ -8646,7 +9548,7 @@
                           <m:rPr>
                             <m:sty m:val="p"/>
                           </m:rPr>
-                          <a:rPr lang="en-US" altLang="zh-CN" smtClean="0">
+                          <a:rPr lang="en-US" altLang="zh-CN" sz="1600" smtClean="0">
                             <a:latin typeface="Cambria Math"/>
                           </a:rPr>
                           <m:t>max</m:t>
@@ -8654,13 +9556,13 @@
                       </m:fName>
                       <m:e>
                         <m:r>
-                          <a:rPr lang="en-US" altLang="zh-CN" b="0" i="1" smtClean="0">
+                          <a:rPr lang="en-US" altLang="zh-CN" sz="1600" b="0" i="1" smtClean="0">
                             <a:latin typeface="Cambria Math"/>
                           </a:rPr>
                           <m:t>[</m:t>
                         </m:r>
                         <m:r>
-                          <a:rPr lang="en-US" altLang="zh-CN" i="1" smtClean="0">
+                          <a:rPr lang="en-US" altLang="zh-CN" sz="1600" i="1" smtClean="0">
                             <a:solidFill>
                               <a:schemeClr val="accent6">
                                 <a:lumMod val="75000"/>
@@ -8671,7 +9573,7 @@
                           <m:t>𝑖𝑛𝑣𝑐h𝑖</m:t>
                         </m:r>
                         <m:r>
-                          <a:rPr lang="en-US" altLang="zh-CN" i="1" smtClean="0">
+                          <a:rPr lang="en-US" altLang="zh-CN" sz="1600" i="1" smtClean="0">
                             <a:solidFill>
                               <a:schemeClr val="accent6">
                                 <a:lumMod val="75000"/>
@@ -8684,7 +9586,7 @@
                         <m:d>
                           <m:dPr>
                             <m:ctrlPr>
-                              <a:rPr lang="en-US" altLang="zh-CN" i="1">
+                              <a:rPr lang="en-US" altLang="zh-CN" sz="1600" i="1">
                                 <a:solidFill>
                                   <a:schemeClr val="accent6">
                                     <a:lumMod val="75000"/>
@@ -8696,7 +9598,7 @@
                           </m:dPr>
                           <m:e>
                             <m:r>
-                              <a:rPr lang="en-US" altLang="zh-CN" i="1">
+                              <a:rPr lang="en-US" altLang="zh-CN" sz="1600" i="1">
                                 <a:solidFill>
                                   <a:schemeClr val="accent6">
                                     <a:lumMod val="75000"/>
@@ -8709,7 +9611,7 @@
                             <m:func>
                               <m:funcPr>
                                 <m:ctrlPr>
-                                  <a:rPr lang="en-US" altLang="zh-CN" i="1">
+                                  <a:rPr lang="en-US" altLang="zh-CN" sz="1600" i="1">
                                     <a:solidFill>
                                       <a:schemeClr val="accent6">
                                         <a:lumMod val="75000"/>
@@ -8724,7 +9626,7 @@
                                   <m:rPr>
                                     <m:sty m:val="p"/>
                                   </m:rPr>
-                                  <a:rPr lang="en-US" altLang="zh-CN">
+                                  <a:rPr lang="en-US" altLang="zh-CN" sz="1600">
                                     <a:solidFill>
                                       <a:schemeClr val="accent6">
                                         <a:lumMod val="75000"/>
@@ -8739,7 +9641,7 @@
                                 <m:d>
                                   <m:dPr>
                                     <m:ctrlPr>
-                                      <a:rPr lang="en-US" altLang="zh-CN" i="1">
+                                      <a:rPr lang="en-US" altLang="zh-CN" sz="1600" i="1">
                                         <a:solidFill>
                                           <a:schemeClr val="accent6">
                                             <a:lumMod val="75000"/>
@@ -8753,7 +9655,7 @@
                                     <m:func>
                                       <m:funcPr>
                                         <m:ctrlPr>
-                                          <a:rPr lang="en-US" altLang="zh-CN" i="1">
+                                          <a:rPr lang="en-US" altLang="zh-CN" sz="1600" i="1">
                                             <a:solidFill>
                                               <a:schemeClr val="accent6">
                                                 <a:lumMod val="75000"/>
@@ -8768,7 +9670,7 @@
                                           <m:rPr>
                                             <m:sty m:val="p"/>
                                           </m:rPr>
-                                          <a:rPr lang="en-US" altLang="zh-CN">
+                                          <a:rPr lang="en-US" altLang="zh-CN" sz="1600">
                                             <a:solidFill>
                                               <a:schemeClr val="accent6">
                                                 <a:lumMod val="75000"/>
@@ -8783,7 +9685,7 @@
                                         <m:d>
                                           <m:dPr>
                                             <m:ctrlPr>
-                                              <a:rPr lang="en-US" altLang="zh-CN" i="1">
+                                              <a:rPr lang="en-US" altLang="zh-CN" sz="1600" i="1">
                                                 <a:solidFill>
                                                   <a:schemeClr val="accent6">
                                                     <a:lumMod val="75000"/>
@@ -8795,7 +9697,7 @@
                                           </m:dPr>
                                           <m:e>
                                             <m:r>
-                                              <a:rPr lang="en-US" altLang="zh-CN" i="1">
+                                              <a:rPr lang="en-US" altLang="zh-CN" sz="1600" i="1">
                                                 <a:solidFill>
                                                   <a:schemeClr val="accent6">
                                                     <a:lumMod val="75000"/>
@@ -8808,7 +9710,7 @@
                                           </m:e>
                                           <m:e>
                                             <m:r>
-                                              <a:rPr lang="en-US" altLang="zh-CN" i="1">
+                                              <a:rPr lang="en-US" altLang="zh-CN" sz="1600" i="1">
                                                 <a:solidFill>
                                                   <a:schemeClr val="accent6">
                                                     <a:lumMod val="75000"/>
@@ -8827,7 +9729,7 @@
                               </m:e>
                             </m:func>
                             <m:r>
-                              <a:rPr lang="en-US" altLang="zh-CN" i="1">
+                              <a:rPr lang="en-US" altLang="zh-CN" sz="1600" i="1">
                                 <a:solidFill>
                                   <a:schemeClr val="accent6">
                                     <a:lumMod val="75000"/>
@@ -8838,7 +9740,7 @@
                               <m:t>,</m:t>
                             </m:r>
                             <m:r>
-                              <a:rPr lang="en-US" altLang="zh-CN" i="1">
+                              <a:rPr lang="en-US" altLang="zh-CN" sz="1600" i="1">
                                 <a:solidFill>
                                   <a:schemeClr val="accent6">
                                     <a:lumMod val="75000"/>
@@ -8851,7 +9753,7 @@
                             <m:d>
                               <m:dPr>
                                 <m:ctrlPr>
-                                  <a:rPr lang="en-US" altLang="zh-CN" i="1">
+                                  <a:rPr lang="en-US" altLang="zh-CN" sz="1600" i="1">
                                     <a:solidFill>
                                       <a:schemeClr val="accent6">
                                         <a:lumMod val="75000"/>
@@ -8863,7 +9765,7 @@
                               </m:dPr>
                               <m:e>
                                 <m:r>
-                                  <a:rPr lang="en-US" altLang="zh-CN" i="1">
+                                  <a:rPr lang="en-US" altLang="zh-CN" sz="1600" i="1">
                                     <a:solidFill>
                                       <a:schemeClr val="accent6">
                                         <a:lumMod val="75000"/>
@@ -8878,7 +9780,7 @@
                           </m:e>
                         </m:d>
                         <m:r>
-                          <a:rPr lang="en-US" altLang="zh-CN" b="0" i="1" smtClean="0">
+                          <a:rPr lang="en-US" altLang="zh-CN" sz="1600" b="0" i="1" smtClean="0">
                             <a:latin typeface="Cambria Math"/>
                           </a:rPr>
                           <m:t>]</m:t>
@@ -8887,22 +9789,22 @@
                     </m:func>
                   </m:oMath>
                 </a14:m>
-                <a:endParaRPr lang="en-US" altLang="zh-CN" dirty="0" smtClean="0"/>
+                <a:endParaRPr lang="en-US" altLang="zh-CN" sz="1600" dirty="0" smtClean="0"/>
               </a:p>
               <a:p>
-                <a:endParaRPr lang="en-US" altLang="zh-CN" dirty="0" smtClean="0"/>
+                <a:endParaRPr lang="en-US" altLang="zh-CN" sz="1600" dirty="0" smtClean="0"/>
               </a:p>
               <a:p>
                 <a14:m>
                   <m:oMath xmlns:m="http://schemas.openxmlformats.org/officeDocument/2006/math">
                     <m:r>
-                      <a:rPr lang="en-US" altLang="zh-CN" b="0" i="1" smtClean="0">
+                      <a:rPr lang="en-US" altLang="zh-CN" sz="1600" b="0" i="1" smtClean="0">
                         <a:latin typeface="Cambria Math"/>
                       </a:rPr>
                       <m:t>𝑖𝑛𝑣𝑐h𝑖</m:t>
                     </m:r>
                     <m:r>
-                      <a:rPr lang="en-US" altLang="zh-CN" b="0" i="1" smtClean="0">
+                      <a:rPr lang="en-US" altLang="zh-CN" sz="1600" b="0" i="1" smtClean="0">
                         <a:latin typeface="Cambria Math"/>
                       </a:rPr>
                       <m:t>2</m:t>
@@ -8910,32 +9812,32 @@
                     <m:d>
                       <m:dPr>
                         <m:ctrlPr>
-                          <a:rPr lang="en-US" altLang="zh-CN" b="0" i="1" smtClean="0">
+                          <a:rPr lang="en-US" altLang="zh-CN" sz="1600" b="0" i="1" smtClean="0">
                             <a:latin typeface="Cambria Math"/>
                           </a:rPr>
                         </m:ctrlPr>
                       </m:dPr>
                       <m:e>
                         <m:r>
-                          <a:rPr lang="en-US" altLang="zh-CN" b="0" i="1" smtClean="0">
+                          <a:rPr lang="en-US" altLang="zh-CN" sz="1600" b="0" i="1" smtClean="0">
                             <a:latin typeface="Cambria Math"/>
                           </a:rPr>
                           <m:t> </m:t>
                         </m:r>
                         <m:r>
-                          <a:rPr lang="en-US" altLang="zh-CN" b="0" i="1" smtClean="0">
+                          <a:rPr lang="en-US" altLang="zh-CN" sz="1600" b="0" i="1" smtClean="0">
                             <a:latin typeface="Cambria Math"/>
                           </a:rPr>
                           <m:t>𝑥</m:t>
                         </m:r>
                         <m:r>
-                          <a:rPr lang="en-US" altLang="zh-CN" b="0" i="1" smtClean="0">
+                          <a:rPr lang="en-US" altLang="zh-CN" sz="1600" b="0" i="1" smtClean="0">
                             <a:latin typeface="Cambria Math"/>
                           </a:rPr>
                           <m:t>, </m:t>
                         </m:r>
                         <m:r>
-                          <a:rPr lang="en-US" altLang="zh-CN" b="0" i="1" smtClean="0">
+                          <a:rPr lang="en-US" altLang="zh-CN" sz="1600" b="0" i="1" smtClean="0">
                             <a:latin typeface="Cambria Math"/>
                           </a:rPr>
                           <m:t>𝑦</m:t>
@@ -8943,7 +9845,7 @@
                       </m:e>
                     </m:d>
                     <m:r>
-                      <a:rPr lang="en-US" altLang="zh-CN" b="0" i="1" smtClean="0">
+                      <a:rPr lang="en-US" altLang="zh-CN" sz="1600" b="0" i="1" smtClean="0">
                         <a:latin typeface="Cambria Math"/>
                       </a:rPr>
                       <m:t>=</m:t>
@@ -8952,13 +9854,13 @@
                       <m:rPr>
                         <m:sty m:val="p"/>
                       </m:rPr>
-                      <a:rPr lang="en-US" altLang="zh-CN" b="0" i="0" smtClean="0">
+                      <a:rPr lang="en-US" altLang="zh-CN" sz="1600" b="0" i="0" smtClean="0">
                         <a:latin typeface="Cambria Math"/>
                       </a:rPr>
                       <m:t>min</m:t>
                     </m:r>
                     <m:r>
-                      <a:rPr lang="en-US" altLang="zh-CN" b="0" i="1" smtClean="0">
+                      <a:rPr lang="en-US" altLang="zh-CN" sz="1600" b="0" i="1" smtClean="0">
                         <a:latin typeface="Cambria Math"/>
                       </a:rPr>
                       <m:t>⁡[1.0,   </m:t>
@@ -8968,7 +9870,7 @@
                         <m:chr m:val="∑"/>
                         <m:supHide m:val="on"/>
                         <m:ctrlPr>
-                          <a:rPr lang="en-US" altLang="zh-CN" b="0" i="1" smtClean="0">
+                          <a:rPr lang="en-US" altLang="zh-CN" sz="1600" b="0" i="1" smtClean="0">
                             <a:latin typeface="Cambria Math"/>
                           </a:rPr>
                         </m:ctrlPr>
@@ -8978,25 +9880,25 @@
                           <m:rPr>
                             <m:brk m:alnAt="7"/>
                           </m:rPr>
-                          <a:rPr lang="en-US" altLang="zh-CN" b="0" i="1" smtClean="0">
+                          <a:rPr lang="en-US" altLang="zh-CN" sz="1600" b="0" i="1" smtClean="0">
                             <a:latin typeface="Cambria Math"/>
                           </a:rPr>
                           <m:t>𝑖</m:t>
                         </m:r>
                         <m:r>
-                          <a:rPr lang="en-US" altLang="zh-CN" b="0" i="1" smtClean="0">
+                          <a:rPr lang="en-US" altLang="zh-CN" sz="1600" b="0" i="1" smtClean="0">
                             <a:latin typeface="Cambria Math"/>
                           </a:rPr>
                           <m:t>=[1,</m:t>
                         </m:r>
                         <m:r>
-                          <a:rPr lang="en-US" altLang="zh-CN" b="0" i="1" smtClean="0">
+                          <a:rPr lang="en-US" altLang="zh-CN" sz="1600" b="0" i="1" smtClean="0">
                             <a:latin typeface="Cambria Math"/>
                           </a:rPr>
                           <m:t>𝑦</m:t>
                         </m:r>
                         <m:r>
-                          <a:rPr lang="en-US" altLang="zh-CN" b="0" i="1" smtClean="0">
+                          <a:rPr lang="en-US" altLang="zh-CN" sz="1600" b="0" i="1" smtClean="0">
                             <a:latin typeface="Cambria Math"/>
                           </a:rPr>
                           <m:t>/2)</m:t>
@@ -9007,7 +9909,7 @@
                         <m:f>
                           <m:fPr>
                             <m:ctrlPr>
-                              <a:rPr lang="en-US" altLang="zh-CN" b="0" i="1" smtClean="0">
+                              <a:rPr lang="en-US" altLang="zh-CN" sz="1600" b="0" i="1" smtClean="0">
                                 <a:latin typeface="Cambria Math"/>
                               </a:rPr>
                             </m:ctrlPr>
@@ -9016,14 +9918,14 @@
                             <m:sSup>
                               <m:sSupPr>
                                 <m:ctrlPr>
-                                  <a:rPr lang="en-US" altLang="zh-CN" i="1">
+                                  <a:rPr lang="en-US" altLang="zh-CN" sz="1600" i="1">
                                     <a:latin typeface="Cambria Math"/>
                                   </a:rPr>
                                 </m:ctrlPr>
                               </m:sSupPr>
                               <m:e>
                                 <m:r>
-                                  <a:rPr lang="en-US" altLang="zh-CN" i="1">
+                                  <a:rPr lang="en-US" altLang="zh-CN" sz="1600" i="1">
                                     <a:latin typeface="Cambria Math"/>
                                   </a:rPr>
                                   <m:t>𝑒</m:t>
@@ -9031,19 +9933,19 @@
                               </m:e>
                               <m:sup>
                                 <m:r>
-                                  <a:rPr lang="en-US" altLang="zh-CN" i="1">
+                                  <a:rPr lang="en-US" altLang="zh-CN" sz="1600" i="1">
                                     <a:latin typeface="Cambria Math"/>
                                   </a:rPr>
                                   <m:t>−</m:t>
                                 </m:r>
                                 <m:r>
-                                  <a:rPr lang="en-US" altLang="zh-CN" i="1">
+                                  <a:rPr lang="en-US" altLang="zh-CN" sz="1600" i="1">
                                     <a:latin typeface="Cambria Math"/>
                                   </a:rPr>
                                   <m:t>𝑥</m:t>
                                 </m:r>
                                 <m:r>
-                                  <a:rPr lang="en-US" altLang="zh-CN" i="1">
+                                  <a:rPr lang="en-US" altLang="zh-CN" sz="1600" i="1">
                                     <a:latin typeface="Cambria Math"/>
                                   </a:rPr>
                                   <m:t>/2</m:t>
@@ -9051,7 +9953,7 @@
                               </m:sup>
                             </m:sSup>
                             <m:r>
-                              <a:rPr lang="en-US" altLang="zh-CN" i="1">
+                              <a:rPr lang="en-US" altLang="zh-CN" sz="1600" i="1">
                                 <a:latin typeface="Cambria Math"/>
                               </a:rPr>
                               <m:t>∗</m:t>
@@ -9059,7 +9961,7 @@
                             <m:sSup>
                               <m:sSupPr>
                                 <m:ctrlPr>
-                                  <a:rPr lang="en-US" altLang="zh-CN" i="1">
+                                  <a:rPr lang="en-US" altLang="zh-CN" sz="1600" i="1">
                                     <a:latin typeface="Cambria Math"/>
                                   </a:rPr>
                                 </m:ctrlPr>
@@ -9068,7 +9970,7 @@
                                 <m:d>
                                   <m:dPr>
                                     <m:ctrlPr>
-                                      <a:rPr lang="en-US" altLang="zh-CN" i="1">
+                                      <a:rPr lang="en-US" altLang="zh-CN" sz="1600" i="1">
                                         <a:latin typeface="Cambria Math"/>
                                       </a:rPr>
                                     </m:ctrlPr>
@@ -9077,14 +9979,14 @@
                                     <m:f>
                                       <m:fPr>
                                         <m:ctrlPr>
-                                          <a:rPr lang="en-US" altLang="zh-CN" i="1">
+                                          <a:rPr lang="en-US" altLang="zh-CN" sz="1600" i="1">
                                             <a:latin typeface="Cambria Math"/>
                                           </a:rPr>
                                         </m:ctrlPr>
                                       </m:fPr>
                                       <m:num>
                                         <m:r>
-                                          <a:rPr lang="en-US" altLang="zh-CN" i="1">
+                                          <a:rPr lang="en-US" altLang="zh-CN" sz="1600" i="1">
                                             <a:latin typeface="Cambria Math"/>
                                           </a:rPr>
                                           <m:t>𝑥</m:t>
@@ -9092,7 +9994,7 @@
                                       </m:num>
                                       <m:den>
                                         <m:r>
-                                          <a:rPr lang="en-US" altLang="zh-CN" i="1">
+                                          <a:rPr lang="en-US" altLang="zh-CN" sz="1600" i="1">
                                             <a:latin typeface="Cambria Math"/>
                                           </a:rPr>
                                           <m:t>2</m:t>
@@ -9104,7 +10006,7 @@
                               </m:e>
                               <m:sup>
                                 <m:r>
-                                  <a:rPr lang="en-US" altLang="zh-CN" i="1">
+                                  <a:rPr lang="en-US" altLang="zh-CN" sz="1600" i="1">
                                     <a:latin typeface="Cambria Math"/>
                                   </a:rPr>
                                   <m:t>𝑖</m:t>
@@ -9114,13 +10016,13 @@
                           </m:num>
                           <m:den>
                             <m:r>
-                              <a:rPr lang="en-US" altLang="zh-CN" b="0" i="1" smtClean="0">
+                              <a:rPr lang="en-US" altLang="zh-CN" sz="1600" b="0" i="1" smtClean="0">
                                 <a:latin typeface="Cambria Math"/>
                               </a:rPr>
                               <m:t>𝑖</m:t>
                             </m:r>
                             <m:r>
-                              <a:rPr lang="en-US" altLang="zh-CN" b="0" i="1" smtClean="0">
+                              <a:rPr lang="en-US" altLang="zh-CN" sz="1600" b="0" i="1" smtClean="0">
                                 <a:latin typeface="Cambria Math"/>
                               </a:rPr>
                               <m:t>!</m:t>
@@ -9130,7 +10032,7 @@
                       </m:e>
                     </m:nary>
                     <m:r>
-                      <a:rPr lang="en-US" altLang="zh-CN" b="0" i="1" smtClean="0">
+                      <a:rPr lang="en-US" altLang="zh-CN" sz="1600" b="0" i="1" smtClean="0">
                         <a:latin typeface="Cambria Math"/>
                       </a:rPr>
                       <m:t>]</m:t>
@@ -9138,309 +10040,345 @@
                   </m:oMath>
                 </a14:m>
                 <a:r>
-                  <a:rPr lang="en-US" altLang="zh-CN" dirty="0" smtClean="0"/>
+                  <a:rPr lang="en-US" altLang="zh-CN" sz="1600" dirty="0" smtClean="0"/>
                   <a:t> </a:t>
                 </a:r>
-                <a:endParaRPr lang="en-US" altLang="zh-CN" dirty="0"/>
+                <a:endParaRPr lang="en-US" altLang="zh-CN" sz="1600" dirty="0"/>
               </a:p>
               <a:p>
-                <a:endParaRPr lang="en-US" altLang="zh-CN" i="1" dirty="0" smtClean="0">
+                <a:endParaRPr lang="en-US" altLang="zh-CN" sz="1600" i="1" dirty="0" smtClean="0">
                   <a:latin typeface="Cambria Math"/>
                 </a:endParaRPr>
               </a:p>
               <a:p>
+                <a:pPr marL="0" indent="0">
+                  <a:buNone/>
+                </a:pPr>
                 <a14:m>
-                  <m:oMath xmlns:m="http://schemas.openxmlformats.org/officeDocument/2006/math">
-                    <m:r>
-                      <a:rPr lang="en-US" altLang="zh-CN" i="1">
-                        <a:latin typeface="Cambria Math"/>
-                      </a:rPr>
-                      <m:t>𝑃𝑟</m:t>
-                    </m:r>
-                    <m:d>
-                      <m:dPr>
-                        <m:ctrlPr>
-                          <a:rPr lang="en-US" altLang="zh-CN" i="1">
-                            <a:latin typeface="Cambria Math"/>
-                          </a:rPr>
-                        </m:ctrlPr>
-                      </m:dPr>
-                      <m:e>
-                        <m:r>
-                          <a:rPr lang="en-US" altLang="zh-CN" i="1">
-                            <a:latin typeface="Cambria Math"/>
-                          </a:rPr>
-                          <m:t>𝑐𝑎𝑡</m:t>
-                        </m:r>
-                        <m:r>
-                          <a:rPr lang="en-US" altLang="zh-CN" i="1">
-                            <a:latin typeface="Cambria Math"/>
-                          </a:rPr>
-                          <m:t>|</m:t>
-                        </m:r>
-                        <m:r>
-                          <a:rPr lang="en-US" altLang="zh-CN" i="1">
-                            <a:latin typeface="Cambria Math"/>
-                          </a:rPr>
-                          <m:t>𝑑𝑜𝑐</m:t>
-                        </m:r>
-                      </m:e>
-                    </m:d>
-                    <m:r>
-                      <a:rPr lang="en-US" altLang="zh-CN" i="1">
-                        <a:latin typeface="Cambria Math"/>
-                      </a:rPr>
-                      <m:t>=</m:t>
-                    </m:r>
-                    <m:nary>
-                      <m:naryPr>
-                        <m:chr m:val="∏"/>
-                        <m:subHide m:val="on"/>
-                        <m:supHide m:val="on"/>
-                        <m:ctrlPr>
-                          <a:rPr lang="en-US" altLang="zh-CN" i="1">
-                            <a:latin typeface="Cambria Math"/>
-                          </a:rPr>
-                        </m:ctrlPr>
-                      </m:naryPr>
-                      <m:sub/>
-                      <m:sup/>
-                      <m:e>
-                        <m:r>
-                          <a:rPr lang="en-US" altLang="zh-CN" i="1">
-                            <a:latin typeface="Cambria Math"/>
-                          </a:rPr>
-                          <m:t>𝑤𝑝</m:t>
-                        </m:r>
-                        <m:r>
-                          <a:rPr lang="en-US" altLang="zh-CN" i="1">
-                            <a:latin typeface="Cambria Math"/>
-                          </a:rPr>
-                          <m:t>(</m:t>
-                        </m:r>
-                        <m:r>
-                          <a:rPr lang="en-US" altLang="zh-CN" i="1">
-                            <a:latin typeface="Cambria Math"/>
-                          </a:rPr>
-                          <m:t>𝑓𝑒𝑎𝑡𝑢𝑟𝑒</m:t>
-                        </m:r>
-                        <m:r>
-                          <a:rPr lang="en-US" altLang="zh-CN" i="1">
-                            <a:latin typeface="Cambria Math"/>
-                          </a:rPr>
-                          <m:t>, </m:t>
-                        </m:r>
-                        <m:r>
-                          <a:rPr lang="en-US" altLang="zh-CN" i="1">
-                            <a:latin typeface="Cambria Math"/>
-                          </a:rPr>
-                          <m:t>𝑐𝑎𝑡</m:t>
-                        </m:r>
-                        <m:r>
-                          <a:rPr lang="en-US" altLang="zh-CN" i="1">
-                            <a:latin typeface="Cambria Math"/>
-                          </a:rPr>
-                          <m:t>)</m:t>
-                        </m:r>
-                      </m:e>
-                    </m:nary>
-                  </m:oMath>
+                  <m:oMathPara xmlns:m="http://schemas.openxmlformats.org/officeDocument/2006/math">
+                    <m:oMathParaPr>
+                      <m:jc m:val="centerGroup"/>
+                    </m:oMathParaPr>
+                    <m:oMath xmlns:m="http://schemas.openxmlformats.org/officeDocument/2006/math">
+                      <m:r>
+                        <a:rPr lang="en-US" altLang="zh-CN" sz="1600" i="1">
+                          <a:latin typeface="Cambria Math"/>
+                        </a:rPr>
+                        <m:t>𝑃𝑟</m:t>
+                      </m:r>
+                      <m:d>
+                        <m:dPr>
+                          <m:ctrlPr>
+                            <a:rPr lang="en-US" altLang="zh-CN" sz="1600" i="1">
+                              <a:latin typeface="Cambria Math"/>
+                            </a:rPr>
+                          </m:ctrlPr>
+                        </m:dPr>
+                        <m:e>
+                          <m:r>
+                            <a:rPr lang="en-US" altLang="zh-CN" sz="1600" i="1">
+                              <a:latin typeface="Cambria Math"/>
+                            </a:rPr>
+                            <m:t>𝑐𝑎𝑡</m:t>
+                          </m:r>
+                          <m:r>
+                            <a:rPr lang="en-US" altLang="zh-CN" sz="1600" i="1">
+                              <a:latin typeface="Cambria Math"/>
+                            </a:rPr>
+                            <m:t>|</m:t>
+                          </m:r>
+                          <m:r>
+                            <a:rPr lang="en-US" altLang="zh-CN" sz="1600" i="1">
+                              <a:latin typeface="Cambria Math"/>
+                            </a:rPr>
+                            <m:t>𝑑𝑜𝑐</m:t>
+                          </m:r>
+                        </m:e>
+                      </m:d>
+                      <m:r>
+                        <a:rPr lang="en-US" altLang="zh-CN" sz="1600" i="1">
+                          <a:latin typeface="Cambria Math"/>
+                        </a:rPr>
+                        <m:t>=</m:t>
+                      </m:r>
+                      <m:nary>
+                        <m:naryPr>
+                          <m:chr m:val="∏"/>
+                          <m:subHide m:val="on"/>
+                          <m:supHide m:val="on"/>
+                          <m:ctrlPr>
+                            <a:rPr lang="en-US" altLang="zh-CN" sz="1600" i="1">
+                              <a:latin typeface="Cambria Math"/>
+                            </a:rPr>
+                          </m:ctrlPr>
+                        </m:naryPr>
+                        <m:sub/>
+                        <m:sup/>
+                        <m:e>
+                          <m:r>
+                            <a:rPr lang="en-US" altLang="zh-CN" sz="1600" i="1">
+                              <a:latin typeface="Cambria Math"/>
+                            </a:rPr>
+                            <m:t>𝑤𝑝</m:t>
+                          </m:r>
+                          <m:r>
+                            <a:rPr lang="en-US" altLang="zh-CN" sz="1600" b="0" i="1" smtClean="0">
+                              <a:latin typeface="Cambria Math"/>
+                            </a:rPr>
+                            <m:t>𝑟𝑜𝑏</m:t>
+                          </m:r>
+                          <m:r>
+                            <a:rPr lang="en-US" altLang="zh-CN" sz="1600" i="1">
+                              <a:latin typeface="Cambria Math"/>
+                            </a:rPr>
+                            <m:t>(</m:t>
+                          </m:r>
+                          <m:r>
+                            <a:rPr lang="en-US" altLang="zh-CN" sz="1600" i="1">
+                              <a:latin typeface="Cambria Math"/>
+                            </a:rPr>
+                            <m:t>𝑓𝑒𝑎𝑡𝑢𝑟𝑒</m:t>
+                          </m:r>
+                          <m:r>
+                            <a:rPr lang="en-US" altLang="zh-CN" sz="1600" i="1">
+                              <a:latin typeface="Cambria Math"/>
+                            </a:rPr>
+                            <m:t>, </m:t>
+                          </m:r>
+                          <m:r>
+                            <a:rPr lang="en-US" altLang="zh-CN" sz="1600" i="1">
+                              <a:latin typeface="Cambria Math"/>
+                            </a:rPr>
+                            <m:t>𝑐𝑎𝑡</m:t>
+                          </m:r>
+                          <m:r>
+                            <a:rPr lang="en-US" altLang="zh-CN" sz="1600" i="1">
+                              <a:latin typeface="Cambria Math"/>
+                            </a:rPr>
+                            <m:t>)</m:t>
+                          </m:r>
+                        </m:e>
+                      </m:nary>
+                    </m:oMath>
+                  </m:oMathPara>
                 </a14:m>
-                <a:endParaRPr lang="en-US" altLang="zh-CN" dirty="0" smtClean="0"/>
+                <a:endParaRPr lang="en-US" altLang="zh-CN" sz="1600" dirty="0" smtClean="0"/>
               </a:p>
               <a:p>
-                <a:endParaRPr lang="en-US" altLang="zh-CN" dirty="0" smtClean="0"/>
+                <a:endParaRPr lang="en-US" altLang="zh-CN" sz="1600" dirty="0" smtClean="0"/>
               </a:p>
               <a:p>
-                <a:pPr marL="342900" lvl="1" indent="-342900">
+                <a:pPr marL="0" lvl="1" indent="0">
+                  <a:buNone/>
+                </a:pPr>
+                <a14:m>
+                  <m:oMathPara xmlns:m="http://schemas.openxmlformats.org/officeDocument/2006/math">
+                    <m:oMathParaPr>
+                      <m:jc m:val="centerGroup"/>
+                    </m:oMathParaPr>
+                    <m:oMath xmlns:m="http://schemas.openxmlformats.org/officeDocument/2006/math">
+                      <m:r>
+                        <a:rPr lang="en-US" altLang="zh-CN" sz="1600" b="0" i="1" smtClean="0">
+                          <a:latin typeface="Cambria Math"/>
+                        </a:rPr>
+                        <m:t>𝑤𝑝𝑟𝑜𝑏</m:t>
+                      </m:r>
+                      <m:d>
+                        <m:dPr>
+                          <m:ctrlPr>
+                            <a:rPr lang="en-US" altLang="zh-CN" sz="1600" i="1">
+                              <a:latin typeface="Cambria Math"/>
+                            </a:rPr>
+                          </m:ctrlPr>
+                        </m:dPr>
+                        <m:e>
+                          <m:r>
+                            <a:rPr lang="en-US" altLang="zh-CN" sz="1600" b="0" i="1" smtClean="0">
+                              <a:latin typeface="Cambria Math"/>
+                            </a:rPr>
+                            <m:t>𝑤</m:t>
+                          </m:r>
+                          <m:r>
+                            <a:rPr lang="en-US" altLang="zh-CN" sz="1600" b="0" i="1" smtClean="0">
+                              <a:latin typeface="Cambria Math"/>
+                            </a:rPr>
+                            <m:t>|</m:t>
+                          </m:r>
+                          <m:r>
+                            <a:rPr lang="en-US" altLang="zh-CN" sz="1600" b="0" i="1" smtClean="0">
+                              <a:latin typeface="Cambria Math"/>
+                            </a:rPr>
+                            <m:t>𝑐𝑎𝑡</m:t>
+                          </m:r>
+                        </m:e>
+                      </m:d>
+                      <m:r>
+                        <a:rPr lang="en-US" altLang="zh-CN" sz="1600" i="1">
+                          <a:latin typeface="Cambria Math"/>
+                        </a:rPr>
+                        <m:t>=</m:t>
+                      </m:r>
+                      <m:f>
+                        <m:fPr>
+                          <m:ctrlPr>
+                            <a:rPr lang="en-US" altLang="zh-CN" sz="1600" i="1">
+                              <a:latin typeface="Cambria Math"/>
+                            </a:rPr>
+                          </m:ctrlPr>
+                        </m:fPr>
+                        <m:num>
+                          <m:r>
+                            <a:rPr lang="en-US" altLang="zh-CN" sz="1600" i="1">
+                              <a:latin typeface="Cambria Math"/>
+                            </a:rPr>
+                            <m:t>𝑤𝑒𝑖𝑔h𝑡</m:t>
+                          </m:r>
+                          <m:r>
+                            <a:rPr lang="en-US" altLang="zh-CN" sz="1600" i="1">
+                              <a:latin typeface="Cambria Math"/>
+                            </a:rPr>
+                            <m:t>∗</m:t>
+                          </m:r>
+                          <m:r>
+                            <a:rPr lang="en-US" altLang="zh-CN" sz="1600" b="0" i="1" smtClean="0">
+                              <a:latin typeface="Cambria Math"/>
+                            </a:rPr>
+                            <m:t>𝑏𝑎𝑠𝑒𝑝</m:t>
+                          </m:r>
+                          <m:r>
+                            <a:rPr lang="en-US" altLang="zh-CN" sz="1600" i="1">
+                              <a:latin typeface="Cambria Math"/>
+                            </a:rPr>
+                            <m:t>𝑟𝑜𝑏</m:t>
+                          </m:r>
+                          <m:r>
+                            <a:rPr lang="en-US" altLang="zh-CN" sz="1600" i="1">
+                              <a:latin typeface="Cambria Math"/>
+                            </a:rPr>
+                            <m:t>+</m:t>
+                          </m:r>
+                          <m:r>
+                            <a:rPr lang="en-US" altLang="zh-CN" sz="1600" i="1">
+                              <a:latin typeface="Cambria Math"/>
+                            </a:rPr>
+                            <m:t>𝑡𝑜𝑡𝑎𝑙</m:t>
+                          </m:r>
+                          <m:d>
+                            <m:dPr>
+                              <m:ctrlPr>
+                                <a:rPr lang="en-US" altLang="zh-CN" sz="1600" i="1">
+                                  <a:latin typeface="Cambria Math"/>
+                                </a:rPr>
+                              </m:ctrlPr>
+                            </m:dPr>
+                            <m:e>
+                              <m:r>
+                                <a:rPr lang="en-US" altLang="zh-CN" sz="1600" b="0" i="1" smtClean="0">
+                                  <a:latin typeface="Cambria Math"/>
+                                </a:rPr>
+                                <m:t>𝑤</m:t>
+                              </m:r>
+                            </m:e>
+                          </m:d>
+                          <m:r>
+                            <a:rPr lang="en-US" altLang="zh-CN" sz="1600" i="1">
+                              <a:latin typeface="Cambria Math"/>
+                            </a:rPr>
+                            <m:t>∗</m:t>
+                          </m:r>
+                          <m:r>
+                            <a:rPr lang="en-US" altLang="zh-CN" sz="1600" b="0" i="1" smtClean="0">
+                              <a:latin typeface="Cambria Math"/>
+                            </a:rPr>
+                            <m:t>𝑐</m:t>
+                          </m:r>
+                          <m:r>
+                            <a:rPr lang="en-US" altLang="zh-CN" sz="1600" i="1">
+                              <a:latin typeface="Cambria Math"/>
+                            </a:rPr>
+                            <m:t>𝑝𝑟𝑜𝑏</m:t>
+                          </m:r>
+                          <m:r>
+                            <a:rPr lang="en-US" altLang="zh-CN" sz="1600" i="1">
+                              <a:latin typeface="Cambria Math"/>
+                            </a:rPr>
+                            <m:t>(</m:t>
+                          </m:r>
+                          <m:r>
+                            <a:rPr lang="en-US" altLang="zh-CN" sz="1600" i="1">
+                              <a:latin typeface="Cambria Math"/>
+                            </a:rPr>
+                            <m:t>𝑓𝑒𝑎𝑡𝑢𝑟𝑒</m:t>
+                          </m:r>
+                          <m:r>
+                            <a:rPr lang="en-US" altLang="zh-CN" sz="1600" i="1">
+                              <a:latin typeface="Cambria Math"/>
+                            </a:rPr>
+                            <m:t>|</m:t>
+                          </m:r>
+                          <m:r>
+                            <a:rPr lang="en-US" altLang="zh-CN" sz="1600" i="1">
+                              <a:latin typeface="Cambria Math"/>
+                            </a:rPr>
+                            <m:t>𝑐𝑎𝑡</m:t>
+                          </m:r>
+                          <m:r>
+                            <a:rPr lang="en-US" altLang="zh-CN" sz="1600" i="1">
+                              <a:latin typeface="Cambria Math"/>
+                            </a:rPr>
+                            <m:t>)</m:t>
+                          </m:r>
+                        </m:num>
+                        <m:den>
+                          <m:r>
+                            <a:rPr lang="en-US" altLang="zh-CN" sz="1600" i="1">
+                              <a:latin typeface="Cambria Math"/>
+                            </a:rPr>
+                            <m:t>𝑤𝑒𝑖𝑔h𝑡</m:t>
+                          </m:r>
+                          <m:r>
+                            <a:rPr lang="en-US" altLang="zh-CN" sz="1600" i="1">
+                              <a:latin typeface="Cambria Math"/>
+                            </a:rPr>
+                            <m:t>+</m:t>
+                          </m:r>
+                          <m:r>
+                            <a:rPr lang="en-US" altLang="zh-CN" sz="1600" i="1">
+                              <a:latin typeface="Cambria Math"/>
+                            </a:rPr>
+                            <m:t>𝑡𝑜𝑡𝑎𝑙</m:t>
+                          </m:r>
+                          <m:r>
+                            <a:rPr lang="en-US" altLang="zh-CN" sz="1600" i="1">
+                              <a:latin typeface="Cambria Math"/>
+                            </a:rPr>
+                            <m:t>(</m:t>
+                          </m:r>
+                          <m:r>
+                            <a:rPr lang="en-US" altLang="zh-CN" sz="1600" b="0" i="1" smtClean="0">
+                              <a:latin typeface="Cambria Math"/>
+                            </a:rPr>
+                            <m:t>𝑤</m:t>
+                          </m:r>
+                          <m:r>
+                            <a:rPr lang="en-US" altLang="zh-CN" sz="1600" i="1">
+                              <a:latin typeface="Cambria Math"/>
+                            </a:rPr>
+                            <m:t>)</m:t>
+                          </m:r>
+                        </m:den>
+                      </m:f>
+                    </m:oMath>
+                  </m:oMathPara>
+                </a14:m>
+                <a:endParaRPr lang="en-US" altLang="zh-CN" sz="1600" dirty="0"/>
+              </a:p>
+              <a:p>
+                <a:pPr marL="342900" lvl="1" indent="-342900" algn="r">
                   <a:buFont typeface="Arial" pitchFamily="34" charset="0"/>
                   <a:buChar char="•"/>
                 </a:pPr>
-                <a14:m>
-                  <m:oMath xmlns:m="http://schemas.openxmlformats.org/officeDocument/2006/math">
-                    <m:r>
-                      <a:rPr lang="en-US" altLang="zh-CN" i="1">
-                        <a:latin typeface="Cambria Math"/>
-                      </a:rPr>
-                      <m:t>𝑤𝑝</m:t>
-                    </m:r>
-                    <m:d>
-                      <m:dPr>
-                        <m:ctrlPr>
-                          <a:rPr lang="en-US" altLang="zh-CN" i="1">
-                            <a:latin typeface="Cambria Math"/>
-                          </a:rPr>
-                        </m:ctrlPr>
-                      </m:dPr>
-                      <m:e>
-                        <m:r>
-                          <a:rPr lang="en-US" altLang="zh-CN" i="1">
-                            <a:latin typeface="Cambria Math"/>
-                          </a:rPr>
-                          <m:t>𝑓𝑒𝑎𝑡𝑢𝑟𝑒</m:t>
-                        </m:r>
-                      </m:e>
-                    </m:d>
-                    <m:r>
-                      <a:rPr lang="en-US" altLang="zh-CN" i="1">
-                        <a:latin typeface="Cambria Math"/>
-                      </a:rPr>
-                      <m:t>=</m:t>
-                    </m:r>
-                    <m:f>
-                      <m:fPr>
-                        <m:ctrlPr>
-                          <a:rPr lang="en-US" altLang="zh-CN" i="1">
-                            <a:latin typeface="Cambria Math"/>
-                          </a:rPr>
-                        </m:ctrlPr>
-                      </m:fPr>
-                      <m:num>
-                        <m:r>
-                          <a:rPr lang="en-US" altLang="zh-CN" i="1">
-                            <a:latin typeface="Cambria Math"/>
-                          </a:rPr>
-                          <m:t>𝑤𝑒𝑖𝑔h𝑡</m:t>
-                        </m:r>
-                        <m:r>
-                          <a:rPr lang="en-US" altLang="zh-CN" i="1">
-                            <a:latin typeface="Cambria Math"/>
-                          </a:rPr>
-                          <m:t>∗</m:t>
-                        </m:r>
-                        <m:r>
-                          <a:rPr lang="en-US" altLang="zh-CN" i="1">
-                            <a:latin typeface="Cambria Math"/>
-                          </a:rPr>
-                          <m:t>𝑎𝑠𝑠𝑢𝑚𝑒𝑑𝑝𝑟𝑜𝑏</m:t>
-                        </m:r>
-                        <m:r>
-                          <a:rPr lang="en-US" altLang="zh-CN" i="1">
-                            <a:latin typeface="Cambria Math"/>
-                          </a:rPr>
-                          <m:t>+</m:t>
-                        </m:r>
-                        <m:r>
-                          <a:rPr lang="en-US" altLang="zh-CN" i="1">
-                            <a:latin typeface="Cambria Math"/>
-                          </a:rPr>
-                          <m:t>𝑡𝑜𝑡𝑎𝑙𝑠</m:t>
-                        </m:r>
-                        <m:d>
-                          <m:dPr>
-                            <m:ctrlPr>
-                              <a:rPr lang="en-US" altLang="zh-CN" i="1">
-                                <a:latin typeface="Cambria Math"/>
-                              </a:rPr>
-                            </m:ctrlPr>
-                          </m:dPr>
-                          <m:e>
-                            <m:r>
-                              <a:rPr lang="en-US" altLang="zh-CN" i="1">
-                                <a:latin typeface="Cambria Math"/>
-                              </a:rPr>
-                              <m:t>𝑓𝑒𝑎𝑡𝑢𝑟𝑒</m:t>
-                            </m:r>
-                          </m:e>
-                        </m:d>
-                        <m:r>
-                          <a:rPr lang="en-US" altLang="zh-CN" i="1">
-                            <a:latin typeface="Cambria Math"/>
-                          </a:rPr>
-                          <m:t>∗</m:t>
-                        </m:r>
-                        <m:r>
-                          <a:rPr lang="en-US" altLang="zh-CN" b="0" i="1" smtClean="0">
-                            <a:latin typeface="Cambria Math"/>
-                          </a:rPr>
-                          <m:t>𝑐</m:t>
-                        </m:r>
-                        <m:r>
-                          <a:rPr lang="en-US" altLang="zh-CN" i="1">
-                            <a:latin typeface="Cambria Math"/>
-                          </a:rPr>
-                          <m:t>𝑝𝑟𝑜𝑏</m:t>
-                        </m:r>
-                        <m:r>
-                          <a:rPr lang="en-US" altLang="zh-CN" i="1">
-                            <a:latin typeface="Cambria Math"/>
-                          </a:rPr>
-                          <m:t>(</m:t>
-                        </m:r>
-                        <m:r>
-                          <a:rPr lang="en-US" altLang="zh-CN" i="1">
-                            <a:latin typeface="Cambria Math"/>
-                          </a:rPr>
-                          <m:t>𝑓𝑒𝑎𝑡𝑢𝑟𝑒</m:t>
-                        </m:r>
-                        <m:r>
-                          <a:rPr lang="en-US" altLang="zh-CN" i="1">
-                            <a:latin typeface="Cambria Math"/>
-                          </a:rPr>
-                          <m:t>|</m:t>
-                        </m:r>
-                        <m:r>
-                          <a:rPr lang="en-US" altLang="zh-CN" i="1">
-                            <a:latin typeface="Cambria Math"/>
-                          </a:rPr>
-                          <m:t>𝑐𝑎𝑡</m:t>
-                        </m:r>
-                        <m:r>
-                          <a:rPr lang="en-US" altLang="zh-CN" i="1">
-                            <a:latin typeface="Cambria Math"/>
-                          </a:rPr>
-                          <m:t>)</m:t>
-                        </m:r>
-                      </m:num>
-                      <m:den>
-                        <m:r>
-                          <a:rPr lang="en-US" altLang="zh-CN" i="1">
-                            <a:latin typeface="Cambria Math"/>
-                          </a:rPr>
-                          <m:t>𝑤𝑒𝑖𝑔h𝑡</m:t>
-                        </m:r>
-                        <m:r>
-                          <a:rPr lang="en-US" altLang="zh-CN" i="1">
-                            <a:latin typeface="Cambria Math"/>
-                          </a:rPr>
-                          <m:t>+</m:t>
-                        </m:r>
-                        <m:r>
-                          <a:rPr lang="en-US" altLang="zh-CN" i="1">
-                            <a:latin typeface="Cambria Math"/>
-                          </a:rPr>
-                          <m:t>𝑡𝑜𝑡𝑎𝑙𝑠</m:t>
-                        </m:r>
-                        <m:r>
-                          <a:rPr lang="en-US" altLang="zh-CN" i="1">
-                            <a:latin typeface="Cambria Math"/>
-                          </a:rPr>
-                          <m:t>(</m:t>
-                        </m:r>
-                        <m:r>
-                          <a:rPr lang="en-US" altLang="zh-CN" i="1">
-                            <a:latin typeface="Cambria Math"/>
-                          </a:rPr>
-                          <m:t>𝑓𝑒𝑎𝑡𝑢𝑟𝑒</m:t>
-                        </m:r>
-                        <m:r>
-                          <a:rPr lang="en-US" altLang="zh-CN" i="1">
-                            <a:latin typeface="Cambria Math"/>
-                          </a:rPr>
-                          <m:t>)</m:t>
-                        </m:r>
-                      </m:den>
-                    </m:f>
-                  </m:oMath>
-                </a14:m>
-                <a:endParaRPr lang="en-US" altLang="zh-CN" dirty="0"/>
-              </a:p>
-              <a:p>
-                <a:pPr marL="342900" lvl="1" indent="-342900">
-                  <a:buFont typeface="Arial" pitchFamily="34" charset="0"/>
-                  <a:buChar char="•"/>
-                </a:pPr>
-                <a:endParaRPr lang="en-US" altLang="zh-CN" i="1" dirty="0" smtClean="0">
+                <a:endParaRPr lang="en-US" altLang="zh-CN" sz="1600" i="1" dirty="0" smtClean="0">
                   <a:latin typeface="Cambria Math"/>
                 </a:endParaRPr>
               </a:p>
@@ -9449,41 +10387,41 @@
                   <a:buNone/>
                 </a:pPr>
                 <a:r>
-                  <a:rPr lang="en-US" altLang="zh-CN" dirty="0"/>
+                  <a:rPr lang="en-US" altLang="zh-CN" sz="1600" dirty="0"/>
                   <a:t> </a:t>
                 </a:r>
                 <a:r>
-                  <a:rPr lang="en-US" altLang="zh-CN" dirty="0" smtClean="0"/>
+                  <a:rPr lang="en-US" altLang="zh-CN" sz="1600" dirty="0" smtClean="0"/>
                   <a:t>     </a:t>
                 </a:r>
                 <a14:m>
                   <m:oMath xmlns:m="http://schemas.openxmlformats.org/officeDocument/2006/math">
                     <m:r>
-                      <a:rPr lang="en-US" altLang="zh-CN" b="0" i="1" smtClean="0">
+                      <a:rPr lang="en-US" altLang="zh-CN" sz="1600" b="0" i="1" smtClean="0">
                         <a:latin typeface="Cambria Math"/>
                       </a:rPr>
                       <m:t>(</m:t>
                     </m:r>
                     <m:r>
-                      <a:rPr lang="en-US" altLang="zh-CN" i="1">
+                      <a:rPr lang="en-US" altLang="zh-CN" sz="1600" i="1">
                         <a:latin typeface="Cambria Math"/>
                       </a:rPr>
                       <m:t>𝑤𝑒𝑖𝑔h𝑡</m:t>
                     </m:r>
                     <m:r>
-                      <a:rPr lang="en-US" altLang="zh-CN" i="1">
+                      <a:rPr lang="en-US" altLang="zh-CN" sz="1600" i="1">
                         <a:latin typeface="Cambria Math"/>
                       </a:rPr>
                       <m:t>=1.0  </m:t>
                     </m:r>
                     <m:r>
-                      <a:rPr lang="en-US" altLang="zh-CN" i="1">
+                      <a:rPr lang="en-US" altLang="zh-CN" sz="1600" i="1">
                         <a:latin typeface="Cambria Math"/>
                       </a:rPr>
                       <m:t>𝑎𝑠𝑠𝑢𝑚𝑒𝑑𝑝𝑟𝑜𝑏</m:t>
                     </m:r>
                     <m:r>
-                      <a:rPr lang="en-US" altLang="zh-CN" i="1">
+                      <a:rPr lang="en-US" altLang="zh-CN" sz="1600" i="1">
                         <a:latin typeface="Cambria Math"/>
                       </a:rPr>
                       <m:t>=0.5</m:t>
@@ -9491,274 +10429,262 @@
                   </m:oMath>
                 </a14:m>
                 <a:r>
-                  <a:rPr lang="en-US" altLang="zh-CN" i="1" dirty="0" smtClean="0">
+                  <a:rPr lang="en-US" altLang="zh-CN" sz="1600" i="1" dirty="0" smtClean="0">
                     <a:latin typeface="Cambria Math"/>
                   </a:rPr>
                   <a:t>)</a:t>
                 </a:r>
               </a:p>
               <a:p>
-                <a:pPr marL="342900" lvl="1" indent="-342900">
-                  <a:buFont typeface="Arial" pitchFamily="34" charset="0"/>
-                  <a:buChar char="•"/>
+                <a:pPr marL="0" lvl="1" indent="0">
+                  <a:buNone/>
                 </a:pPr>
                 <a14:m>
-                  <m:oMath xmlns:m="http://schemas.openxmlformats.org/officeDocument/2006/math">
-                    <m:r>
-                      <a:rPr lang="en-US" altLang="zh-CN" b="0" i="1" smtClean="0">
-                        <a:latin typeface="Cambria Math"/>
-                      </a:rPr>
-                      <m:t>𝑐</m:t>
-                    </m:r>
-                    <m:r>
-                      <a:rPr lang="en-US" altLang="zh-CN" i="1">
-                        <a:latin typeface="Cambria Math"/>
-                      </a:rPr>
-                      <m:t>𝑝𝑟𝑜𝑏</m:t>
-                    </m:r>
-                    <m:d>
-                      <m:dPr>
-                        <m:ctrlPr>
-                          <a:rPr lang="en-US" altLang="zh-CN" i="1">
-                            <a:latin typeface="Cambria Math"/>
-                          </a:rPr>
-                        </m:ctrlPr>
-                      </m:dPr>
-                      <m:e>
-                        <m:r>
-                          <a:rPr lang="en-US" altLang="zh-CN" i="1">
-                            <a:latin typeface="Cambria Math"/>
-                          </a:rPr>
-                          <m:t>𝑓𝑒𝑎𝑡𝑢𝑟𝑒</m:t>
-                        </m:r>
-                      </m:e>
-                      <m:e>
-                        <m:r>
-                          <a:rPr lang="en-US" altLang="zh-CN" i="1">
-                            <a:latin typeface="Cambria Math"/>
-                          </a:rPr>
-                          <m:t>𝑐𝑎𝑡</m:t>
-                        </m:r>
-                      </m:e>
-                    </m:d>
-                    <m:r>
-                      <a:rPr lang="en-US" altLang="zh-CN" i="1">
-                        <a:latin typeface="Cambria Math"/>
-                      </a:rPr>
-                      <m:t>=</m:t>
-                    </m:r>
-                    <m:f>
-                      <m:fPr>
-                        <m:ctrlPr>
-                          <a:rPr lang="en-US" altLang="zh-CN" i="1" smtClean="0">
-                            <a:solidFill>
-                              <a:schemeClr val="accent6">
-                                <a:lumMod val="75000"/>
-                              </a:schemeClr>
-                            </a:solidFill>
-                            <a:latin typeface="Cambria Math"/>
-                          </a:rPr>
-                        </m:ctrlPr>
-                      </m:fPr>
-                      <m:num>
-                        <m:r>
-                          <a:rPr lang="en-US" altLang="zh-CN" b="0" i="1" smtClean="0">
-                            <a:solidFill>
-                              <a:schemeClr val="accent6">
-                                <a:lumMod val="75000"/>
-                              </a:schemeClr>
-                            </a:solidFill>
-                            <a:latin typeface="Cambria Math"/>
-                          </a:rPr>
-                          <m:t>𝑝𝑟𝑜𝑏</m:t>
-                        </m:r>
-                        <m:d>
-                          <m:dPr>
-                            <m:ctrlPr>
-                              <a:rPr lang="en-US" altLang="zh-CN" b="0" i="1" smtClean="0">
-                                <a:solidFill>
-                                  <a:schemeClr val="accent6">
-                                    <a:lumMod val="75000"/>
-                                  </a:schemeClr>
-                                </a:solidFill>
-                                <a:latin typeface="Cambria Math"/>
-                              </a:rPr>
-                            </m:ctrlPr>
-                          </m:dPr>
-                          <m:e>
-                            <m:r>
-                              <a:rPr lang="en-US" altLang="zh-CN" b="0" i="1" smtClean="0">
-                                <a:solidFill>
-                                  <a:schemeClr val="accent6">
-                                    <a:lumMod val="75000"/>
-                                  </a:schemeClr>
-                                </a:solidFill>
-                                <a:latin typeface="Cambria Math"/>
-                              </a:rPr>
-                              <m:t>𝑓𝑒𝑎𝑡𝑢𝑟𝑒</m:t>
-                            </m:r>
-                            <m:r>
-                              <a:rPr lang="en-US" altLang="zh-CN" b="0" i="1" smtClean="0">
-                                <a:solidFill>
-                                  <a:schemeClr val="accent6">
-                                    <a:lumMod val="75000"/>
-                                  </a:schemeClr>
-                                </a:solidFill>
-                                <a:latin typeface="Cambria Math"/>
-                              </a:rPr>
-                              <m:t>|</m:t>
-                            </m:r>
-                            <m:r>
-                              <a:rPr lang="en-US" altLang="zh-CN" b="0" i="1" smtClean="0">
-                                <a:solidFill>
-                                  <a:schemeClr val="accent6">
-                                    <a:lumMod val="75000"/>
-                                  </a:schemeClr>
-                                </a:solidFill>
-                                <a:latin typeface="Cambria Math"/>
-                              </a:rPr>
-                              <m:t>𝑐𝑎𝑡𝑒𝑔𝑜𝑟𝑦</m:t>
-                            </m:r>
-                          </m:e>
-                        </m:d>
-                      </m:num>
-                      <m:den>
-                        <m:nary>
-                          <m:naryPr>
-                            <m:chr m:val="∑"/>
-                            <m:subHide m:val="on"/>
-                            <m:supHide m:val="on"/>
-                            <m:ctrlPr>
-                              <a:rPr lang="en-US" altLang="zh-CN" i="1" smtClean="0">
-                                <a:solidFill>
-                                  <a:schemeClr val="accent6">
-                                    <a:lumMod val="75000"/>
-                                  </a:schemeClr>
-                                </a:solidFill>
-                                <a:latin typeface="Cambria Math"/>
-                              </a:rPr>
-                            </m:ctrlPr>
-                          </m:naryPr>
-                          <m:sub/>
-                          <m:sup/>
-                          <m:e>
-                            <m:r>
-                              <a:rPr lang="en-US" altLang="zh-CN" b="0" i="1" smtClean="0">
-                                <a:solidFill>
-                                  <a:schemeClr val="accent6">
-                                    <a:lumMod val="75000"/>
-                                  </a:schemeClr>
-                                </a:solidFill>
-                                <a:latin typeface="Cambria Math"/>
-                              </a:rPr>
-                              <m:t>𝑝𝑟𝑜𝑏</m:t>
-                            </m:r>
-                            <m:r>
-                              <a:rPr lang="en-US" altLang="zh-CN" b="0" i="1" smtClean="0">
-                                <a:solidFill>
-                                  <a:schemeClr val="accent6">
-                                    <a:lumMod val="75000"/>
-                                  </a:schemeClr>
-                                </a:solidFill>
-                                <a:latin typeface="Cambria Math"/>
-                              </a:rPr>
-                              <m:t>(</m:t>
-                            </m:r>
-                            <m:r>
-                              <a:rPr lang="en-US" altLang="zh-CN" b="0" i="1" smtClean="0">
-                                <a:solidFill>
-                                  <a:schemeClr val="accent6">
-                                    <a:lumMod val="75000"/>
-                                  </a:schemeClr>
-                                </a:solidFill>
-                                <a:latin typeface="Cambria Math"/>
-                              </a:rPr>
-                              <m:t>𝑓𝑒𝑎𝑡𝑢𝑟𝑒</m:t>
-                            </m:r>
-                            <m:r>
-                              <a:rPr lang="en-US" altLang="zh-CN" b="0" i="1" smtClean="0">
-                                <a:solidFill>
-                                  <a:schemeClr val="accent6">
-                                    <a:lumMod val="75000"/>
-                                  </a:schemeClr>
-                                </a:solidFill>
-                                <a:latin typeface="Cambria Math"/>
-                              </a:rPr>
-                              <m:t> </m:t>
-                            </m:r>
-                            <m:r>
-                              <a:rPr lang="en-US" altLang="zh-CN" b="0" i="1" smtClean="0">
-                                <a:solidFill>
-                                  <a:schemeClr val="accent6">
-                                    <a:lumMod val="75000"/>
-                                  </a:schemeClr>
-                                </a:solidFill>
-                                <a:latin typeface="Cambria Math"/>
-                              </a:rPr>
-                              <m:t>𝑖𝑛</m:t>
-                            </m:r>
-                            <m:r>
-                              <a:rPr lang="en-US" altLang="zh-CN" b="0" i="1" smtClean="0">
-                                <a:solidFill>
-                                  <a:schemeClr val="accent6">
-                                    <a:lumMod val="75000"/>
-                                  </a:schemeClr>
-                                </a:solidFill>
-                                <a:latin typeface="Cambria Math"/>
-                              </a:rPr>
-                              <m:t> </m:t>
-                            </m:r>
-                            <m:r>
-                              <a:rPr lang="en-US" altLang="zh-CN" b="0" i="1" smtClean="0">
-                                <a:solidFill>
-                                  <a:schemeClr val="accent6">
-                                    <a:lumMod val="75000"/>
-                                  </a:schemeClr>
-                                </a:solidFill>
-                                <a:latin typeface="Cambria Math"/>
-                              </a:rPr>
-                              <m:t>𝑎𝑙𝑙</m:t>
-                            </m:r>
-                            <m:r>
-                              <a:rPr lang="en-US" altLang="zh-CN" b="0" i="1" smtClean="0">
-                                <a:solidFill>
-                                  <a:schemeClr val="accent6">
-                                    <a:lumMod val="75000"/>
-                                  </a:schemeClr>
-                                </a:solidFill>
-                                <a:latin typeface="Cambria Math"/>
-                              </a:rPr>
-                              <m:t> </m:t>
-                            </m:r>
-                            <m:r>
-                              <a:rPr lang="en-US" altLang="zh-CN" i="1">
-                                <a:solidFill>
-                                  <a:schemeClr val="accent6">
-                                    <a:lumMod val="75000"/>
-                                  </a:schemeClr>
-                                </a:solidFill>
-                                <a:latin typeface="Cambria Math"/>
-                              </a:rPr>
-                              <m:t>𝑐𝑎𝑡𝑒𝑔𝑜𝑟𝑦</m:t>
-                            </m:r>
-                            <m:r>
-                              <a:rPr lang="en-US" altLang="zh-CN" i="1">
-                                <a:solidFill>
-                                  <a:schemeClr val="accent6">
-                                    <a:lumMod val="75000"/>
-                                  </a:schemeClr>
-                                </a:solidFill>
-                                <a:latin typeface="Cambria Math"/>
-                              </a:rPr>
-                              <m:t>)</m:t>
-                            </m:r>
-                          </m:e>
-                        </m:nary>
-                      </m:den>
-                    </m:f>
-                  </m:oMath>
+                  <m:oMathPara xmlns:m="http://schemas.openxmlformats.org/officeDocument/2006/math">
+                    <m:oMathParaPr>
+                      <m:jc m:val="centerGroup"/>
+                    </m:oMathParaPr>
+                    <m:oMath xmlns:m="http://schemas.openxmlformats.org/officeDocument/2006/math">
+                      <m:r>
+                        <a:rPr lang="en-US" altLang="zh-CN" sz="1600" b="0" i="1" smtClean="0">
+                          <a:solidFill>
+                            <a:schemeClr val="tx1"/>
+                          </a:solidFill>
+                          <a:latin typeface="Cambria Math"/>
+                        </a:rPr>
+                        <m:t>𝑐</m:t>
+                      </m:r>
+                      <m:r>
+                        <a:rPr lang="en-US" altLang="zh-CN" sz="1600" i="1">
+                          <a:solidFill>
+                            <a:schemeClr val="tx1"/>
+                          </a:solidFill>
+                          <a:latin typeface="Cambria Math"/>
+                        </a:rPr>
+                        <m:t>𝑝𝑟𝑜𝑏</m:t>
+                      </m:r>
+                      <m:d>
+                        <m:dPr>
+                          <m:ctrlPr>
+                            <a:rPr lang="en-US" altLang="zh-CN" sz="1600" i="1">
+                              <a:solidFill>
+                                <a:schemeClr val="tx1"/>
+                              </a:solidFill>
+                              <a:latin typeface="Cambria Math"/>
+                            </a:rPr>
+                          </m:ctrlPr>
+                        </m:dPr>
+                        <m:e>
+                          <m:r>
+                            <a:rPr lang="en-US" altLang="zh-CN" sz="1600" i="1">
+                              <a:solidFill>
+                                <a:schemeClr val="tx1"/>
+                              </a:solidFill>
+                              <a:latin typeface="Cambria Math"/>
+                            </a:rPr>
+                            <m:t>𝑓𝑒𝑎𝑡𝑢𝑟𝑒</m:t>
+                          </m:r>
+                        </m:e>
+                        <m:e>
+                          <m:r>
+                            <a:rPr lang="en-US" altLang="zh-CN" sz="1600" i="1">
+                              <a:solidFill>
+                                <a:schemeClr val="tx1"/>
+                              </a:solidFill>
+                              <a:latin typeface="Cambria Math"/>
+                            </a:rPr>
+                            <m:t>𝑐𝑎𝑡</m:t>
+                          </m:r>
+                        </m:e>
+                      </m:d>
+                      <m:r>
+                        <a:rPr lang="en-US" altLang="zh-CN" sz="1600" i="1">
+                          <a:solidFill>
+                            <a:schemeClr val="tx1"/>
+                          </a:solidFill>
+                          <a:latin typeface="Cambria Math"/>
+                        </a:rPr>
+                        <m:t>=</m:t>
+                      </m:r>
+                      <m:f>
+                        <m:fPr>
+                          <m:ctrlPr>
+                            <a:rPr lang="en-US" altLang="zh-CN" sz="1600" i="1" smtClean="0">
+                              <a:solidFill>
+                                <a:schemeClr val="tx1"/>
+                              </a:solidFill>
+                              <a:latin typeface="Cambria Math"/>
+                            </a:rPr>
+                          </m:ctrlPr>
+                        </m:fPr>
+                        <m:num>
+                          <m:r>
+                            <a:rPr lang="en-US" altLang="zh-CN" sz="1600" b="0" i="1" smtClean="0">
+                              <a:solidFill>
+                                <a:schemeClr val="tx1"/>
+                              </a:solidFill>
+                              <a:latin typeface="Cambria Math"/>
+                            </a:rPr>
+                            <m:t>𝑝𝑟𝑜𝑏</m:t>
+                          </m:r>
+                          <m:d>
+                            <m:dPr>
+                              <m:ctrlPr>
+                                <a:rPr lang="en-US" altLang="zh-CN" sz="1600" b="0" i="1" smtClean="0">
+                                  <a:solidFill>
+                                    <a:schemeClr val="tx1"/>
+                                  </a:solidFill>
+                                  <a:latin typeface="Cambria Math"/>
+                                </a:rPr>
+                              </m:ctrlPr>
+                            </m:dPr>
+                            <m:e>
+                              <m:r>
+                                <a:rPr lang="en-US" altLang="zh-CN" sz="1600" b="0" i="1" smtClean="0">
+                                  <a:solidFill>
+                                    <a:schemeClr val="tx1"/>
+                                  </a:solidFill>
+                                  <a:latin typeface="Cambria Math"/>
+                                </a:rPr>
+                                <m:t>𝑓𝑒𝑎𝑡𝑢𝑟𝑒</m:t>
+                              </m:r>
+                              <m:r>
+                                <a:rPr lang="en-US" altLang="zh-CN" sz="1600" b="0" i="1" smtClean="0">
+                                  <a:solidFill>
+                                    <a:schemeClr val="tx1"/>
+                                  </a:solidFill>
+                                  <a:latin typeface="Cambria Math"/>
+                                </a:rPr>
+                                <m:t>|</m:t>
+                              </m:r>
+                              <m:r>
+                                <a:rPr lang="en-US" altLang="zh-CN" sz="1600" b="0" i="1" smtClean="0">
+                                  <a:solidFill>
+                                    <a:schemeClr val="tx1"/>
+                                  </a:solidFill>
+                                  <a:latin typeface="Cambria Math"/>
+                                </a:rPr>
+                                <m:t>𝑐𝑎𝑡𝑒𝑔𝑜𝑟𝑦</m:t>
+                              </m:r>
+                            </m:e>
+                          </m:d>
+                        </m:num>
+                        <m:den>
+                          <m:nary>
+                            <m:naryPr>
+                              <m:chr m:val="∑"/>
+                              <m:subHide m:val="on"/>
+                              <m:supHide m:val="on"/>
+                              <m:ctrlPr>
+                                <a:rPr lang="en-US" altLang="zh-CN" sz="1600" i="1" smtClean="0">
+                                  <a:solidFill>
+                                    <a:schemeClr val="tx1"/>
+                                  </a:solidFill>
+                                  <a:latin typeface="Cambria Math"/>
+                                </a:rPr>
+                              </m:ctrlPr>
+                            </m:naryPr>
+                            <m:sub/>
+                            <m:sup/>
+                            <m:e>
+                              <m:r>
+                                <a:rPr lang="en-US" altLang="zh-CN" sz="1600" b="0" i="1" smtClean="0">
+                                  <a:solidFill>
+                                    <a:schemeClr val="tx1"/>
+                                  </a:solidFill>
+                                  <a:latin typeface="Cambria Math"/>
+                                </a:rPr>
+                                <m:t>𝑝𝑟𝑜𝑏</m:t>
+                              </m:r>
+                              <m:r>
+                                <a:rPr lang="en-US" altLang="zh-CN" sz="1600" b="0" i="1" smtClean="0">
+                                  <a:solidFill>
+                                    <a:schemeClr val="tx1"/>
+                                  </a:solidFill>
+                                  <a:latin typeface="Cambria Math"/>
+                                </a:rPr>
+                                <m:t>(</m:t>
+                              </m:r>
+                              <m:r>
+                                <a:rPr lang="en-US" altLang="zh-CN" sz="1600" b="0" i="1" smtClean="0">
+                                  <a:solidFill>
+                                    <a:schemeClr val="tx1"/>
+                                  </a:solidFill>
+                                  <a:latin typeface="Cambria Math"/>
+                                </a:rPr>
+                                <m:t>𝑓𝑒𝑎𝑡𝑢𝑟𝑒</m:t>
+                              </m:r>
+                              <m:r>
+                                <a:rPr lang="en-US" altLang="zh-CN" sz="1600" b="0" i="1" smtClean="0">
+                                  <a:solidFill>
+                                    <a:schemeClr val="tx1"/>
+                                  </a:solidFill>
+                                  <a:latin typeface="Cambria Math"/>
+                                </a:rPr>
+                                <m:t> </m:t>
+                              </m:r>
+                              <m:r>
+                                <a:rPr lang="en-US" altLang="zh-CN" sz="1600" b="0" i="1" smtClean="0">
+                                  <a:solidFill>
+                                    <a:schemeClr val="tx1"/>
+                                  </a:solidFill>
+                                  <a:latin typeface="Cambria Math"/>
+                                </a:rPr>
+                                <m:t>𝑖𝑛</m:t>
+                              </m:r>
+                              <m:r>
+                                <a:rPr lang="en-US" altLang="zh-CN" sz="1600" b="0" i="1" smtClean="0">
+                                  <a:solidFill>
+                                    <a:schemeClr val="tx1"/>
+                                  </a:solidFill>
+                                  <a:latin typeface="Cambria Math"/>
+                                </a:rPr>
+                                <m:t> </m:t>
+                              </m:r>
+                              <m:r>
+                                <a:rPr lang="en-US" altLang="zh-CN" sz="1600" b="0" i="1" smtClean="0">
+                                  <a:solidFill>
+                                    <a:schemeClr val="tx1"/>
+                                  </a:solidFill>
+                                  <a:latin typeface="Cambria Math"/>
+                                </a:rPr>
+                                <m:t>𝑎𝑙𝑙</m:t>
+                              </m:r>
+                              <m:r>
+                                <a:rPr lang="en-US" altLang="zh-CN" sz="1600" b="0" i="1" smtClean="0">
+                                  <a:solidFill>
+                                    <a:schemeClr val="tx1"/>
+                                  </a:solidFill>
+                                  <a:latin typeface="Cambria Math"/>
+                                </a:rPr>
+                                <m:t> </m:t>
+                              </m:r>
+                              <m:r>
+                                <a:rPr lang="en-US" altLang="zh-CN" sz="1600" i="1">
+                                  <a:solidFill>
+                                    <a:schemeClr val="tx1"/>
+                                  </a:solidFill>
+                                  <a:latin typeface="Cambria Math"/>
+                                </a:rPr>
+                                <m:t>𝑐𝑎𝑡𝑒𝑔𝑜𝑟𝑦</m:t>
+                              </m:r>
+                              <m:r>
+                                <a:rPr lang="en-US" altLang="zh-CN" sz="1600" i="1">
+                                  <a:solidFill>
+                                    <a:schemeClr val="tx1"/>
+                                  </a:solidFill>
+                                  <a:latin typeface="Cambria Math"/>
+                                </a:rPr>
+                                <m:t>)</m:t>
+                              </m:r>
+                            </m:e>
+                          </m:nary>
+                        </m:den>
+                      </m:f>
+                    </m:oMath>
+                  </m:oMathPara>
                 </a14:m>
-                <a:endParaRPr lang="en-US" altLang="zh-CN" dirty="0"/>
+                <a:endParaRPr lang="en-US" altLang="zh-CN" sz="1600" dirty="0"/>
               </a:p>
             </p:txBody>
           </p:sp>
@@ -9778,7 +10704,7 @@
               <a:blipFill rotWithShape="1">
                 <a:blip r:embed="rId2"/>
                 <a:stretch>
-                  <a:fillRect l="-815" t="-135"/>
+                  <a:fillRect l="-222"/>
                 </a:stretch>
               </a:blipFill>
             </p:spPr>
@@ -9787,7 +10713,7 @@
               <a:lstStyle/>
               <a:p>
                 <a:r>
-                  <a:rPr lang="en-US">
+                  <a:rPr lang="zh-CN" altLang="en-US">
                     <a:noFill/>
                   </a:rPr>
                   <a:t> </a:t>
@@ -11605,8 +12531,8 @@
           </a:p>
         </p:txBody>
       </p:sp>
-      <mc:AlternateContent xmlns:mc="http://schemas.openxmlformats.org/markup-compatibility/2006" xmlns:a14="http://schemas.microsoft.com/office/drawing/2010/main">
-        <mc:Choice Requires="a14">
+      <mc:AlternateContent xmlns:mc="http://schemas.openxmlformats.org/markup-compatibility/2006">
+        <mc:Choice xmlns:a14="http://schemas.microsoft.com/office/drawing/2010/main" Requires="a14">
           <p:sp>
             <p:nvSpPr>
               <p:cNvPr id="3" name="Content Placeholder 2"/>
@@ -11629,6 +12555,9 @@
               </a:bodyPr>
               <a:lstStyle/>
               <a:p>
+                <a:pPr marL="0" indent="0">
+                  <a:buNone/>
+                </a:pPr>
                 <a:r>
                   <a:rPr lang="en-US" altLang="zh-CN" sz="1000" dirty="0" smtClean="0"/>
                   <a:t>FEATURES	ALL	SPAM	GOOD	</a:t>
@@ -11842,6 +12771,9 @@
                 <a:endParaRPr lang="en-US" altLang="zh-CN" sz="1000" dirty="0"/>
               </a:p>
               <a:p>
+                <a:pPr marL="0" indent="0">
+                  <a:buNone/>
+                </a:pPr>
                 <a:r>
                   <a:rPr lang="en-US" altLang="zh-CN" sz="1000" dirty="0"/>
                   <a:t>buy	</a:t>
@@ -11856,6 +12788,9 @@
                 </a:r>
               </a:p>
               <a:p>
+                <a:pPr marL="0" indent="0">
+                  <a:buNone/>
+                </a:pPr>
                 <a:r>
                   <a:rPr lang="en-US" altLang="zh-CN" sz="1000" dirty="0" smtClean="0"/>
                   <a:t>pharm…	1</a:t>
@@ -11866,6 +12801,9 @@
                 </a:r>
               </a:p>
               <a:p>
+                <a:pPr marL="0" indent="0">
+                  <a:buNone/>
+                </a:pPr>
                 <a:r>
                   <a:rPr lang="en-US" altLang="zh-CN" sz="1000" dirty="0"/>
                   <a:t>now	</a:t>
@@ -11880,6 +12818,9 @@
                 </a:r>
               </a:p>
               <a:p>
+                <a:pPr marL="0" indent="0">
+                  <a:buNone/>
+                </a:pPr>
                 <a:r>
                   <a:rPr lang="en-US" altLang="zh-CN" sz="1000" dirty="0"/>
                   <a:t>make	</a:t>
@@ -11894,6 +12835,9 @@
                 </a:r>
               </a:p>
               <a:p>
+                <a:pPr marL="0" indent="0">
+                  <a:buNone/>
+                </a:pPr>
                 <a:r>
                   <a:rPr lang="en-US" altLang="zh-CN" sz="1000" dirty="0"/>
                   <a:t>quick	</a:t>
@@ -11908,6 +12852,9 @@
                 </a:r>
               </a:p>
               <a:p>
+                <a:pPr marL="0" indent="0">
+                  <a:buNone/>
+                </a:pPr>
                 <a:r>
                   <a:rPr lang="en-US" altLang="zh-CN" sz="1000" dirty="0"/>
                   <a:t>money	</a:t>
@@ -11922,6 +12869,9 @@
                 </a:r>
               </a:p>
               <a:p>
+                <a:pPr marL="0" indent="0">
+                  <a:buNone/>
+                </a:pPr>
                 <a:r>
                   <a:rPr lang="en-US" altLang="zh-CN" sz="1000" dirty="0"/>
                   <a:t>at	</a:t>
@@ -11936,6 +12886,9 @@
                 </a:r>
               </a:p>
               <a:p>
+                <a:pPr marL="0" indent="0">
+                  <a:buNone/>
+                </a:pPr>
                 <a:r>
                   <a:rPr lang="en-US" altLang="zh-CN" sz="1000" dirty="0"/>
                   <a:t>the	</a:t>
@@ -11950,6 +12903,9 @@
                 </a:r>
               </a:p>
               <a:p>
+                <a:pPr marL="0" indent="0">
+                  <a:buNone/>
+                </a:pPr>
                 <a:r>
                   <a:rPr lang="en-US" altLang="zh-CN" sz="1000" dirty="0"/>
                   <a:t>online	</a:t>
@@ -11964,6 +12920,9 @@
                 </a:r>
               </a:p>
               <a:p>
+                <a:pPr marL="0" indent="0">
+                  <a:buNone/>
+                </a:pPr>
                 <a:r>
                   <a:rPr lang="en-US" altLang="zh-CN" sz="1000" dirty="0"/>
                   <a:t>casino	</a:t>
@@ -11978,6 +12937,9 @@
                 </a:r>
               </a:p>
               <a:p>
+                <a:pPr marL="0" indent="0">
+                  <a:buNone/>
+                </a:pPr>
                 <a:r>
                   <a:rPr lang="en-US" altLang="zh-CN" sz="1000" dirty="0"/>
                   <a:t>nobody	</a:t>
@@ -11992,6 +12954,9 @@
                 </a:r>
               </a:p>
               <a:p>
+                <a:pPr marL="0" indent="0">
+                  <a:buNone/>
+                </a:pPr>
                 <a:r>
                   <a:rPr lang="en-US" altLang="zh-CN" sz="1000" dirty="0"/>
                   <a:t>owns	</a:t>
@@ -12006,6 +12971,9 @@
                 </a:r>
               </a:p>
               <a:p>
+                <a:pPr marL="0" indent="0">
+                  <a:buNone/>
+                </a:pPr>
                 <a:r>
                   <a:rPr lang="en-US" altLang="zh-CN" sz="1000" dirty="0"/>
                   <a:t>water	</a:t>
@@ -12020,6 +12988,9 @@
                 </a:r>
               </a:p>
               <a:p>
+                <a:pPr marL="0" indent="0">
+                  <a:buNone/>
+                </a:pPr>
                 <a:r>
                   <a:rPr lang="en-US" altLang="zh-CN" sz="1000" dirty="0"/>
                   <a:t>rabbit	</a:t>
@@ -12034,6 +13005,9 @@
                 </a:r>
               </a:p>
               <a:p>
+                <a:pPr marL="0" indent="0">
+                  <a:buNone/>
+                </a:pPr>
                 <a:r>
                   <a:rPr lang="en-US" altLang="zh-CN" sz="1000" dirty="0"/>
                   <a:t>jumps	</a:t>
@@ -12048,6 +13022,9 @@
                 </a:r>
               </a:p>
               <a:p>
+                <a:pPr marL="0" indent="0">
+                  <a:buNone/>
+                </a:pPr>
                 <a:r>
                   <a:rPr lang="en-US" altLang="zh-CN" sz="1000" dirty="0"/>
                   <a:t>fences	</a:t>
@@ -12062,6 +13039,9 @@
                 </a:r>
               </a:p>
               <a:p>
+                <a:pPr marL="0" indent="0">
+                  <a:buNone/>
+                </a:pPr>
                 <a:r>
                   <a:rPr lang="en-US" altLang="zh-CN" sz="1000" dirty="0"/>
                   <a:t>brown	</a:t>
@@ -12076,6 +13056,9 @@
                 </a:r>
               </a:p>
               <a:p>
+                <a:pPr marL="0" indent="0">
+                  <a:buNone/>
+                </a:pPr>
                 <a:r>
                   <a:rPr lang="en-US" altLang="zh-CN" sz="1000" dirty="0"/>
                   <a:t>fox	</a:t>
@@ -12096,7 +13079,7 @@
             </p:txBody>
           </p:sp>
         </mc:Choice>
-        <mc:Fallback xmlns="">
+        <mc:Fallback>
           <p:sp>
             <p:nvSpPr>
               <p:cNvPr id="3" name="Content Placeholder 2"/>
@@ -12891,126 +13874,188 @@
           </a:bodyPr>
           <a:lstStyle/>
           <a:p>
+            <a:pPr marL="0" indent="0">
+              <a:buNone/>
+            </a:pPr>
             <a:r>
               <a:rPr lang="en-US" altLang="zh-CN" sz="1050" dirty="0"/>
               <a:t>Black Items:5000</a:t>
             </a:r>
           </a:p>
           <a:p>
+            <a:pPr marL="0" indent="0">
+              <a:buNone/>
+            </a:pPr>
             <a:r>
               <a:rPr lang="en-US" altLang="zh-CN" sz="1050" dirty="0"/>
               <a:t>White Items:5000</a:t>
             </a:r>
           </a:p>
           <a:p>
+            <a:pPr marL="0" indent="0">
+              <a:buNone/>
+            </a:pPr>
+            <a:endParaRPr lang="en-US" altLang="zh-CN" sz="1050" dirty="0" smtClean="0"/>
+          </a:p>
+          <a:p>
+            <a:pPr marL="0" indent="0">
+              <a:buNone/>
+            </a:pPr>
+            <a:r>
+              <a:rPr lang="en-US" altLang="zh-CN" sz="1050" dirty="0" smtClean="0"/>
+              <a:t>Man\Com</a:t>
+            </a:r>
             <a:r>
               <a:rPr lang="en-US" altLang="zh-CN" sz="1050" dirty="0"/>
-              <a:t>----------------------------------------</a:t>
-            </a:r>
-          </a:p>
-          <a:p>
+              <a:t>	Black	White	Total	</a:t>
+            </a:r>
             <a:r>
               <a:rPr lang="en-US" altLang="zh-CN" sz="1050" dirty="0" smtClean="0"/>
-              <a:t>M\C</a:t>
-            </a:r>
-            <a:r>
-              <a:rPr lang="en-US" altLang="zh-CN" sz="1050" dirty="0"/>
-              <a:t>	Black	White	Total	Rate</a:t>
-            </a:r>
-          </a:p>
-          <a:p>
+              <a:t>Recall</a:t>
+            </a:r>
+            <a:endParaRPr lang="en-US" altLang="zh-CN" sz="1050" dirty="0"/>
+          </a:p>
+          <a:p>
+            <a:pPr marL="0" indent="0">
+              <a:buNone/>
+            </a:pPr>
             <a:r>
               <a:rPr lang="en-US" altLang="zh-CN" sz="1050" dirty="0"/>
               <a:t>Black	1262	216	1478	85.39%</a:t>
             </a:r>
           </a:p>
           <a:p>
+            <a:pPr marL="0" indent="0">
+              <a:buNone/>
+            </a:pPr>
             <a:r>
               <a:rPr lang="en-US" altLang="zh-CN" sz="1050" dirty="0"/>
               <a:t>White	2142	7023	9165	76.63%</a:t>
             </a:r>
           </a:p>
           <a:p>
+            <a:pPr marL="0" indent="0">
+              <a:buNone/>
+            </a:pPr>
             <a:r>
               <a:rPr lang="en-US" altLang="zh-CN" sz="1050" dirty="0"/>
               <a:t>Total	3404	7239	10643</a:t>
             </a:r>
           </a:p>
           <a:p>
+            <a:pPr marL="0" indent="0">
+              <a:buNone/>
+            </a:pPr>
             <a:r>
               <a:rPr lang="en-US" altLang="zh-CN" sz="1050" dirty="0"/>
-              <a:t>Rate	37.07%	97.02%		77.84%</a:t>
-            </a:r>
-          </a:p>
-          <a:p>
+              <a:t>Prec </a:t>
+            </a:r>
             <a:r>
               <a:rPr lang="en-US" altLang="zh-CN" sz="1050" dirty="0"/>
-              <a:t>----------------------------------------</a:t>
-            </a:r>
+              <a:t>	37.07%	97.02%		77.84%</a:t>
+            </a:r>
+          </a:p>
+          <a:p>
+            <a:pPr marL="0" indent="0">
+              <a:buNone/>
+            </a:pPr>
             <a:endParaRPr lang="en-US" altLang="zh-CN" sz="1050" dirty="0" smtClean="0"/>
           </a:p>
           <a:p>
+            <a:pPr marL="0" indent="0">
+              <a:buNone/>
+            </a:pPr>
             <a:endParaRPr lang="en-US" altLang="zh-CN" sz="1050" dirty="0" smtClean="0"/>
           </a:p>
           <a:p>
+            <a:pPr marL="0" indent="0">
+              <a:buNone/>
+            </a:pPr>
             <a:endParaRPr lang="en-US" altLang="zh-CN" sz="1050" dirty="0"/>
           </a:p>
           <a:p>
+            <a:pPr marL="0" indent="0">
+              <a:buNone/>
+            </a:pPr>
             <a:r>
               <a:rPr lang="en-US" altLang="zh-CN" sz="1050" dirty="0"/>
               <a:t>Black Items:2000</a:t>
             </a:r>
           </a:p>
           <a:p>
+            <a:pPr marL="0" indent="0">
+              <a:buNone/>
+            </a:pPr>
             <a:r>
               <a:rPr lang="en-US" altLang="zh-CN" sz="1050" dirty="0"/>
-              <a:t>White Items:5000</a:t>
-            </a:r>
-          </a:p>
-          <a:p>
+              <a:t>White </a:t>
+            </a:r>
+            <a:r>
+              <a:rPr lang="en-US" altLang="zh-CN" sz="1050" dirty="0" smtClean="0"/>
+              <a:t>Items:5000</a:t>
+            </a:r>
+          </a:p>
+          <a:p>
+            <a:pPr marL="0" indent="0">
+              <a:buNone/>
+            </a:pPr>
+            <a:endParaRPr lang="en-US" altLang="zh-CN" sz="1050" dirty="0"/>
+          </a:p>
+          <a:p>
+            <a:pPr marL="0" indent="0">
+              <a:buNone/>
+            </a:pPr>
+            <a:r>
+              <a:rPr lang="en-US" altLang="zh-CN" sz="1050" dirty="0" smtClean="0"/>
+              <a:t>Man\Com</a:t>
+            </a:r>
             <a:r>
               <a:rPr lang="en-US" altLang="zh-CN" sz="1050" dirty="0"/>
-              <a:t>----------------------------------------</a:t>
-            </a:r>
-          </a:p>
-          <a:p>
+              <a:t>	Black	White	Total	Recall</a:t>
+            </a:r>
+          </a:p>
+          <a:p>
+            <a:pPr marL="0" indent="0">
+              <a:buNone/>
+            </a:pPr>
             <a:r>
               <a:rPr lang="en-US" altLang="zh-CN" sz="1050" dirty="0" smtClean="0"/>
-              <a:t>M\C</a:t>
+              <a:t>Black</a:t>
             </a:r>
             <a:r>
               <a:rPr lang="en-US" altLang="zh-CN" sz="1050" dirty="0"/>
-              <a:t>	Black	White	Total	Rate</a:t>
-            </a:r>
-          </a:p>
-          <a:p>
-            <a:r>
-              <a:rPr lang="en-US" altLang="zh-CN" sz="1050" dirty="0"/>
-              <a:t>Black	1218	260	1478	82.41%</a:t>
-            </a:r>
-          </a:p>
-          <a:p>
+              <a:t>	1218	260	1478	82.41%</a:t>
+            </a:r>
+          </a:p>
+          <a:p>
+            <a:pPr marL="0" indent="0">
+              <a:buNone/>
+            </a:pPr>
             <a:r>
               <a:rPr lang="en-US" altLang="zh-CN" sz="1050" dirty="0"/>
               <a:t>White	988	8177	9165	89.22%</a:t>
             </a:r>
           </a:p>
           <a:p>
+            <a:pPr marL="0" indent="0">
+              <a:buNone/>
+            </a:pPr>
             <a:r>
               <a:rPr lang="en-US" altLang="zh-CN" sz="1050" dirty="0"/>
               <a:t>Total	2206	8437	10643</a:t>
             </a:r>
           </a:p>
           <a:p>
+            <a:pPr marL="0" indent="0">
+              <a:buNone/>
+            </a:pPr>
             <a:r>
               <a:rPr lang="en-US" altLang="zh-CN" sz="1050" dirty="0"/>
-              <a:t>Rate	55.21%	96.92%		88.27%</a:t>
-            </a:r>
-          </a:p>
-          <a:p>
-            <a:r>
-              <a:rPr lang="en-US" altLang="zh-CN" sz="1050" dirty="0" smtClean="0"/>
-              <a:t>----------------------------------------</a:t>
+              <a:t>Prec </a:t>
+            </a:r>
+            <a:r>
+              <a:rPr lang="en-US" altLang="zh-CN" sz="1050" dirty="0"/>
+              <a:t>	55.21%	96.92%		88.27%</a:t>
             </a:r>
           </a:p>
           <a:p>
@@ -13189,128 +14234,189 @@
             </a:lvl9pPr>
           </a:lstStyle>
           <a:p>
+            <a:pPr marL="0" indent="0">
+              <a:buNone/>
+            </a:pPr>
             <a:r>
               <a:rPr lang="en-US" altLang="zh-CN" sz="1050" dirty="0"/>
               <a:t>Black Items:5000</a:t>
             </a:r>
           </a:p>
           <a:p>
+            <a:pPr marL="0" indent="0">
+              <a:buNone/>
+            </a:pPr>
             <a:r>
               <a:rPr lang="en-US" altLang="zh-CN" sz="1050" dirty="0"/>
               <a:t>White Items:2000</a:t>
             </a:r>
           </a:p>
           <a:p>
+            <a:pPr marL="0" indent="0">
+              <a:buNone/>
+            </a:pPr>
+            <a:endParaRPr lang="en-US" altLang="zh-CN" sz="1050" dirty="0" smtClean="0"/>
+          </a:p>
+          <a:p>
+            <a:pPr marL="0" indent="0">
+              <a:buNone/>
+            </a:pPr>
+            <a:r>
+              <a:rPr lang="en-US" altLang="zh-CN" sz="1050" dirty="0" smtClean="0"/>
+              <a:t>Man\Com</a:t>
+            </a:r>
             <a:r>
               <a:rPr lang="en-US" altLang="zh-CN" sz="1050" dirty="0"/>
-              <a:t>----------------------------------------</a:t>
-            </a:r>
-          </a:p>
-          <a:p>
+              <a:t>	Black	White	Total	Recall</a:t>
+            </a:r>
+          </a:p>
+          <a:p>
+            <a:pPr marL="0" indent="0">
+              <a:buNone/>
+            </a:pPr>
             <a:r>
               <a:rPr lang="en-US" altLang="zh-CN" sz="1050" dirty="0" smtClean="0"/>
-              <a:t>M\C</a:t>
+              <a:t>Black</a:t>
             </a:r>
             <a:r>
               <a:rPr lang="en-US" altLang="zh-CN" sz="1050" dirty="0"/>
-              <a:t>	Black	White	Total	Rate</a:t>
-            </a:r>
-          </a:p>
-          <a:p>
-            <a:r>
-              <a:rPr lang="en-US" altLang="zh-CN" sz="1050" dirty="0"/>
-              <a:t>Black	1320	158	1478	89.31%</a:t>
-            </a:r>
-          </a:p>
-          <a:p>
+              <a:t>	1320	158	1478	89.31%</a:t>
+            </a:r>
+          </a:p>
+          <a:p>
+            <a:pPr marL="0" indent="0">
+              <a:buNone/>
+            </a:pPr>
             <a:r>
               <a:rPr lang="en-US" altLang="zh-CN" sz="1050" dirty="0"/>
               <a:t>White	3725	5440	9165	59.36%</a:t>
             </a:r>
           </a:p>
           <a:p>
+            <a:pPr marL="0" indent="0">
+              <a:buNone/>
+            </a:pPr>
             <a:r>
               <a:rPr lang="en-US" altLang="zh-CN" sz="1050" dirty="0"/>
               <a:t>Total	5045	5598	10643</a:t>
             </a:r>
           </a:p>
           <a:p>
+            <a:pPr marL="0" indent="0">
+              <a:buNone/>
+            </a:pPr>
             <a:r>
               <a:rPr lang="en-US" altLang="zh-CN" sz="1050" dirty="0"/>
-              <a:t>Rate	26.16%	97.18%		63.52%</a:t>
-            </a:r>
-          </a:p>
-          <a:p>
+              <a:t>Prec </a:t>
+            </a:r>
             <a:r>
               <a:rPr lang="en-US" altLang="zh-CN" sz="1050" dirty="0"/>
-              <a:t>----------------------------------------</a:t>
-            </a:r>
+              <a:t>	26.16%	97.18%		63.52%</a:t>
+            </a:r>
+          </a:p>
+          <a:p>
+            <a:pPr marL="0" indent="0">
+              <a:buNone/>
+            </a:pPr>
             <a:endParaRPr lang="en-US" altLang="zh-CN" sz="1050" dirty="0" smtClean="0"/>
           </a:p>
           <a:p>
+            <a:pPr marL="0" indent="0">
+              <a:buNone/>
+            </a:pPr>
             <a:endParaRPr lang="en-US" altLang="zh-CN" sz="1050" dirty="0" smtClean="0"/>
           </a:p>
           <a:p>
+            <a:pPr marL="0" indent="0">
+              <a:buNone/>
+            </a:pPr>
             <a:endParaRPr lang="en-US" altLang="zh-CN" sz="1050" dirty="0"/>
           </a:p>
           <a:p>
+            <a:pPr marL="0" indent="0">
+              <a:buNone/>
+            </a:pPr>
             <a:r>
               <a:rPr lang="en-US" altLang="zh-CN" sz="1050" dirty="0"/>
               <a:t>Black Items:1000</a:t>
             </a:r>
           </a:p>
           <a:p>
+            <a:pPr marL="0" indent="0">
+              <a:buNone/>
+            </a:pPr>
             <a:r>
               <a:rPr lang="en-US" altLang="zh-CN" sz="1050" dirty="0"/>
               <a:t>White Items:5000</a:t>
             </a:r>
           </a:p>
           <a:p>
+            <a:pPr marL="0" indent="0">
+              <a:buNone/>
+            </a:pPr>
+            <a:endParaRPr lang="en-US" altLang="zh-CN" sz="1050" dirty="0" smtClean="0"/>
+          </a:p>
+          <a:p>
+            <a:pPr marL="0" indent="0">
+              <a:buNone/>
+            </a:pPr>
+            <a:r>
+              <a:rPr lang="en-US" altLang="zh-CN" sz="1050" dirty="0" smtClean="0"/>
+              <a:t>Man\Com</a:t>
+            </a:r>
             <a:r>
               <a:rPr lang="en-US" altLang="zh-CN" sz="1050" dirty="0"/>
-              <a:t>----------------------------------------</a:t>
-            </a:r>
-          </a:p>
-          <a:p>
+              <a:t>	Black	White	Total	Recall</a:t>
+            </a:r>
+          </a:p>
+          <a:p>
+            <a:pPr marL="0" indent="0">
+              <a:buNone/>
+            </a:pPr>
             <a:r>
               <a:rPr lang="en-US" altLang="zh-CN" sz="1050" dirty="0" smtClean="0"/>
-              <a:t>M\C</a:t>
+              <a:t>Black</a:t>
             </a:r>
             <a:r>
               <a:rPr lang="en-US" altLang="zh-CN" sz="1050" dirty="0"/>
-              <a:t>	Black	White	Total	Rate</a:t>
-            </a:r>
-          </a:p>
-          <a:p>
-            <a:r>
-              <a:rPr lang="en-US" altLang="zh-CN" sz="1050" dirty="0"/>
-              <a:t>Black	1194	284	1478	80.78%</a:t>
-            </a:r>
-          </a:p>
-          <a:p>
+              <a:t>	1194	284	1478	80.78%</a:t>
+            </a:r>
+          </a:p>
+          <a:p>
+            <a:pPr marL="0" indent="0">
+              <a:buNone/>
+            </a:pPr>
             <a:r>
               <a:rPr lang="en-US" altLang="zh-CN" sz="1050" dirty="0"/>
               <a:t>White	632	8533	9165	93.10%</a:t>
             </a:r>
           </a:p>
           <a:p>
+            <a:pPr marL="0" indent="0">
+              <a:buNone/>
+            </a:pPr>
             <a:r>
               <a:rPr lang="en-US" altLang="zh-CN" sz="1050" dirty="0"/>
               <a:t>Total	1826	8817	10643</a:t>
             </a:r>
           </a:p>
           <a:p>
+            <a:pPr marL="0" indent="0">
+              <a:buNone/>
+            </a:pPr>
             <a:r>
               <a:rPr lang="en-US" altLang="zh-CN" sz="1050" dirty="0"/>
-              <a:t>Rate	65.39%	96.78%		91.39%</a:t>
-            </a:r>
-          </a:p>
-          <a:p>
+              <a:t>Prec </a:t>
+            </a:r>
             <a:r>
               <a:rPr lang="en-US" altLang="zh-CN" sz="1050" dirty="0"/>
-              <a:t>----------------------------------------</a:t>
-            </a:r>
-            <a:endParaRPr lang="en-US" altLang="zh-CN" sz="1050" dirty="0" smtClean="0"/>
+              <a:t>	65.39%	96.78%		91.39</a:t>
+            </a:r>
+            <a:r>
+              <a:rPr lang="en-US" altLang="zh-CN" sz="1050" dirty="0" smtClean="0"/>
+              <a:t>%</a:t>
+            </a:r>
+            <a:endParaRPr lang="en-US" altLang="zh-CN" sz="1050" dirty="0"/>
           </a:p>
         </p:txBody>
       </p:sp>
@@ -13389,130 +14495,194 @@
           </a:bodyPr>
           <a:lstStyle/>
           <a:p>
+            <a:pPr marL="0" indent="0">
+              <a:buNone/>
+            </a:pPr>
             <a:r>
               <a:rPr lang="en-US" altLang="zh-CN" sz="1050" dirty="0"/>
               <a:t>Black Items:5000</a:t>
             </a:r>
           </a:p>
           <a:p>
+            <a:pPr marL="0" indent="0">
+              <a:buNone/>
+            </a:pPr>
+            <a:r>
+              <a:rPr lang="en-US" altLang="zh-CN" sz="1050" dirty="0"/>
+              <a:t>White </a:t>
+            </a:r>
+            <a:r>
+              <a:rPr lang="en-US" altLang="zh-CN" sz="1050" dirty="0" smtClean="0"/>
+              <a:t>Items:5000</a:t>
+            </a:r>
+          </a:p>
+          <a:p>
+            <a:pPr marL="0" indent="0">
+              <a:buNone/>
+            </a:pPr>
+            <a:endParaRPr lang="en-US" altLang="zh-CN" sz="1050" dirty="0"/>
+          </a:p>
+          <a:p>
+            <a:pPr marL="0" indent="0">
+              <a:buNone/>
+            </a:pPr>
+            <a:r>
+              <a:rPr lang="en-US" altLang="zh-CN" sz="1050" dirty="0" smtClean="0"/>
+              <a:t>Man\Com</a:t>
+            </a:r>
+            <a:r>
+              <a:rPr lang="en-US" altLang="zh-CN" sz="1050" dirty="0"/>
+              <a:t>	Black	White	Total	Recall</a:t>
+            </a:r>
+          </a:p>
+          <a:p>
+            <a:pPr marL="0" indent="0">
+              <a:buNone/>
+            </a:pPr>
+            <a:r>
+              <a:rPr lang="en-US" altLang="zh-CN" sz="1050" dirty="0" smtClean="0"/>
+              <a:t>Black</a:t>
+            </a:r>
+            <a:r>
+              <a:rPr lang="en-US" altLang="zh-CN" sz="1050" dirty="0"/>
+              <a:t>	431	1047	1478	29.16%</a:t>
+            </a:r>
+          </a:p>
+          <a:p>
+            <a:pPr marL="0" indent="0">
+              <a:buNone/>
+            </a:pPr>
+            <a:r>
+              <a:rPr lang="en-US" altLang="zh-CN" sz="1050" dirty="0"/>
+              <a:t>White	256	8909	9165	97.21%</a:t>
+            </a:r>
+          </a:p>
+          <a:p>
+            <a:pPr marL="0" indent="0">
+              <a:buNone/>
+            </a:pPr>
+            <a:r>
+              <a:rPr lang="en-US" altLang="zh-CN" sz="1050" dirty="0"/>
+              <a:t>Total	687	9956	10643</a:t>
+            </a:r>
+          </a:p>
+          <a:p>
+            <a:pPr marL="0" indent="0">
+              <a:buNone/>
+            </a:pPr>
+            <a:r>
+              <a:rPr lang="en-US" altLang="zh-CN" sz="1050" dirty="0"/>
+              <a:t>Prec </a:t>
+            </a:r>
+            <a:r>
+              <a:rPr lang="en-US" altLang="zh-CN" sz="1050" dirty="0"/>
+              <a:t>	62.74%	89.48%		87.76%</a:t>
+            </a:r>
+          </a:p>
+          <a:p>
+            <a:pPr marL="0" indent="0">
+              <a:buNone/>
+            </a:pPr>
+            <a:endParaRPr lang="en-US" altLang="zh-CN" sz="1050" dirty="0" smtClean="0"/>
+          </a:p>
+          <a:p>
+            <a:pPr marL="0" indent="0">
+              <a:buNone/>
+            </a:pPr>
+            <a:endParaRPr lang="en-US" altLang="zh-CN" sz="1050" dirty="0" smtClean="0"/>
+          </a:p>
+          <a:p>
+            <a:pPr marL="0" indent="0">
+              <a:buNone/>
+            </a:pPr>
+            <a:endParaRPr lang="en-US" altLang="zh-CN" sz="1050" dirty="0"/>
+          </a:p>
+          <a:p>
+            <a:pPr marL="0" indent="0">
+              <a:buNone/>
+            </a:pPr>
+            <a:r>
+              <a:rPr lang="en-US" altLang="zh-CN" sz="1050" dirty="0" smtClean="0"/>
+              <a:t>Black </a:t>
+            </a:r>
+            <a:r>
+              <a:rPr lang="en-US" altLang="zh-CN" sz="1050" dirty="0"/>
+              <a:t>Items:2000</a:t>
+            </a:r>
+          </a:p>
+          <a:p>
+            <a:pPr marL="0" indent="0">
+              <a:buNone/>
+            </a:pPr>
             <a:r>
               <a:rPr lang="en-US" altLang="zh-CN" sz="1050" dirty="0"/>
               <a:t>White Items:5000</a:t>
             </a:r>
           </a:p>
           <a:p>
+            <a:pPr marL="0" indent="0">
+              <a:buNone/>
+            </a:pPr>
+            <a:endParaRPr lang="en-US" altLang="zh-CN" sz="1050" dirty="0" smtClean="0"/>
+          </a:p>
+          <a:p>
+            <a:pPr marL="0" indent="0">
+              <a:buNone/>
+            </a:pPr>
+            <a:r>
+              <a:rPr lang="en-US" altLang="zh-CN" sz="1050" dirty="0" smtClean="0"/>
+              <a:t>Man\Com</a:t>
+            </a:r>
             <a:r>
               <a:rPr lang="en-US" altLang="zh-CN" sz="1050" dirty="0"/>
-              <a:t>----------------------------------------</a:t>
-            </a:r>
-          </a:p>
-          <a:p>
+              <a:t>	Black	White	Total	Recall</a:t>
+            </a:r>
+          </a:p>
+          <a:p>
+            <a:pPr marL="0" indent="0">
+              <a:buNone/>
+            </a:pPr>
             <a:r>
               <a:rPr lang="en-US" altLang="zh-CN" sz="1050" dirty="0" smtClean="0"/>
-              <a:t>M\C</a:t>
+              <a:t>Black</a:t>
             </a:r>
             <a:r>
               <a:rPr lang="en-US" altLang="zh-CN" sz="1050" dirty="0"/>
-              <a:t>	Black	White	Total	Rate</a:t>
-            </a:r>
-          </a:p>
-          <a:p>
-            <a:r>
-              <a:rPr lang="en-US" altLang="zh-CN" sz="1050" dirty="0"/>
-              <a:t>Black	431	1047	1478	29.16%</a:t>
-            </a:r>
-          </a:p>
-          <a:p>
-            <a:r>
-              <a:rPr lang="en-US" altLang="zh-CN" sz="1050" dirty="0"/>
-              <a:t>White	256	8909	9165	97.21%</a:t>
-            </a:r>
-          </a:p>
-          <a:p>
-            <a:r>
-              <a:rPr lang="en-US" altLang="zh-CN" sz="1050" dirty="0"/>
-              <a:t>Total	687	9956	10643</a:t>
-            </a:r>
-          </a:p>
-          <a:p>
-            <a:r>
-              <a:rPr lang="en-US" altLang="zh-CN" sz="1050" dirty="0"/>
-              <a:t>Rate	62.74%	89.48%		87.76%</a:t>
-            </a:r>
-          </a:p>
-          <a:p>
-            <a:r>
-              <a:rPr lang="en-US" altLang="zh-CN" sz="1050" dirty="0"/>
-              <a:t>----------------------------------------</a:t>
-            </a:r>
-          </a:p>
-          <a:p>
-            <a:endParaRPr lang="en-US" altLang="zh-CN" sz="1050" dirty="0" smtClean="0"/>
-          </a:p>
-          <a:p>
-            <a:endParaRPr lang="en-US" altLang="zh-CN" sz="1050" dirty="0"/>
-          </a:p>
-          <a:p>
-            <a:r>
-              <a:rPr lang="en-US" altLang="zh-CN" sz="1050" dirty="0" smtClean="0"/>
-              <a:t>Black </a:t>
-            </a:r>
-            <a:r>
-              <a:rPr lang="en-US" altLang="zh-CN" sz="1050" dirty="0"/>
-              <a:t>Items:2000</a:t>
-            </a:r>
-          </a:p>
-          <a:p>
-            <a:r>
-              <a:rPr lang="en-US" altLang="zh-CN" sz="1050" dirty="0"/>
-              <a:t>White Items:5000</a:t>
-            </a:r>
-          </a:p>
-          <a:p>
-            <a:r>
-              <a:rPr lang="en-US" altLang="zh-CN" sz="1050" dirty="0"/>
-              <a:t>----------------------------------------</a:t>
-            </a:r>
-          </a:p>
-          <a:p>
-            <a:r>
-              <a:rPr lang="en-US" altLang="zh-CN" sz="1050" dirty="0" smtClean="0"/>
-              <a:t>M\C</a:t>
-            </a:r>
-            <a:r>
-              <a:rPr lang="en-US" altLang="zh-CN" sz="1050" dirty="0"/>
-              <a:t>	Black	White	Total	Rate</a:t>
-            </a:r>
-          </a:p>
-          <a:p>
-            <a:r>
-              <a:rPr lang="en-US" altLang="zh-CN" sz="1050" dirty="0"/>
-              <a:t>Black	260	1218	1478	17.59%</a:t>
-            </a:r>
-          </a:p>
-          <a:p>
+              <a:t>	260	1218	1478	17.59%</a:t>
+            </a:r>
+          </a:p>
+          <a:p>
+            <a:pPr marL="0" indent="0">
+              <a:buNone/>
+            </a:pPr>
             <a:r>
               <a:rPr lang="en-US" altLang="zh-CN" sz="1050" dirty="0"/>
               <a:t>White	160	9005	9165	98.25%</a:t>
             </a:r>
           </a:p>
           <a:p>
+            <a:pPr marL="0" indent="0">
+              <a:buNone/>
+            </a:pPr>
             <a:r>
               <a:rPr lang="en-US" altLang="zh-CN" sz="1050" dirty="0"/>
               <a:t>Total	420	10223	10643</a:t>
             </a:r>
           </a:p>
           <a:p>
+            <a:pPr marL="0" indent="0">
+              <a:buNone/>
+            </a:pPr>
             <a:r>
               <a:rPr lang="en-US" altLang="zh-CN" sz="1050" dirty="0"/>
-              <a:t>Rate	61.90%	88.09%		87.05%</a:t>
-            </a:r>
-          </a:p>
-          <a:p>
+              <a:t>Prec </a:t>
+            </a:r>
             <a:r>
               <a:rPr lang="en-US" altLang="zh-CN" sz="1050" dirty="0"/>
-              <a:t>----------------------------------------</a:t>
-            </a:r>
+              <a:t>	61.90%	88.09%		87.05%</a:t>
+            </a:r>
+          </a:p>
+          <a:p>
             <a:endParaRPr lang="en-US" altLang="zh-CN" sz="1050" dirty="0" smtClean="0"/>
           </a:p>
           <a:p>
@@ -13551,7 +14721,7 @@
         </p:nvSpPr>
         <p:spPr>
           <a:xfrm>
-            <a:off x="4572000" y="1524000"/>
+            <a:off x="4572000" y="1570037"/>
             <a:ext cx="4419600" cy="4525963"/>
           </a:xfrm>
           <a:prstGeom prst="rect">
@@ -13700,125 +14870,175 @@
             </a:lvl9pPr>
           </a:lstStyle>
           <a:p>
+            <a:pPr marL="0" indent="0">
+              <a:buNone/>
+            </a:pPr>
             <a:r>
               <a:rPr lang="en-US" altLang="zh-CN" sz="1050" dirty="0"/>
               <a:t>Black Items:5000</a:t>
             </a:r>
           </a:p>
           <a:p>
+            <a:pPr marL="0" indent="0">
+              <a:buNone/>
+            </a:pPr>
             <a:r>
               <a:rPr lang="en-US" altLang="zh-CN" sz="1050" dirty="0"/>
               <a:t>White Items:2000</a:t>
             </a:r>
           </a:p>
           <a:p>
+            <a:pPr marL="0" indent="0">
+              <a:buNone/>
+            </a:pPr>
+            <a:endParaRPr lang="en-US" altLang="zh-CN" sz="1050" dirty="0" smtClean="0"/>
+          </a:p>
+          <a:p>
+            <a:pPr marL="0" indent="0">
+              <a:buNone/>
+            </a:pPr>
             <a:r>
               <a:rPr lang="en-US" altLang="zh-CN" sz="1050" dirty="0"/>
-              <a:t>----------------------------------------</a:t>
-            </a:r>
-          </a:p>
-          <a:p>
+              <a:t>Man\Com	Black	White	Total	Recall</a:t>
+            </a:r>
+          </a:p>
+          <a:p>
+            <a:pPr marL="0" indent="0">
+              <a:buNone/>
+            </a:pPr>
             <a:r>
               <a:rPr lang="en-US" altLang="zh-CN" sz="1050" dirty="0" smtClean="0"/>
-              <a:t>M\C</a:t>
+              <a:t>Black</a:t>
             </a:r>
             <a:r>
               <a:rPr lang="en-US" altLang="zh-CN" sz="1050" dirty="0"/>
-              <a:t>	Black	White	Total	Rate</a:t>
-            </a:r>
-          </a:p>
-          <a:p>
-            <a:r>
-              <a:rPr lang="en-US" altLang="zh-CN" sz="1050" dirty="0"/>
-              <a:t>Black	435	1043	1478	29.43%</a:t>
-            </a:r>
-          </a:p>
-          <a:p>
+              <a:t>	435	1043	1478	29.43%</a:t>
+            </a:r>
+          </a:p>
+          <a:p>
+            <a:pPr marL="0" indent="0">
+              <a:buNone/>
+            </a:pPr>
             <a:r>
               <a:rPr lang="en-US" altLang="zh-CN" sz="1050" dirty="0"/>
               <a:t>White	303	8862	9165	96.69%</a:t>
             </a:r>
           </a:p>
           <a:p>
+            <a:pPr marL="0" indent="0">
+              <a:buNone/>
+            </a:pPr>
             <a:r>
               <a:rPr lang="en-US" altLang="zh-CN" sz="1050" dirty="0"/>
               <a:t>Total	738	9905	10643</a:t>
             </a:r>
           </a:p>
           <a:p>
+            <a:pPr marL="0" indent="0">
+              <a:buNone/>
+            </a:pPr>
             <a:r>
               <a:rPr lang="en-US" altLang="zh-CN" sz="1050" dirty="0"/>
-              <a:t>Rate	58.94%	89.47%		87.35%</a:t>
-            </a:r>
-          </a:p>
-          <a:p>
+              <a:t>Prec </a:t>
+            </a:r>
             <a:r>
               <a:rPr lang="en-US" altLang="zh-CN" sz="1050" dirty="0"/>
-              <a:t>----------------------------------------</a:t>
-            </a:r>
-          </a:p>
-          <a:p>
+              <a:t>	58.94%	89.47%		87.35%</a:t>
+            </a:r>
+          </a:p>
+          <a:p>
+            <a:pPr marL="0" indent="0">
+              <a:buNone/>
+            </a:pPr>
             <a:endParaRPr lang="en-US" altLang="zh-CN" sz="1050" dirty="0" smtClean="0"/>
           </a:p>
           <a:p>
+            <a:pPr marL="0" indent="0">
+              <a:buNone/>
+            </a:pPr>
+            <a:endParaRPr lang="en-US" altLang="zh-CN" sz="1050" dirty="0" smtClean="0"/>
+          </a:p>
+          <a:p>
+            <a:pPr marL="0" indent="0">
+              <a:buNone/>
+            </a:pPr>
             <a:endParaRPr lang="en-US" altLang="zh-CN" sz="1050" dirty="0"/>
           </a:p>
           <a:p>
+            <a:pPr marL="0" indent="0">
+              <a:buNone/>
+            </a:pPr>
             <a:r>
               <a:rPr lang="en-US" altLang="zh-CN" sz="1050" dirty="0"/>
               <a:t>Black Items:2000</a:t>
             </a:r>
           </a:p>
           <a:p>
+            <a:pPr marL="0" indent="0">
+              <a:buNone/>
+            </a:pPr>
             <a:r>
               <a:rPr lang="en-US" altLang="zh-CN" sz="1050" dirty="0"/>
               <a:t>White Items:2000</a:t>
             </a:r>
           </a:p>
           <a:p>
+            <a:pPr marL="0" indent="0">
+              <a:buNone/>
+            </a:pPr>
+            <a:endParaRPr lang="en-US" altLang="zh-CN" sz="1050" dirty="0" smtClean="0"/>
+          </a:p>
+          <a:p>
+            <a:pPr marL="0" indent="0">
+              <a:buNone/>
+            </a:pPr>
             <a:r>
               <a:rPr lang="en-US" altLang="zh-CN" sz="1050" dirty="0"/>
-              <a:t>----------------------------------------</a:t>
-            </a:r>
-          </a:p>
-          <a:p>
+              <a:t>Man\Com	Black	White	Total	Recall</a:t>
+            </a:r>
+          </a:p>
+          <a:p>
+            <a:pPr marL="0" indent="0">
+              <a:buNone/>
+            </a:pPr>
             <a:r>
               <a:rPr lang="en-US" altLang="zh-CN" sz="1050" dirty="0" smtClean="0"/>
-              <a:t>M\C</a:t>
+              <a:t>Black</a:t>
             </a:r>
             <a:r>
               <a:rPr lang="en-US" altLang="zh-CN" sz="1050" dirty="0"/>
-              <a:t>	Black	White	Total	Rate</a:t>
-            </a:r>
-          </a:p>
-          <a:p>
-            <a:r>
-              <a:rPr lang="en-US" altLang="zh-CN" sz="1050" dirty="0"/>
-              <a:t>Black	261	1217	1478	17.66%</a:t>
-            </a:r>
-          </a:p>
-          <a:p>
+              <a:t>	261	1217	1478	17.66%</a:t>
+            </a:r>
+          </a:p>
+          <a:p>
+            <a:pPr marL="0" indent="0">
+              <a:buNone/>
+            </a:pPr>
             <a:r>
               <a:rPr lang="en-US" altLang="zh-CN" sz="1050" dirty="0"/>
               <a:t>White	176	8989	9165	98.08%</a:t>
             </a:r>
           </a:p>
           <a:p>
+            <a:pPr marL="0" indent="0">
+              <a:buNone/>
+            </a:pPr>
             <a:r>
               <a:rPr lang="en-US" altLang="zh-CN" sz="1050" dirty="0"/>
               <a:t>Total	437	10206	10643</a:t>
             </a:r>
           </a:p>
           <a:p>
+            <a:pPr marL="0" indent="0">
+              <a:buNone/>
+            </a:pPr>
             <a:r>
               <a:rPr lang="en-US" altLang="zh-CN" sz="1050" dirty="0"/>
-              <a:t>Rate	59.73%	88.08%		86.91%</a:t>
-            </a:r>
-          </a:p>
-          <a:p>
+              <a:t>Prec </a:t>
+            </a:r>
             <a:r>
               <a:rPr lang="en-US" altLang="zh-CN" sz="1050" dirty="0"/>
-              <a:t>----------------------------------------</a:t>
+              <a:t>	59.73%	88.08%		86.91%</a:t>
             </a:r>
           </a:p>
           <a:p>
@@ -13901,57 +15121,88 @@
           </a:bodyPr>
           <a:lstStyle/>
           <a:p>
+            <a:pPr marL="0" indent="0">
+              <a:buNone/>
+            </a:pPr>
             <a:r>
               <a:rPr lang="en-US" altLang="zh-CN" sz="1050" dirty="0"/>
               <a:t>Black Items:5000</a:t>
             </a:r>
           </a:p>
           <a:p>
+            <a:pPr marL="0" indent="0">
+              <a:buNone/>
+            </a:pPr>
             <a:r>
               <a:rPr lang="en-US" altLang="zh-CN" sz="1050" dirty="0"/>
-              <a:t>White Items:5000</a:t>
-            </a:r>
-          </a:p>
-          <a:p>
+              <a:t>White </a:t>
+            </a:r>
+            <a:r>
+              <a:rPr lang="en-US" altLang="zh-CN" sz="1050" dirty="0" smtClean="0"/>
+              <a:t>Items:5000</a:t>
+            </a:r>
+          </a:p>
+          <a:p>
+            <a:pPr marL="0" indent="0">
+              <a:buNone/>
+            </a:pPr>
+            <a:endParaRPr lang="en-US" altLang="zh-CN" sz="1050" dirty="0"/>
+          </a:p>
+          <a:p>
+            <a:pPr marL="0" indent="0">
+              <a:buNone/>
+            </a:pPr>
+            <a:r>
+              <a:rPr lang="en-US" altLang="zh-CN" sz="1050" dirty="0" smtClean="0"/>
+              <a:t>Man\Com</a:t>
+            </a:r>
             <a:r>
               <a:rPr lang="en-US" altLang="zh-CN" sz="1050" dirty="0"/>
-              <a:t>----------------------------------------</a:t>
-            </a:r>
-          </a:p>
-          <a:p>
+              <a:t>	Black	White	Total	Recall</a:t>
+            </a:r>
+          </a:p>
+          <a:p>
+            <a:pPr marL="0" indent="0">
+              <a:buNone/>
+            </a:pPr>
+            <a:r>
+              <a:rPr lang="en-US" altLang="zh-CN" sz="1050" dirty="0" smtClean="0"/>
+              <a:t>Black</a:t>
+            </a:r>
             <a:r>
               <a:rPr lang="en-US" altLang="zh-CN" sz="1050" dirty="0"/>
-              <a:t>M\C	Black	White	Total	Rate</a:t>
-            </a:r>
-          </a:p>
-          <a:p>
-            <a:r>
-              <a:rPr lang="en-US" altLang="zh-CN" sz="1050" dirty="0"/>
-              <a:t>Black	1212	266	1478	82.00%</a:t>
-            </a:r>
-          </a:p>
-          <a:p>
+              <a:t>	1212	266	1478	82.00%</a:t>
+            </a:r>
+          </a:p>
+          <a:p>
+            <a:pPr marL="0" indent="0">
+              <a:buNone/>
+            </a:pPr>
             <a:r>
               <a:rPr lang="en-US" altLang="zh-CN" sz="1050" dirty="0"/>
               <a:t>White	677	8488	9165	92.61%</a:t>
             </a:r>
           </a:p>
           <a:p>
+            <a:pPr marL="0" indent="0">
+              <a:buNone/>
+            </a:pPr>
             <a:r>
               <a:rPr lang="en-US" altLang="zh-CN" sz="1050" dirty="0"/>
               <a:t>Total	1889	8754	10643</a:t>
             </a:r>
           </a:p>
           <a:p>
+            <a:pPr marL="0" indent="0">
+              <a:buNone/>
+            </a:pPr>
+            <a:r>
+              <a:rPr lang="en-US" altLang="zh-CN" sz="1050" dirty="0" smtClean="0"/>
+              <a:t>Prec</a:t>
+            </a:r>
             <a:r>
               <a:rPr lang="en-US" altLang="zh-CN" sz="1050" dirty="0"/>
-              <a:t>Rate	64.16%	96.96%		91.14%</a:t>
-            </a:r>
-          </a:p>
-          <a:p>
-            <a:r>
-              <a:rPr lang="en-US" altLang="zh-CN" sz="1050" dirty="0"/>
-              <a:t>----------------------------------------</a:t>
+              <a:t>	64.16%	96.96%		91.14%</a:t>
             </a:r>
           </a:p>
           <a:p>
@@ -13961,9 +15212,21 @@
             <a:endParaRPr lang="en-US" altLang="zh-CN" sz="1050" dirty="0" smtClean="0"/>
           </a:p>
           <a:p>
+            <a:pPr marL="0" indent="0">
+              <a:buNone/>
+            </a:pPr>
+            <a:endParaRPr lang="en-US" altLang="zh-CN" sz="1050" dirty="0" smtClean="0"/>
+          </a:p>
+          <a:p>
+            <a:pPr marL="0" indent="0">
+              <a:buNone/>
+            </a:pPr>
             <a:endParaRPr lang="en-US" altLang="zh-CN" sz="1050" dirty="0"/>
           </a:p>
           <a:p>
+            <a:pPr marL="0" indent="0">
+              <a:buNone/>
+            </a:pPr>
             <a:r>
               <a:rPr lang="en-US" altLang="zh-CN" sz="1050" dirty="0" smtClean="0"/>
               <a:t>Black </a:t>
@@ -13974,52 +15237,83 @@
             </a:r>
           </a:p>
           <a:p>
+            <a:pPr marL="0" indent="0">
+              <a:buNone/>
+            </a:pPr>
             <a:r>
               <a:rPr lang="en-US" altLang="zh-CN" sz="1050" dirty="0"/>
-              <a:t>White Items:5000</a:t>
-            </a:r>
-          </a:p>
-          <a:p>
+              <a:t>White </a:t>
+            </a:r>
+            <a:r>
+              <a:rPr lang="en-US" altLang="zh-CN" sz="1050" dirty="0" smtClean="0"/>
+              <a:t>Items:5000</a:t>
+            </a:r>
+          </a:p>
+          <a:p>
+            <a:pPr marL="0" indent="0">
+              <a:buNone/>
+            </a:pPr>
+            <a:endParaRPr lang="en-US" altLang="zh-CN" sz="1050" dirty="0"/>
+          </a:p>
+          <a:p>
+            <a:pPr marL="0" indent="0">
+              <a:buNone/>
+            </a:pPr>
+            <a:r>
+              <a:rPr lang="en-US" altLang="zh-CN" sz="1050" dirty="0" smtClean="0"/>
+              <a:t>Man\Com</a:t>
+            </a:r>
             <a:r>
               <a:rPr lang="en-US" altLang="zh-CN" sz="1050" dirty="0"/>
-              <a:t>----------------------------------------</a:t>
-            </a:r>
-          </a:p>
-          <a:p>
+              <a:t>	Black	White	Total	Recall</a:t>
+            </a:r>
+          </a:p>
+          <a:p>
+            <a:pPr marL="0" indent="0">
+              <a:buNone/>
+            </a:pPr>
+            <a:r>
+              <a:rPr lang="en-US" altLang="zh-CN" sz="1050" dirty="0" smtClean="0"/>
+              <a:t>Black</a:t>
+            </a:r>
             <a:r>
               <a:rPr lang="en-US" altLang="zh-CN" sz="1050" dirty="0"/>
-              <a:t>M\C	Black	White	Total	Rate</a:t>
-            </a:r>
-          </a:p>
-          <a:p>
-            <a:r>
-              <a:rPr lang="en-US" altLang="zh-CN" sz="1050" dirty="0"/>
-              <a:t>Black	1080	398	1478	73.07%</a:t>
-            </a:r>
-          </a:p>
-          <a:p>
+              <a:t>	1080	398	1478	73.07%</a:t>
+            </a:r>
+          </a:p>
+          <a:p>
+            <a:pPr marL="0" indent="0">
+              <a:buNone/>
+            </a:pPr>
             <a:r>
               <a:rPr lang="en-US" altLang="zh-CN" sz="1050" dirty="0"/>
               <a:t>White	27	9138	9165	99.71%</a:t>
             </a:r>
           </a:p>
           <a:p>
+            <a:pPr marL="0" indent="0">
+              <a:buNone/>
+            </a:pPr>
             <a:r>
               <a:rPr lang="en-US" altLang="zh-CN" sz="1050" dirty="0"/>
               <a:t>Total	1107	9536	10643</a:t>
             </a:r>
           </a:p>
           <a:p>
+            <a:pPr marL="0" indent="0">
+              <a:buNone/>
+            </a:pPr>
             <a:r>
               <a:rPr lang="en-US" altLang="zh-CN" sz="1050" dirty="0"/>
-              <a:t>Rate	97.56%	95.83%		96.01%</a:t>
-            </a:r>
-          </a:p>
-          <a:p>
-            <a:r>
-              <a:rPr lang="en-US" altLang="zh-CN" sz="1050" dirty="0" smtClean="0"/>
-              <a:t>----------------------------------------</a:t>
-            </a:r>
+              <a:t>Prec </a:t>
+            </a:r>
+            <a:r>
+              <a:rPr lang="en-US" altLang="zh-CN" sz="1050" dirty="0"/>
+              <a:t>	97.56%	95.83%		96.01%</a:t>
+            </a:r>
+          </a:p>
+          <a:p>
+            <a:endParaRPr lang="en-US" altLang="zh-CN" sz="1050" dirty="0" smtClean="0"/>
           </a:p>
           <a:p>
             <a:endParaRPr lang="en-US" altLang="zh-CN" sz="1050" dirty="0"/>
@@ -14203,70 +15497,108 @@
             </a:lvl9pPr>
           </a:lstStyle>
           <a:p>
+            <a:pPr marL="0" indent="0">
+              <a:buNone/>
+            </a:pPr>
             <a:r>
               <a:rPr lang="en-US" altLang="zh-CN" sz="1050" dirty="0"/>
               <a:t>Black Items:5000</a:t>
             </a:r>
           </a:p>
           <a:p>
+            <a:pPr marL="0" indent="0">
+              <a:buNone/>
+            </a:pPr>
             <a:r>
               <a:rPr lang="en-US" altLang="zh-CN" sz="1050" dirty="0"/>
               <a:t>White Items:2000</a:t>
             </a:r>
           </a:p>
           <a:p>
+            <a:pPr marL="0" indent="0">
+              <a:buNone/>
+            </a:pPr>
+            <a:endParaRPr lang="en-US" altLang="zh-CN" sz="1050" dirty="0" smtClean="0"/>
+          </a:p>
+          <a:p>
+            <a:pPr marL="0" indent="0">
+              <a:buNone/>
+            </a:pPr>
+            <a:r>
+              <a:rPr lang="en-US" altLang="zh-CN" sz="1050" dirty="0" smtClean="0"/>
+              <a:t>Man\Com</a:t>
+            </a:r>
             <a:r>
               <a:rPr lang="en-US" altLang="zh-CN" sz="1050" dirty="0"/>
-              <a:t>----------------------------------------</a:t>
-            </a:r>
-          </a:p>
-          <a:p>
+              <a:t>	Black	White	Total	Recall</a:t>
+            </a:r>
+          </a:p>
+          <a:p>
+            <a:pPr marL="0" indent="0">
+              <a:buNone/>
+            </a:pPr>
             <a:r>
               <a:rPr lang="en-US" altLang="zh-CN" sz="1050" dirty="0" smtClean="0"/>
-              <a:t>M\C</a:t>
+              <a:t>Black</a:t>
             </a:r>
             <a:r>
               <a:rPr lang="en-US" altLang="zh-CN" sz="1050" dirty="0"/>
-              <a:t>	Black	White	Total	Rate</a:t>
-            </a:r>
-          </a:p>
-          <a:p>
-            <a:r>
-              <a:rPr lang="en-US" altLang="zh-CN" sz="1050" dirty="0"/>
-              <a:t>Black	1454	24	1478	98.38%</a:t>
-            </a:r>
-          </a:p>
-          <a:p>
+              <a:t>	1454	24	1478	98.38%</a:t>
+            </a:r>
+          </a:p>
+          <a:p>
+            <a:pPr marL="0" indent="0">
+              <a:buNone/>
+            </a:pPr>
             <a:r>
               <a:rPr lang="en-US" altLang="zh-CN" sz="1050" dirty="0"/>
               <a:t>White	8507	658	9165	7.18%</a:t>
             </a:r>
           </a:p>
           <a:p>
+            <a:pPr marL="0" indent="0">
+              <a:buNone/>
+            </a:pPr>
             <a:r>
               <a:rPr lang="en-US" altLang="zh-CN" sz="1050" dirty="0"/>
               <a:t>Total	9961	682	10643</a:t>
             </a:r>
           </a:p>
           <a:p>
+            <a:pPr marL="0" indent="0">
+              <a:buNone/>
+            </a:pPr>
             <a:r>
               <a:rPr lang="en-US" altLang="zh-CN" sz="1050" dirty="0"/>
-              <a:t>Rate	14.60%	96.48%		19.84%</a:t>
-            </a:r>
-          </a:p>
-          <a:p>
+              <a:t>Prec </a:t>
+            </a:r>
             <a:r>
               <a:rPr lang="en-US" altLang="zh-CN" sz="1050" dirty="0"/>
-              <a:t>----------------------------------------</a:t>
-            </a:r>
-          </a:p>
-          <a:p>
+              <a:t>	14.60%	96.48%		19.84%</a:t>
+            </a:r>
+          </a:p>
+          <a:p>
+            <a:pPr marL="0" indent="0">
+              <a:buNone/>
+            </a:pPr>
             <a:endParaRPr lang="en-US" altLang="zh-CN" sz="1050" dirty="0" smtClean="0"/>
           </a:p>
           <a:p>
+            <a:pPr marL="0" indent="0">
+              <a:buNone/>
+            </a:pPr>
+            <a:endParaRPr lang="en-US" altLang="zh-CN" sz="1050" dirty="0" smtClean="0"/>
+          </a:p>
+          <a:p>
+            <a:pPr marL="0" indent="0">
+              <a:buNone/>
+            </a:pPr>
             <a:endParaRPr lang="en-US" altLang="zh-CN" sz="1050" dirty="0"/>
           </a:p>
           <a:p>
+            <a:pPr marL="0" indent="0">
+              <a:buNone/>
+            </a:pPr>
             <a:r>
               <a:rPr lang="en-US" altLang="zh-CN" sz="1050" dirty="0" smtClean="0"/>
               <a:t>Black </a:t>
@@ -14277,59 +15609,81 @@
             </a:r>
           </a:p>
           <a:p>
+            <a:pPr marL="0" indent="0">
+              <a:buNone/>
+            </a:pPr>
             <a:r>
               <a:rPr lang="en-US" altLang="zh-CN" sz="1050" dirty="0"/>
               <a:t>White Items:5000</a:t>
             </a:r>
           </a:p>
           <a:p>
+            <a:pPr marL="0" indent="0">
+              <a:buNone/>
+            </a:pPr>
+            <a:endParaRPr lang="en-US" altLang="zh-CN" sz="1050" dirty="0" smtClean="0"/>
+          </a:p>
+          <a:p>
+            <a:pPr marL="0" indent="0">
+              <a:buNone/>
+            </a:pPr>
+            <a:r>
+              <a:rPr lang="en-US" altLang="zh-CN" sz="1050" dirty="0" smtClean="0"/>
+              <a:t>Man\Com</a:t>
+            </a:r>
             <a:r>
               <a:rPr lang="en-US" altLang="zh-CN" sz="1050" dirty="0"/>
-              <a:t>----------------------------------------</a:t>
-            </a:r>
-          </a:p>
-          <a:p>
+              <a:t>	Black	White	Total	Recall</a:t>
+            </a:r>
+          </a:p>
+          <a:p>
+            <a:pPr marL="0" indent="0">
+              <a:buNone/>
+            </a:pPr>
             <a:r>
               <a:rPr lang="en-US" altLang="zh-CN" sz="1050" dirty="0" smtClean="0"/>
-              <a:t>M\C</a:t>
+              <a:t>Black</a:t>
             </a:r>
             <a:r>
               <a:rPr lang="en-US" altLang="zh-CN" sz="1050" dirty="0"/>
-              <a:t>	Black	White	Total	Rate</a:t>
-            </a:r>
-          </a:p>
-          <a:p>
-            <a:r>
-              <a:rPr lang="en-US" altLang="zh-CN" sz="1050" dirty="0"/>
-              <a:t>Black	924	554	1478	62.52%</a:t>
-            </a:r>
-          </a:p>
-          <a:p>
+              <a:t>	924	554	1478	62.52%</a:t>
+            </a:r>
+          </a:p>
+          <a:p>
+            <a:pPr marL="0" indent="0">
+              <a:buNone/>
+            </a:pPr>
             <a:r>
               <a:rPr lang="en-US" altLang="zh-CN" sz="1050" dirty="0"/>
               <a:t>White	6	9159	9165	99.93%</a:t>
             </a:r>
           </a:p>
           <a:p>
+            <a:pPr marL="0" indent="0">
+              <a:buNone/>
+            </a:pPr>
             <a:r>
               <a:rPr lang="en-US" altLang="zh-CN" sz="1050" dirty="0"/>
               <a:t>Total	930	9713	10643</a:t>
             </a:r>
           </a:p>
           <a:p>
+            <a:pPr marL="0" indent="0">
+              <a:buNone/>
+            </a:pPr>
             <a:r>
               <a:rPr lang="en-US" altLang="zh-CN" sz="1050" dirty="0"/>
-              <a:t>Rate	99.35%	94.30%		94.74%</a:t>
-            </a:r>
-          </a:p>
-          <a:p>
+              <a:t>Prec </a:t>
+            </a:r>
             <a:r>
               <a:rPr lang="en-US" altLang="zh-CN" sz="1050" dirty="0"/>
-              <a:t>----------------------------------------</a:t>
-            </a:r>
-            <a:endParaRPr lang="zh-CN" altLang="en-US" sz="1050" dirty="0"/>
-          </a:p>
-          <a:p>
+              <a:t>	99.35%	94.30%		94.74%</a:t>
+            </a:r>
+          </a:p>
+          <a:p>
+            <a:pPr marL="0" indent="0">
+              <a:buNone/>
+            </a:pPr>
             <a:endParaRPr lang="en-US" altLang="zh-CN" sz="1050" dirty="0" smtClean="0"/>
           </a:p>
           <a:p>
@@ -16188,6 +17542,21 @@
 </file>
 
 <file path=customXml/item1.xml><?xml version="1.0" encoding="utf-8"?>
+<p:properties xmlns:p="http://schemas.microsoft.com/office/2006/metadata/properties" xmlns:xsi="http://www.w3.org/2001/XMLSchema-instance" xmlns:pc="http://schemas.microsoft.com/office/infopath/2007/PartnerControls">
+  <documentManagement/>
+</p:properties>
+</file>
+
+<file path=customXml/item2.xml><?xml version="1.0" encoding="utf-8"?>
+<?mso-contentType ?>
+<FormTemplates xmlns="http://schemas.microsoft.com/sharepoint/v3/contenttype/forms">
+  <Display>DocumentLibraryForm</Display>
+  <Edit>DocumentLibraryForm</Edit>
+  <New>DocumentLibraryForm</New>
+</FormTemplates>
+</file>
+
+<file path=customXml/item3.xml><?xml version="1.0" encoding="utf-8"?>
 <ct:contentTypeSchema xmlns:ct="http://schemas.microsoft.com/office/2006/metadata/contentType" xmlns:ma="http://schemas.microsoft.com/office/2006/metadata/properties/metaAttributes" ct:_="" ma:_="" ma:contentTypeName="Document" ma:contentTypeID="0x0101005C025D7F14A2974D948D23CCC93ACBF0" ma:contentTypeVersion="0" ma:contentTypeDescription="Create a new document." ma:contentTypeScope="" ma:versionID="1b4b7c2d6970fff6ddccdf1eb18bb2fc">
   <xsd:schema xmlns:xsd="http://www.w3.org/2001/XMLSchema" xmlns:xs="http://www.w3.org/2001/XMLSchema" xmlns:p="http://schemas.microsoft.com/office/2006/metadata/properties" targetNamespace="http://schemas.microsoft.com/office/2006/metadata/properties" ma:root="true" ma:fieldsID="aa1222beb234debe96d12a98d24ff8a0">
     <xsd:element name="properties">
@@ -16301,22 +17670,30 @@
 </ct:contentTypeSchema>
 </file>
 
-<file path=customXml/item2.xml><?xml version="1.0" encoding="utf-8"?>
-<?mso-contentType ?>
-<FormTemplates xmlns="http://schemas.microsoft.com/sharepoint/v3/contenttype/forms">
-  <Display>DocumentLibraryForm</Display>
-  <Edit>DocumentLibraryForm</Edit>
-  <New>DocumentLibraryForm</New>
-</FormTemplates>
+<file path=customXml/itemProps1.xml><?xml version="1.0" encoding="utf-8"?>
+<ds:datastoreItem xmlns:ds="http://schemas.openxmlformats.org/officeDocument/2006/customXml" ds:itemID="{3297F4EF-AF82-42A2-B9A0-FD2DAF890393}">
+  <ds:schemaRefs>
+    <ds:schemaRef ds:uri="http://purl.org/dc/terms/"/>
+    <ds:schemaRef ds:uri="http://purl.org/dc/elements/1.1/"/>
+    <ds:schemaRef ds:uri="http://schemas.microsoft.com/office/2006/metadata/properties"/>
+    <ds:schemaRef ds:uri="http://purl.org/dc/dcmitype/"/>
+    <ds:schemaRef ds:uri="http://schemas.microsoft.com/office/2006/documentManagement/types"/>
+    <ds:schemaRef ds:uri="http://schemas.microsoft.com/office/infopath/2007/PartnerControls"/>
+    <ds:schemaRef ds:uri="http://schemas.openxmlformats.org/package/2006/metadata/core-properties"/>
+    <ds:schemaRef ds:uri="http://www.w3.org/XML/1998/namespace"/>
+  </ds:schemaRefs>
+</ds:datastoreItem>
 </file>
 
-<file path=customXml/item3.xml><?xml version="1.0" encoding="utf-8"?>
-<p:properties xmlns:p="http://schemas.microsoft.com/office/2006/metadata/properties" xmlns:xsi="http://www.w3.org/2001/XMLSchema-instance" xmlns:pc="http://schemas.microsoft.com/office/infopath/2007/PartnerControls">
-  <documentManagement/>
-</p:properties>
+<file path=customXml/itemProps2.xml><?xml version="1.0" encoding="utf-8"?>
+<ds:datastoreItem xmlns:ds="http://schemas.openxmlformats.org/officeDocument/2006/customXml" ds:itemID="{6558020E-15B7-486E-9B73-7F69A4A83604}">
+  <ds:schemaRefs>
+    <ds:schemaRef ds:uri="http://schemas.microsoft.com/sharepoint/v3/contenttype/forms"/>
+  </ds:schemaRefs>
+</ds:datastoreItem>
 </file>
 
-<file path=customXml/itemProps1.xml><?xml version="1.0" encoding="utf-8"?>
+<file path=customXml/itemProps3.xml><?xml version="1.0" encoding="utf-8"?>
 <ds:datastoreItem xmlns:ds="http://schemas.openxmlformats.org/officeDocument/2006/customXml" ds:itemID="{5C55BE02-7664-46FF-87E5-862D8CF6FFD9}">
   <ds:schemaRefs>
     <ds:schemaRef ds:uri="http://schemas.microsoft.com/office/2006/metadata/contentType"/>
@@ -16330,27 +17707,4 @@
     <ds:schemaRef ds:uri="http://schemas.microsoft.com/office/infopath/2007/PartnerControls"/>
   </ds:schemaRefs>
 </ds:datastoreItem>
-</file>
-
-<file path=customXml/itemProps2.xml><?xml version="1.0" encoding="utf-8"?>
-<ds:datastoreItem xmlns:ds="http://schemas.openxmlformats.org/officeDocument/2006/customXml" ds:itemID="{6558020E-15B7-486E-9B73-7F69A4A83604}">
-  <ds:schemaRefs>
-    <ds:schemaRef ds:uri="http://schemas.microsoft.com/sharepoint/v3/contenttype/forms"/>
-  </ds:schemaRefs>
-</ds:datastoreItem>
-</file>
-
-<file path=customXml/itemProps3.xml><?xml version="1.0" encoding="utf-8"?>
-<ds:datastoreItem xmlns:ds="http://schemas.openxmlformats.org/officeDocument/2006/customXml" ds:itemID="{3297F4EF-AF82-42A2-B9A0-FD2DAF890393}">
-  <ds:schemaRefs>
-    <ds:schemaRef ds:uri="http://purl.org/dc/terms/"/>
-    <ds:schemaRef ds:uri="http://purl.org/dc/elements/1.1/"/>
-    <ds:schemaRef ds:uri="http://schemas.microsoft.com/office/2006/metadata/properties"/>
-    <ds:schemaRef ds:uri="http://purl.org/dc/dcmitype/"/>
-    <ds:schemaRef ds:uri="http://schemas.microsoft.com/office/2006/documentManagement/types"/>
-    <ds:schemaRef ds:uri="http://schemas.microsoft.com/office/infopath/2007/PartnerControls"/>
-    <ds:schemaRef ds:uri="http://schemas.openxmlformats.org/package/2006/metadata/core-properties"/>
-    <ds:schemaRef ds:uri="http://www.w3.org/XML/1998/namespace"/>
-  </ds:schemaRefs>
-</ds:datastoreItem>
 </file>
--- a/_Paper/X.最终毕业论文/Spam Detection Classifier.pptx
+++ b/_Paper/X.最终毕业论文/Spam Detection Classifier.pptx
@@ -3196,7 +3196,7 @@
             <a:fld id="{1D8BD707-D9CF-40AE-B4C6-C98DA3205C09}" type="datetimeFigureOut">
               <a:rPr lang="en-US" smtClean="0"/>
               <a:pPr/>
-              <a:t>10/24/2013</a:t>
+              <a:t>12/11/2013</a:t>
             </a:fld>
             <a:endParaRPr lang="en-US"/>
           </a:p>
@@ -3363,7 +3363,7 @@
             <a:fld id="{1D8BD707-D9CF-40AE-B4C6-C98DA3205C09}" type="datetimeFigureOut">
               <a:rPr lang="en-US" smtClean="0"/>
               <a:pPr/>
-              <a:t>10/24/2013</a:t>
+              <a:t>12/11/2013</a:t>
             </a:fld>
             <a:endParaRPr lang="en-US"/>
           </a:p>
@@ -3540,7 +3540,7 @@
             <a:fld id="{1D8BD707-D9CF-40AE-B4C6-C98DA3205C09}" type="datetimeFigureOut">
               <a:rPr lang="en-US" smtClean="0"/>
               <a:pPr/>
-              <a:t>10/24/2013</a:t>
+              <a:t>12/11/2013</a:t>
             </a:fld>
             <a:endParaRPr lang="en-US"/>
           </a:p>
@@ -3707,7 +3707,7 @@
             <a:fld id="{1D8BD707-D9CF-40AE-B4C6-C98DA3205C09}" type="datetimeFigureOut">
               <a:rPr lang="en-US" smtClean="0"/>
               <a:pPr/>
-              <a:t>10/24/2013</a:t>
+              <a:t>12/11/2013</a:t>
             </a:fld>
             <a:endParaRPr lang="en-US"/>
           </a:p>
@@ -3950,7 +3950,7 @@
             <a:fld id="{1D8BD707-D9CF-40AE-B4C6-C98DA3205C09}" type="datetimeFigureOut">
               <a:rPr lang="en-US" smtClean="0"/>
               <a:pPr/>
-              <a:t>10/24/2013</a:t>
+              <a:t>12/11/2013</a:t>
             </a:fld>
             <a:endParaRPr lang="en-US"/>
           </a:p>
@@ -4235,7 +4235,7 @@
             <a:fld id="{1D8BD707-D9CF-40AE-B4C6-C98DA3205C09}" type="datetimeFigureOut">
               <a:rPr lang="en-US" smtClean="0"/>
               <a:pPr/>
-              <a:t>10/24/2013</a:t>
+              <a:t>12/11/2013</a:t>
             </a:fld>
             <a:endParaRPr lang="en-US"/>
           </a:p>
@@ -4654,7 +4654,7 @@
             <a:fld id="{1D8BD707-D9CF-40AE-B4C6-C98DA3205C09}" type="datetimeFigureOut">
               <a:rPr lang="en-US" smtClean="0"/>
               <a:pPr/>
-              <a:t>10/24/2013</a:t>
+              <a:t>12/11/2013</a:t>
             </a:fld>
             <a:endParaRPr lang="en-US"/>
           </a:p>
@@ -4769,7 +4769,7 @@
             <a:fld id="{1D8BD707-D9CF-40AE-B4C6-C98DA3205C09}" type="datetimeFigureOut">
               <a:rPr lang="en-US" smtClean="0"/>
               <a:pPr/>
-              <a:t>10/24/2013</a:t>
+              <a:t>12/11/2013</a:t>
             </a:fld>
             <a:endParaRPr lang="en-US"/>
           </a:p>
@@ -4861,7 +4861,7 @@
             <a:fld id="{1D8BD707-D9CF-40AE-B4C6-C98DA3205C09}" type="datetimeFigureOut">
               <a:rPr lang="en-US" smtClean="0"/>
               <a:pPr/>
-              <a:t>10/24/2013</a:t>
+              <a:t>12/11/2013</a:t>
             </a:fld>
             <a:endParaRPr lang="en-US"/>
           </a:p>
@@ -5135,7 +5135,7 @@
             <a:fld id="{1D8BD707-D9CF-40AE-B4C6-C98DA3205C09}" type="datetimeFigureOut">
               <a:rPr lang="en-US" smtClean="0"/>
               <a:pPr/>
-              <a:t>10/24/2013</a:t>
+              <a:t>12/11/2013</a:t>
             </a:fld>
             <a:endParaRPr lang="en-US"/>
           </a:p>
@@ -5385,7 +5385,7 @@
             <a:fld id="{1D8BD707-D9CF-40AE-B4C6-C98DA3205C09}" type="datetimeFigureOut">
               <a:rPr lang="en-US" smtClean="0"/>
               <a:pPr/>
-              <a:t>10/24/2013</a:t>
+              <a:t>12/11/2013</a:t>
             </a:fld>
             <a:endParaRPr lang="en-US"/>
           </a:p>
@@ -5595,7 +5595,7 @@
             <a:fld id="{1D8BD707-D9CF-40AE-B4C6-C98DA3205C09}" type="datetimeFigureOut">
               <a:rPr lang="en-US" smtClean="0"/>
               <a:pPr/>
-              <a:t>10/24/2013</a:t>
+              <a:t>12/11/2013</a:t>
             </a:fld>
             <a:endParaRPr lang="en-US"/>
           </a:p>
@@ -6766,13 +6766,13 @@
                             <a:rPr lang="en-US" altLang="zh-CN" sz="2100" i="1">
                               <a:latin typeface="Cambria Math"/>
                             </a:rPr>
-                            <m:t>𝑐𝑎𝑡𝑒</m:t>
+                            <m:t>𝑐𝑎𝑡𝑒𝑔</m:t>
                           </m:r>
                           <m:r>
                             <a:rPr lang="en-US" altLang="zh-CN" sz="2100" b="0" i="1" smtClean="0">
                               <a:latin typeface="Cambria Math"/>
                             </a:rPr>
-                            <m:t>𝑔𝑜𝑟𝑦</m:t>
+                            <m:t>𝑜𝑟𝑦</m:t>
                           </m:r>
                           <m:r>
                             <a:rPr lang="en-US" altLang="zh-CN" sz="2100" i="1">
@@ -12531,8 +12531,8 @@
           </a:p>
         </p:txBody>
       </p:sp>
-      <mc:AlternateContent xmlns:mc="http://schemas.openxmlformats.org/markup-compatibility/2006">
-        <mc:Choice xmlns:a14="http://schemas.microsoft.com/office/drawing/2010/main" Requires="a14">
+      <mc:AlternateContent xmlns:mc="http://schemas.openxmlformats.org/markup-compatibility/2006" xmlns:a14="http://schemas.microsoft.com/office/drawing/2010/main">
+        <mc:Choice Requires="a14">
           <p:sp>
             <p:nvSpPr>
               <p:cNvPr id="3" name="Content Placeholder 2"/>
@@ -13079,7 +13079,7 @@
             </p:txBody>
           </p:sp>
         </mc:Choice>
-        <mc:Fallback>
+        <mc:Fallback xmlns="">
           <p:sp>
             <p:nvSpPr>
               <p:cNvPr id="3" name="Content Placeholder 2"/>
@@ -13948,11 +13948,7 @@
             </a:pPr>
             <a:r>
               <a:rPr lang="en-US" altLang="zh-CN" sz="1050" dirty="0"/>
-              <a:t>Prec </a:t>
-            </a:r>
-            <a:r>
-              <a:rPr lang="en-US" altLang="zh-CN" sz="1050" dirty="0"/>
-              <a:t>	37.07%	97.02%		77.84%</a:t>
+              <a:t>Prec 	37.07%	97.02%		77.84%</a:t>
             </a:r>
           </a:p>
           <a:p>
@@ -14051,11 +14047,7 @@
             </a:pPr>
             <a:r>
               <a:rPr lang="en-US" altLang="zh-CN" sz="1050" dirty="0"/>
-              <a:t>Prec </a:t>
-            </a:r>
-            <a:r>
-              <a:rPr lang="en-US" altLang="zh-CN" sz="1050" dirty="0"/>
-              <a:t>	55.21%	96.92%		88.27%</a:t>
+              <a:t>Prec 	55.21%	96.92%		88.27%</a:t>
             </a:r>
           </a:p>
           <a:p>
@@ -14307,11 +14299,7 @@
             </a:pPr>
             <a:r>
               <a:rPr lang="en-US" altLang="zh-CN" sz="1050" dirty="0"/>
-              <a:t>Prec </a:t>
-            </a:r>
-            <a:r>
-              <a:rPr lang="en-US" altLang="zh-CN" sz="1050" dirty="0"/>
-              <a:t>	26.16%	97.18%		63.52%</a:t>
+              <a:t>Prec 	26.16%	97.18%		63.52%</a:t>
             </a:r>
           </a:p>
           <a:p>
@@ -14406,11 +14394,7 @@
             </a:pPr>
             <a:r>
               <a:rPr lang="en-US" altLang="zh-CN" sz="1050" dirty="0"/>
-              <a:t>Prec </a:t>
-            </a:r>
-            <a:r>
-              <a:rPr lang="en-US" altLang="zh-CN" sz="1050" dirty="0"/>
-              <a:t>	65.39%	96.78%		91.39</a:t>
+              <a:t>Prec 	65.39%	96.78%		91.39</a:t>
             </a:r>
             <a:r>
               <a:rPr lang="en-US" altLang="zh-CN" sz="1050" dirty="0" smtClean="0"/>
@@ -14572,11 +14556,7 @@
             </a:pPr>
             <a:r>
               <a:rPr lang="en-US" altLang="zh-CN" sz="1050" dirty="0"/>
-              <a:t>Prec </a:t>
-            </a:r>
-            <a:r>
-              <a:rPr lang="en-US" altLang="zh-CN" sz="1050" dirty="0"/>
-              <a:t>	62.74%	89.48%		87.76%</a:t>
+              <a:t>Prec 	62.74%	89.48%		87.76%</a:t>
             </a:r>
           </a:p>
           <a:p>
@@ -14675,11 +14655,7 @@
             </a:pPr>
             <a:r>
               <a:rPr lang="en-US" altLang="zh-CN" sz="1050" dirty="0"/>
-              <a:t>Prec </a:t>
-            </a:r>
-            <a:r>
-              <a:rPr lang="en-US" altLang="zh-CN" sz="1050" dirty="0"/>
-              <a:t>	61.90%	88.09%		87.05%</a:t>
+              <a:t>Prec 	61.90%	88.09%		87.05%</a:t>
             </a:r>
           </a:p>
           <a:p>
@@ -14939,11 +14915,7 @@
             </a:pPr>
             <a:r>
               <a:rPr lang="en-US" altLang="zh-CN" sz="1050" dirty="0"/>
-              <a:t>Prec </a:t>
-            </a:r>
-            <a:r>
-              <a:rPr lang="en-US" altLang="zh-CN" sz="1050" dirty="0"/>
-              <a:t>	58.94%	89.47%		87.35%</a:t>
+              <a:t>Prec 	58.94%	89.47%		87.35%</a:t>
             </a:r>
           </a:p>
           <a:p>
@@ -15034,11 +15006,7 @@
             </a:pPr>
             <a:r>
               <a:rPr lang="en-US" altLang="zh-CN" sz="1050" dirty="0"/>
-              <a:t>Prec </a:t>
-            </a:r>
-            <a:r>
-              <a:rPr lang="en-US" altLang="zh-CN" sz="1050" dirty="0"/>
-              <a:t>	59.73%	88.08%		86.91%</a:t>
+              <a:t>Prec 	59.73%	88.08%		86.91%</a:t>
             </a:r>
           </a:p>
           <a:p>
@@ -15305,11 +15273,7 @@
             </a:pPr>
             <a:r>
               <a:rPr lang="en-US" altLang="zh-CN" sz="1050" dirty="0"/>
-              <a:t>Prec </a:t>
-            </a:r>
-            <a:r>
-              <a:rPr lang="en-US" altLang="zh-CN" sz="1050" dirty="0"/>
-              <a:t>	97.56%	95.83%		96.01%</a:t>
+              <a:t>Prec 	97.56%	95.83%		96.01%</a:t>
             </a:r>
           </a:p>
           <a:p>
@@ -15570,11 +15534,7 @@
             </a:pPr>
             <a:r>
               <a:rPr lang="en-US" altLang="zh-CN" sz="1050" dirty="0"/>
-              <a:t>Prec </a:t>
-            </a:r>
-            <a:r>
-              <a:rPr lang="en-US" altLang="zh-CN" sz="1050" dirty="0"/>
-              <a:t>	14.60%	96.48%		19.84%</a:t>
+              <a:t>Prec 	14.60%	96.48%		19.84%</a:t>
             </a:r>
           </a:p>
           <a:p>
@@ -15673,11 +15633,7 @@
             </a:pPr>
             <a:r>
               <a:rPr lang="en-US" altLang="zh-CN" sz="1050" dirty="0"/>
-              <a:t>Prec </a:t>
-            </a:r>
-            <a:r>
-              <a:rPr lang="en-US" altLang="zh-CN" sz="1050" dirty="0"/>
-              <a:t>	99.35%	94.30%		94.74%</a:t>
+              <a:t>Prec 	99.35%	94.30%		94.74%</a:t>
             </a:r>
           </a:p>
           <a:p>
@@ -17542,21 +17498,6 @@
 </file>
 
 <file path=customXml/item1.xml><?xml version="1.0" encoding="utf-8"?>
-<p:properties xmlns:p="http://schemas.microsoft.com/office/2006/metadata/properties" xmlns:xsi="http://www.w3.org/2001/XMLSchema-instance" xmlns:pc="http://schemas.microsoft.com/office/infopath/2007/PartnerControls">
-  <documentManagement/>
-</p:properties>
-</file>
-
-<file path=customXml/item2.xml><?xml version="1.0" encoding="utf-8"?>
-<?mso-contentType ?>
-<FormTemplates xmlns="http://schemas.microsoft.com/sharepoint/v3/contenttype/forms">
-  <Display>DocumentLibraryForm</Display>
-  <Edit>DocumentLibraryForm</Edit>
-  <New>DocumentLibraryForm</New>
-</FormTemplates>
-</file>
-
-<file path=customXml/item3.xml><?xml version="1.0" encoding="utf-8"?>
 <ct:contentTypeSchema xmlns:ct="http://schemas.microsoft.com/office/2006/metadata/contentType" xmlns:ma="http://schemas.microsoft.com/office/2006/metadata/properties/metaAttributes" ct:_="" ma:_="" ma:contentTypeName="Document" ma:contentTypeID="0x0101005C025D7F14A2974D948D23CCC93ACBF0" ma:contentTypeVersion="0" ma:contentTypeDescription="Create a new document." ma:contentTypeScope="" ma:versionID="1b4b7c2d6970fff6ddccdf1eb18bb2fc">
   <xsd:schema xmlns:xsd="http://www.w3.org/2001/XMLSchema" xmlns:xs="http://www.w3.org/2001/XMLSchema" xmlns:p="http://schemas.microsoft.com/office/2006/metadata/properties" targetNamespace="http://schemas.microsoft.com/office/2006/metadata/properties" ma:root="true" ma:fieldsID="aa1222beb234debe96d12a98d24ff8a0">
     <xsd:element name="properties">
@@ -17670,17 +17611,33 @@
 </ct:contentTypeSchema>
 </file>
 
+<file path=customXml/item2.xml><?xml version="1.0" encoding="utf-8"?>
+<?mso-contentType ?>
+<FormTemplates xmlns="http://schemas.microsoft.com/sharepoint/v3/contenttype/forms">
+  <Display>DocumentLibraryForm</Display>
+  <Edit>DocumentLibraryForm</Edit>
+  <New>DocumentLibraryForm</New>
+</FormTemplates>
+</file>
+
+<file path=customXml/item3.xml><?xml version="1.0" encoding="utf-8"?>
+<p:properties xmlns:p="http://schemas.microsoft.com/office/2006/metadata/properties" xmlns:xsi="http://www.w3.org/2001/XMLSchema-instance" xmlns:pc="http://schemas.microsoft.com/office/infopath/2007/PartnerControls">
+  <documentManagement/>
+</p:properties>
+</file>
+
 <file path=customXml/itemProps1.xml><?xml version="1.0" encoding="utf-8"?>
-<ds:datastoreItem xmlns:ds="http://schemas.openxmlformats.org/officeDocument/2006/customXml" ds:itemID="{3297F4EF-AF82-42A2-B9A0-FD2DAF890393}">
+<ds:datastoreItem xmlns:ds="http://schemas.openxmlformats.org/officeDocument/2006/customXml" ds:itemID="{5C55BE02-7664-46FF-87E5-862D8CF6FFD9}">
   <ds:schemaRefs>
+    <ds:schemaRef ds:uri="http://schemas.microsoft.com/office/2006/metadata/contentType"/>
+    <ds:schemaRef ds:uri="http://schemas.microsoft.com/office/2006/metadata/properties/metaAttributes"/>
+    <ds:schemaRef ds:uri="http://www.w3.org/2001/XMLSchema"/>
+    <ds:schemaRef ds:uri="http://schemas.microsoft.com/office/2006/metadata/properties"/>
+    <ds:schemaRef ds:uri="http://schemas.openxmlformats.org/package/2006/metadata/core-properties"/>
+    <ds:schemaRef ds:uri="http://purl.org/dc/elements/1.1/"/>
     <ds:schemaRef ds:uri="http://purl.org/dc/terms/"/>
-    <ds:schemaRef ds:uri="http://purl.org/dc/elements/1.1/"/>
-    <ds:schemaRef ds:uri="http://schemas.microsoft.com/office/2006/metadata/properties"/>
-    <ds:schemaRef ds:uri="http://purl.org/dc/dcmitype/"/>
-    <ds:schemaRef ds:uri="http://schemas.microsoft.com/office/2006/documentManagement/types"/>
+    <ds:schemaRef ds:uri="http://schemas.microsoft.com/internal/obd"/>
     <ds:schemaRef ds:uri="http://schemas.microsoft.com/office/infopath/2007/PartnerControls"/>
-    <ds:schemaRef ds:uri="http://schemas.openxmlformats.org/package/2006/metadata/core-properties"/>
-    <ds:schemaRef ds:uri="http://www.w3.org/XML/1998/namespace"/>
   </ds:schemaRefs>
 </ds:datastoreItem>
 </file>
@@ -17694,17 +17651,16 @@
 </file>
 
 <file path=customXml/itemProps3.xml><?xml version="1.0" encoding="utf-8"?>
-<ds:datastoreItem xmlns:ds="http://schemas.openxmlformats.org/officeDocument/2006/customXml" ds:itemID="{5C55BE02-7664-46FF-87E5-862D8CF6FFD9}">
+<ds:datastoreItem xmlns:ds="http://schemas.openxmlformats.org/officeDocument/2006/customXml" ds:itemID="{3297F4EF-AF82-42A2-B9A0-FD2DAF890393}">
   <ds:schemaRefs>
-    <ds:schemaRef ds:uri="http://schemas.microsoft.com/office/2006/metadata/contentType"/>
-    <ds:schemaRef ds:uri="http://schemas.microsoft.com/office/2006/metadata/properties/metaAttributes"/>
-    <ds:schemaRef ds:uri="http://www.w3.org/2001/XMLSchema"/>
+    <ds:schemaRef ds:uri="http://purl.org/dc/terms/"/>
+    <ds:schemaRef ds:uri="http://purl.org/dc/elements/1.1/"/>
     <ds:schemaRef ds:uri="http://schemas.microsoft.com/office/2006/metadata/properties"/>
+    <ds:schemaRef ds:uri="http://purl.org/dc/dcmitype/"/>
+    <ds:schemaRef ds:uri="http://schemas.microsoft.com/office/2006/documentManagement/types"/>
+    <ds:schemaRef ds:uri="http://schemas.microsoft.com/office/infopath/2007/PartnerControls"/>
     <ds:schemaRef ds:uri="http://schemas.openxmlformats.org/package/2006/metadata/core-properties"/>
-    <ds:schemaRef ds:uri="http://purl.org/dc/elements/1.1/"/>
-    <ds:schemaRef ds:uri="http://purl.org/dc/terms/"/>
-    <ds:schemaRef ds:uri="http://schemas.microsoft.com/internal/obd"/>
-    <ds:schemaRef ds:uri="http://schemas.microsoft.com/office/infopath/2007/PartnerControls"/>
+    <ds:schemaRef ds:uri="http://www.w3.org/XML/1998/namespace"/>
   </ds:schemaRefs>
 </ds:datastoreItem>
 </file>